--- a/Ruby On Rails Deck - Controller.pptx
+++ b/Ruby On Rails Deck - Controller.pptx
@@ -26,10 +26,6 @@
     <p:sldId id="271" r:id="rId21"/>
     <p:sldId id="272" r:id="rId22"/>
     <p:sldId id="273" r:id="rId23"/>
-    <p:sldId id="274" r:id="rId24"/>
-    <p:sldId id="275" r:id="rId25"/>
-    <p:sldId id="276" r:id="rId26"/>
-    <p:sldId id="277" r:id="rId27"/>
   </p:sldIdLst>
   <p:sldSz cy="5143500" cx="9144000"/>
   <p:notesSz cx="6858000" cy="9144000"/>
@@ -1446,111 +1442,6 @@
 </p:notes>
 </file>
 
-<file path=ppt/notesSlides/notesSlide19.xml><?xml version="1.0" encoding="utf-8"?>
-<p:notes xmlns:a="http://schemas.openxmlformats.org/drawingml/2006/main" xmlns:r="http://schemas.openxmlformats.org/officeDocument/2006/relationships" xmlns:mc="http://schemas.openxmlformats.org/markup-compatibility/2006" xmlns:mv="urn:schemas-microsoft-com:mac:vml" xmlns:p="http://schemas.openxmlformats.org/presentationml/2006/main" xmlns:c="http://schemas.openxmlformats.org/drawingml/2006/chart" xmlns:dgm="http://schemas.openxmlformats.org/drawingml/2006/diagram" xmlns:o="urn:schemas-microsoft-com:office:office" xmlns:v="urn:schemas-microsoft-com:vml" xmlns:pvml="urn:schemas-microsoft-com:office:powerpoint" xmlns:com="http://schemas.openxmlformats.org/drawingml/2006/compatibility" xmlns:p14="http://schemas.microsoft.com/office/powerpoint/2010/main" showMasterPhAnim="0" showMasterSp="0">
-  <p:cSld>
-    <p:spTree>
-      <p:nvGrpSpPr>
-        <p:cNvPr id="140" name="Shape 140"/>
-        <p:cNvGrpSpPr/>
-        <p:nvPr/>
-      </p:nvGrpSpPr>
-      <p:grpSpPr>
-        <a:xfrm>
-          <a:off x="0" y="0"/>
-          <a:ext cx="0" cy="0"/>
-          <a:chOff x="0" y="0"/>
-          <a:chExt cx="0" cy="0"/>
-        </a:xfrm>
-      </p:grpSpPr>
-      <p:sp>
-        <p:nvSpPr>
-          <p:cNvPr id="141" name="Shape 141"/>
-          <p:cNvSpPr/>
-          <p:nvPr>
-            <p:ph idx="2" type="sldImg"/>
-          </p:nvPr>
-        </p:nvSpPr>
-        <p:spPr>
-          <a:xfrm>
-            <a:off x="381187" y="685800"/>
-            <a:ext cx="6096299" cy="3429000"/>
-          </a:xfrm>
-          <a:custGeom>
-            <a:pathLst>
-              <a:path extrusionOk="0" h="120000" w="120000">
-                <a:moveTo>
-                  <a:pt x="0" y="0"/>
-                </a:moveTo>
-                <a:lnTo>
-                  <a:pt x="120000" y="0"/>
-                </a:lnTo>
-                <a:lnTo>
-                  <a:pt x="120000" y="120000"/>
-                </a:lnTo>
-                <a:lnTo>
-                  <a:pt x="0" y="120000"/>
-                </a:lnTo>
-                <a:close/>
-              </a:path>
-            </a:pathLst>
-          </a:custGeom>
-          <a:noFill/>
-          <a:ln cap="flat" w="9525">
-            <a:solidFill>
-              <a:srgbClr val="000000"/>
-            </a:solidFill>
-            <a:prstDash val="solid"/>
-            <a:round/>
-            <a:headEnd len="med" w="med" type="none"/>
-            <a:tailEnd len="med" w="med" type="none"/>
-          </a:ln>
-        </p:spPr>
-      </p:sp>
-      <p:sp>
-        <p:nvSpPr>
-          <p:cNvPr id="142" name="Shape 142"/>
-          <p:cNvSpPr txBox="1"/>
-          <p:nvPr>
-            <p:ph idx="1" type="body"/>
-          </p:nvPr>
-        </p:nvSpPr>
-        <p:spPr>
-          <a:xfrm>
-            <a:off x="685800" y="4343400"/>
-            <a:ext cx="5486399" cy="4114800"/>
-          </a:xfrm>
-          <a:prstGeom prst="rect">
-            <a:avLst/>
-          </a:prstGeom>
-        </p:spPr>
-        <p:txBody>
-          <a:bodyPr anchorCtr="0" anchor="t" bIns="91425" lIns="91425" rIns="91425" tIns="91425">
-            <a:noAutofit/>
-          </a:bodyPr>
-          <a:lstStyle/>
-          <a:p>
-            <a:pPr>
-              <a:spcBef>
-                <a:spcPts val="0"/>
-              </a:spcBef>
-              <a:buNone/>
-            </a:pPr>
-            <a:r>
-              <a:t/>
-            </a:r>
-            <a:endParaRPr/>
-          </a:p>
-        </p:txBody>
-      </p:sp>
-    </p:spTree>
-  </p:cSld>
-  <p:clrMapOvr>
-    <a:masterClrMapping/>
-  </p:clrMapOvr>
-</p:notes>
-</file>
-
 <file path=ppt/notesSlides/notesSlide2.xml><?xml version="1.0" encoding="utf-8"?>
 <p:notes xmlns:a="http://schemas.openxmlformats.org/drawingml/2006/main" xmlns:r="http://schemas.openxmlformats.org/officeDocument/2006/relationships" xmlns:mc="http://schemas.openxmlformats.org/markup-compatibility/2006" xmlns:mv="urn:schemas-microsoft-com:mac:vml" xmlns:p="http://schemas.openxmlformats.org/presentationml/2006/main" xmlns:c="http://schemas.openxmlformats.org/drawingml/2006/chart" xmlns:dgm="http://schemas.openxmlformats.org/drawingml/2006/diagram" xmlns:o="urn:schemas-microsoft-com:office:office" xmlns:v="urn:schemas-microsoft-com:vml" xmlns:pvml="urn:schemas-microsoft-com:office:powerpoint" xmlns:com="http://schemas.openxmlformats.org/drawingml/2006/compatibility" xmlns:p14="http://schemas.microsoft.com/office/powerpoint/2010/main" showMasterPhAnim="0" showMasterSp="0">
   <p:cSld>
@@ -1615,321 +1506,6 @@
       <p:sp>
         <p:nvSpPr>
           <p:cNvPr id="40" name="Shape 40"/>
-          <p:cNvSpPr txBox="1"/>
-          <p:nvPr>
-            <p:ph idx="1" type="body"/>
-          </p:nvPr>
-        </p:nvSpPr>
-        <p:spPr>
-          <a:xfrm>
-            <a:off x="685800" y="4343400"/>
-            <a:ext cx="5486399" cy="4114800"/>
-          </a:xfrm>
-          <a:prstGeom prst="rect">
-            <a:avLst/>
-          </a:prstGeom>
-        </p:spPr>
-        <p:txBody>
-          <a:bodyPr anchorCtr="0" anchor="t" bIns="91425" lIns="91425" rIns="91425" tIns="91425">
-            <a:noAutofit/>
-          </a:bodyPr>
-          <a:lstStyle/>
-          <a:p>
-            <a:pPr>
-              <a:spcBef>
-                <a:spcPts val="0"/>
-              </a:spcBef>
-              <a:buNone/>
-            </a:pPr>
-            <a:r>
-              <a:t/>
-            </a:r>
-            <a:endParaRPr/>
-          </a:p>
-        </p:txBody>
-      </p:sp>
-    </p:spTree>
-  </p:cSld>
-  <p:clrMapOvr>
-    <a:masterClrMapping/>
-  </p:clrMapOvr>
-</p:notes>
-</file>
-
-<file path=ppt/notesSlides/notesSlide20.xml><?xml version="1.0" encoding="utf-8"?>
-<p:notes xmlns:a="http://schemas.openxmlformats.org/drawingml/2006/main" xmlns:r="http://schemas.openxmlformats.org/officeDocument/2006/relationships" xmlns:mc="http://schemas.openxmlformats.org/markup-compatibility/2006" xmlns:mv="urn:schemas-microsoft-com:mac:vml" xmlns:p="http://schemas.openxmlformats.org/presentationml/2006/main" xmlns:c="http://schemas.openxmlformats.org/drawingml/2006/chart" xmlns:dgm="http://schemas.openxmlformats.org/drawingml/2006/diagram" xmlns:o="urn:schemas-microsoft-com:office:office" xmlns:v="urn:schemas-microsoft-com:vml" xmlns:pvml="urn:schemas-microsoft-com:office:powerpoint" xmlns:com="http://schemas.openxmlformats.org/drawingml/2006/compatibility" xmlns:p14="http://schemas.microsoft.com/office/powerpoint/2010/main" showMasterPhAnim="0" showMasterSp="0">
-  <p:cSld>
-    <p:spTree>
-      <p:nvGrpSpPr>
-        <p:cNvPr id="146" name="Shape 146"/>
-        <p:cNvGrpSpPr/>
-        <p:nvPr/>
-      </p:nvGrpSpPr>
-      <p:grpSpPr>
-        <a:xfrm>
-          <a:off x="0" y="0"/>
-          <a:ext cx="0" cy="0"/>
-          <a:chOff x="0" y="0"/>
-          <a:chExt cx="0" cy="0"/>
-        </a:xfrm>
-      </p:grpSpPr>
-      <p:sp>
-        <p:nvSpPr>
-          <p:cNvPr id="147" name="Shape 147"/>
-          <p:cNvSpPr/>
-          <p:nvPr>
-            <p:ph idx="2" type="sldImg"/>
-          </p:nvPr>
-        </p:nvSpPr>
-        <p:spPr>
-          <a:xfrm>
-            <a:off x="381187" y="685800"/>
-            <a:ext cx="6096299" cy="3429000"/>
-          </a:xfrm>
-          <a:custGeom>
-            <a:pathLst>
-              <a:path extrusionOk="0" h="120000" w="120000">
-                <a:moveTo>
-                  <a:pt x="0" y="0"/>
-                </a:moveTo>
-                <a:lnTo>
-                  <a:pt x="120000" y="0"/>
-                </a:lnTo>
-                <a:lnTo>
-                  <a:pt x="120000" y="120000"/>
-                </a:lnTo>
-                <a:lnTo>
-                  <a:pt x="0" y="120000"/>
-                </a:lnTo>
-                <a:close/>
-              </a:path>
-            </a:pathLst>
-          </a:custGeom>
-          <a:noFill/>
-          <a:ln cap="flat" w="9525">
-            <a:solidFill>
-              <a:srgbClr val="000000"/>
-            </a:solidFill>
-            <a:prstDash val="solid"/>
-            <a:round/>
-            <a:headEnd len="med" w="med" type="none"/>
-            <a:tailEnd len="med" w="med" type="none"/>
-          </a:ln>
-        </p:spPr>
-      </p:sp>
-      <p:sp>
-        <p:nvSpPr>
-          <p:cNvPr id="148" name="Shape 148"/>
-          <p:cNvSpPr txBox="1"/>
-          <p:nvPr>
-            <p:ph idx="1" type="body"/>
-          </p:nvPr>
-        </p:nvSpPr>
-        <p:spPr>
-          <a:xfrm>
-            <a:off x="685800" y="4343400"/>
-            <a:ext cx="5486399" cy="4114800"/>
-          </a:xfrm>
-          <a:prstGeom prst="rect">
-            <a:avLst/>
-          </a:prstGeom>
-        </p:spPr>
-        <p:txBody>
-          <a:bodyPr anchorCtr="0" anchor="t" bIns="91425" lIns="91425" rIns="91425" tIns="91425">
-            <a:noAutofit/>
-          </a:bodyPr>
-          <a:lstStyle/>
-          <a:p>
-            <a:pPr>
-              <a:spcBef>
-                <a:spcPts val="0"/>
-              </a:spcBef>
-              <a:buNone/>
-            </a:pPr>
-            <a:r>
-              <a:t/>
-            </a:r>
-            <a:endParaRPr/>
-          </a:p>
-        </p:txBody>
-      </p:sp>
-    </p:spTree>
-  </p:cSld>
-  <p:clrMapOvr>
-    <a:masterClrMapping/>
-  </p:clrMapOvr>
-</p:notes>
-</file>
-
-<file path=ppt/notesSlides/notesSlide21.xml><?xml version="1.0" encoding="utf-8"?>
-<p:notes xmlns:a="http://schemas.openxmlformats.org/drawingml/2006/main" xmlns:r="http://schemas.openxmlformats.org/officeDocument/2006/relationships" xmlns:mc="http://schemas.openxmlformats.org/markup-compatibility/2006" xmlns:mv="urn:schemas-microsoft-com:mac:vml" xmlns:p="http://schemas.openxmlformats.org/presentationml/2006/main" xmlns:c="http://schemas.openxmlformats.org/drawingml/2006/chart" xmlns:dgm="http://schemas.openxmlformats.org/drawingml/2006/diagram" xmlns:o="urn:schemas-microsoft-com:office:office" xmlns:v="urn:schemas-microsoft-com:vml" xmlns:pvml="urn:schemas-microsoft-com:office:powerpoint" xmlns:com="http://schemas.openxmlformats.org/drawingml/2006/compatibility" xmlns:p14="http://schemas.microsoft.com/office/powerpoint/2010/main" showMasterPhAnim="0" showMasterSp="0">
-  <p:cSld>
-    <p:spTree>
-      <p:nvGrpSpPr>
-        <p:cNvPr id="152" name="Shape 152"/>
-        <p:cNvGrpSpPr/>
-        <p:nvPr/>
-      </p:nvGrpSpPr>
-      <p:grpSpPr>
-        <a:xfrm>
-          <a:off x="0" y="0"/>
-          <a:ext cx="0" cy="0"/>
-          <a:chOff x="0" y="0"/>
-          <a:chExt cx="0" cy="0"/>
-        </a:xfrm>
-      </p:grpSpPr>
-      <p:sp>
-        <p:nvSpPr>
-          <p:cNvPr id="153" name="Shape 153"/>
-          <p:cNvSpPr/>
-          <p:nvPr>
-            <p:ph idx="2" type="sldImg"/>
-          </p:nvPr>
-        </p:nvSpPr>
-        <p:spPr>
-          <a:xfrm>
-            <a:off x="381187" y="685800"/>
-            <a:ext cx="6096299" cy="3429000"/>
-          </a:xfrm>
-          <a:custGeom>
-            <a:pathLst>
-              <a:path extrusionOk="0" h="120000" w="120000">
-                <a:moveTo>
-                  <a:pt x="0" y="0"/>
-                </a:moveTo>
-                <a:lnTo>
-                  <a:pt x="120000" y="0"/>
-                </a:lnTo>
-                <a:lnTo>
-                  <a:pt x="120000" y="120000"/>
-                </a:lnTo>
-                <a:lnTo>
-                  <a:pt x="0" y="120000"/>
-                </a:lnTo>
-                <a:close/>
-              </a:path>
-            </a:pathLst>
-          </a:custGeom>
-          <a:noFill/>
-          <a:ln cap="flat" w="9525">
-            <a:solidFill>
-              <a:srgbClr val="000000"/>
-            </a:solidFill>
-            <a:prstDash val="solid"/>
-            <a:round/>
-            <a:headEnd len="med" w="med" type="none"/>
-            <a:tailEnd len="med" w="med" type="none"/>
-          </a:ln>
-        </p:spPr>
-      </p:sp>
-      <p:sp>
-        <p:nvSpPr>
-          <p:cNvPr id="154" name="Shape 154"/>
-          <p:cNvSpPr txBox="1"/>
-          <p:nvPr>
-            <p:ph idx="1" type="body"/>
-          </p:nvPr>
-        </p:nvSpPr>
-        <p:spPr>
-          <a:xfrm>
-            <a:off x="685800" y="4343400"/>
-            <a:ext cx="5486399" cy="4114800"/>
-          </a:xfrm>
-          <a:prstGeom prst="rect">
-            <a:avLst/>
-          </a:prstGeom>
-        </p:spPr>
-        <p:txBody>
-          <a:bodyPr anchorCtr="0" anchor="t" bIns="91425" lIns="91425" rIns="91425" tIns="91425">
-            <a:noAutofit/>
-          </a:bodyPr>
-          <a:lstStyle/>
-          <a:p>
-            <a:pPr>
-              <a:spcBef>
-                <a:spcPts val="0"/>
-              </a:spcBef>
-              <a:buNone/>
-            </a:pPr>
-            <a:r>
-              <a:t/>
-            </a:r>
-            <a:endParaRPr/>
-          </a:p>
-        </p:txBody>
-      </p:sp>
-    </p:spTree>
-  </p:cSld>
-  <p:clrMapOvr>
-    <a:masterClrMapping/>
-  </p:clrMapOvr>
-</p:notes>
-</file>
-
-<file path=ppt/notesSlides/notesSlide22.xml><?xml version="1.0" encoding="utf-8"?>
-<p:notes xmlns:a="http://schemas.openxmlformats.org/drawingml/2006/main" xmlns:r="http://schemas.openxmlformats.org/officeDocument/2006/relationships" xmlns:mc="http://schemas.openxmlformats.org/markup-compatibility/2006" xmlns:mv="urn:schemas-microsoft-com:mac:vml" xmlns:p="http://schemas.openxmlformats.org/presentationml/2006/main" xmlns:c="http://schemas.openxmlformats.org/drawingml/2006/chart" xmlns:dgm="http://schemas.openxmlformats.org/drawingml/2006/diagram" xmlns:o="urn:schemas-microsoft-com:office:office" xmlns:v="urn:schemas-microsoft-com:vml" xmlns:pvml="urn:schemas-microsoft-com:office:powerpoint" xmlns:com="http://schemas.openxmlformats.org/drawingml/2006/compatibility" xmlns:p14="http://schemas.microsoft.com/office/powerpoint/2010/main" showMasterPhAnim="0" showMasterSp="0">
-  <p:cSld>
-    <p:spTree>
-      <p:nvGrpSpPr>
-        <p:cNvPr id="158" name="Shape 158"/>
-        <p:cNvGrpSpPr/>
-        <p:nvPr/>
-      </p:nvGrpSpPr>
-      <p:grpSpPr>
-        <a:xfrm>
-          <a:off x="0" y="0"/>
-          <a:ext cx="0" cy="0"/>
-          <a:chOff x="0" y="0"/>
-          <a:chExt cx="0" cy="0"/>
-        </a:xfrm>
-      </p:grpSpPr>
-      <p:sp>
-        <p:nvSpPr>
-          <p:cNvPr id="159" name="Shape 159"/>
-          <p:cNvSpPr/>
-          <p:nvPr>
-            <p:ph idx="2" type="sldImg"/>
-          </p:nvPr>
-        </p:nvSpPr>
-        <p:spPr>
-          <a:xfrm>
-            <a:off x="381187" y="685800"/>
-            <a:ext cx="6096299" cy="3429000"/>
-          </a:xfrm>
-          <a:custGeom>
-            <a:pathLst>
-              <a:path extrusionOk="0" h="120000" w="120000">
-                <a:moveTo>
-                  <a:pt x="0" y="0"/>
-                </a:moveTo>
-                <a:lnTo>
-                  <a:pt x="120000" y="0"/>
-                </a:lnTo>
-                <a:lnTo>
-                  <a:pt x="120000" y="120000"/>
-                </a:lnTo>
-                <a:lnTo>
-                  <a:pt x="0" y="120000"/>
-                </a:lnTo>
-                <a:close/>
-              </a:path>
-            </a:pathLst>
-          </a:custGeom>
-          <a:noFill/>
-          <a:ln cap="flat" w="9525">
-            <a:solidFill>
-              <a:srgbClr val="000000"/>
-            </a:solidFill>
-            <a:prstDash val="solid"/>
-            <a:round/>
-            <a:headEnd len="med" w="med" type="none"/>
-            <a:tailEnd len="med" w="med" type="none"/>
-          </a:ln>
-        </p:spPr>
-      </p:sp>
-      <p:sp>
-        <p:nvSpPr>
-          <p:cNvPr id="160" name="Shape 160"/>
           <p:cNvSpPr txBox="1"/>
           <p:nvPr>
             <p:ph idx="1" type="body"/>
@@ -4902,7 +4478,7 @@
             </a:pPr>
             <a:r>
               <a:rPr lang="en"/>
-              <a:t>Redirects</a:t>
+              <a:t>Sessions</a:t>
             </a:r>
           </a:p>
         </p:txBody>
@@ -4934,11 +4510,45 @@
               <a:spcBef>
                 <a:spcPts val="0"/>
               </a:spcBef>
-              <a:buNone/>
-            </a:pPr>
-            <a:r>
-              <a:rPr lang="en" sz="1200"/>
-              <a:t>An HTTP redirect is sent from the server to the client in response to the request. Rails uses three kinds of redirect mechanisms:</a:t>
+              <a:buClr>
+                <a:schemeClr val="dk1"/>
+              </a:buClr>
+              <a:buSzPct val="91666"/>
+              <a:buFont typeface="Arial"/>
+              <a:buNone/>
+            </a:pPr>
+            <a:r>
+              <a:rPr lang="en" sz="1200"/>
+              <a:t>A rails session is a hash like structure that persists across requests.Unlike raw cookies, sessions can hold any objects, which makes them ideal for holding the state information.</a:t>
+            </a:r>
+          </a:p>
+          <a:p>
+            <a:pPr lvl="0" rtl="0">
+              <a:spcBef>
+                <a:spcPts val="0"/>
+              </a:spcBef>
+              <a:buClr>
+                <a:schemeClr val="dk1"/>
+              </a:buClr>
+              <a:buSzPct val="91666"/>
+              <a:buFont typeface="Arial"/>
+              <a:buNone/>
+            </a:pPr>
+            <a:r>
+              <a:rPr lang="en" sz="1200"/>
+              <a:t>Rails keeps track of sessions by creating 32 hex character keys. This key is called session id and is effectively random. Rails stores this session id as a cookie with a key session_id on the user’s browser.</a:t>
+            </a:r>
+          </a:p>
+          <a:p>
+            <a:pPr rtl="0">
+              <a:spcBef>
+                <a:spcPts val="0"/>
+              </a:spcBef>
+              <a:buNone/>
+            </a:pPr>
+            <a:r>
+              <a:rPr lang="en" sz="1200"/>
+              <a:t>This is how it all works:</a:t>
             </a:r>
           </a:p>
           <a:p>
@@ -4955,7 +4565,7 @@
             </a:pPr>
             <a:r>
               <a:rPr lang="en" sz="1200"/>
-              <a:t>Redirect to an action in a given controller</a:t>
+              <a:t>Rails stores a persistent store of session data on the server, indexed by session id.</a:t>
             </a:r>
           </a:p>
           <a:p>
@@ -4972,7 +4582,7 @@
             </a:pPr>
             <a:r>
               <a:rPr lang="en" sz="1200"/>
-              <a:t>To a URL on the current server</a:t>
+              <a:t>When a request comes, Rails looks up in the data store using the session id.</a:t>
             </a:r>
           </a:p>
           <a:p>
@@ -4989,178 +4599,102 @@
             </a:pPr>
             <a:r>
               <a:rPr lang="en" sz="1200"/>
-              <a:t>To any arbitrary URL</a:t>
-            </a:r>
-          </a:p>
-          <a:p>
-            <a:pPr lvl="0" rtl="0">
-              <a:spcBef>
-                <a:spcPts val="0"/>
-              </a:spcBef>
-              <a:buClr>
-                <a:schemeClr val="dk1"/>
-              </a:buClr>
-              <a:buSzPct val="91666"/>
-              <a:buFont typeface="Arial"/>
-              <a:buNone/>
-            </a:pPr>
-            <a:r>
-              <a:rPr lang="en" sz="1200"/>
-              <a:t>redirect_to(options)</a:t>
-            </a:r>
-          </a:p>
-          <a:p>
-            <a:pPr lvl="0" rtl="0">
-              <a:spcBef>
-                <a:spcPts val="0"/>
-              </a:spcBef>
-              <a:buNone/>
-            </a:pPr>
-            <a:r>
-              <a:rPr lang="en" sz="1200"/>
-              <a:t>Sends a temporary redirection to the browser based on the values in the options hash.</a:t>
-            </a:r>
-          </a:p>
-          <a:p>
-            <a:pPr lvl="0" rtl="0">
-              <a:spcBef>
-                <a:spcPts val="0"/>
-              </a:spcBef>
-              <a:buNone/>
-            </a:pPr>
-            <a:r>
-              <a:rPr lang="en" sz="1200"/>
-              <a:t>e.g. redirect_to ( :controller =&gt; store, :action =&gt;show)</a:t>
-            </a:r>
-          </a:p>
-          <a:p>
-            <a:pPr lvl="0" rtl="0">
-              <a:spcBef>
-                <a:spcPts val="0"/>
-              </a:spcBef>
-              <a:buNone/>
-            </a:pPr>
-            <a:r>
-              <a:rPr lang="en" sz="1200"/>
-              <a:t>This will redirect to the action show within the controller store and after processing renders the template corresponding to the action show().</a:t>
-            </a:r>
-          </a:p>
-          <a:p>
-            <a:pPr lvl="0" rtl="0">
-              <a:spcBef>
-                <a:spcPts val="0"/>
-              </a:spcBef>
-              <a:buNone/>
-            </a:pPr>
-            <a:r>
-              <a:rPr lang="en" sz="1200"/>
-              <a:t>redirect_to(path) </a:t>
-            </a:r>
-          </a:p>
-          <a:p>
-            <a:pPr lvl="0" rtl="0">
-              <a:spcBef>
-                <a:spcPts val="0"/>
-              </a:spcBef>
-              <a:buNone/>
-            </a:pPr>
-            <a:r>
-              <a:rPr lang="en" sz="1200"/>
-              <a:t>redirects to the given path. The path, which should start with a leading /, is relative to the protocol, host and the port of the current request.</a:t>
-            </a:r>
-          </a:p>
-          <a:p>
-            <a:pPr lvl="0" rtl="0">
-              <a:spcBef>
-                <a:spcPts val="0"/>
-              </a:spcBef>
-              <a:buNone/>
-            </a:pPr>
-            <a:r>
-              <a:rPr lang="en" sz="1200"/>
-              <a:t>e.g. redirect_to(“/order/order_entry.html”)</a:t>
-            </a:r>
-          </a:p>
-          <a:p>
-            <a:pPr lvl="0" rtl="0">
-              <a:spcBef>
-                <a:spcPts val="0"/>
-              </a:spcBef>
-              <a:buNone/>
-            </a:pPr>
-            <a:r>
-              <a:rPr lang="en" sz="1200"/>
-              <a:t>redirect_to(url)</a:t>
-            </a:r>
-          </a:p>
-          <a:p>
-            <a:pPr lvl="0" rtl="0">
-              <a:spcBef>
-                <a:spcPts val="0"/>
-              </a:spcBef>
-              <a:buNone/>
-            </a:pPr>
-            <a:r>
-              <a:rPr lang="en" sz="1200"/>
-              <a:t>redirects to a given full URL, which must start with a protocol name( such as http:// )</a:t>
-            </a:r>
-          </a:p>
-          <a:p>
-            <a:pPr lvl="0" rtl="0">
-              <a:spcBef>
-                <a:spcPts val="0"/>
-              </a:spcBef>
-              <a:buClr>
-                <a:schemeClr val="dk1"/>
-              </a:buClr>
-              <a:buFont typeface="Arial"/>
-              <a:buNone/>
-            </a:pPr>
-            <a:r>
-              <a:t/>
-            </a:r>
-            <a:endParaRPr sz="1200"/>
-          </a:p>
-          <a:p>
-            <a:pPr lvl="0" rtl="0">
-              <a:spcBef>
-                <a:spcPts val="0"/>
-              </a:spcBef>
-              <a:buClr>
-                <a:schemeClr val="dk1"/>
-              </a:buClr>
-              <a:buSzPct val="91666"/>
-              <a:buFont typeface="Arial"/>
-              <a:buNone/>
-            </a:pPr>
-            <a:r>
-              <a:rPr lang="en" sz="1200"/>
-              <a:t>￼</a:t>
-            </a:r>
-          </a:p>
-          <a:p>
-            <a:pPr lvl="0" rtl="0">
-              <a:spcBef>
-                <a:spcPts val="0"/>
-              </a:spcBef>
-              <a:buNone/>
-            </a:pPr>
-            <a:r>
-              <a:t/>
-            </a:r>
-            <a:endParaRPr sz="1200"/>
-          </a:p>
-          <a:p>
-            <a:pPr>
-              <a:spcBef>
-                <a:spcPts val="0"/>
-              </a:spcBef>
-              <a:buNone/>
-            </a:pPr>
-            <a:r>
-              <a:t/>
-            </a:r>
-            <a:endParaRPr sz="1200"/>
+              <a:t>It then stores the data in the controller’s session attribute, where it is available to the application code.</a:t>
+            </a:r>
+          </a:p>
+          <a:p>
+            <a:pPr indent="-304800" lvl="0" marL="457200" rtl="0">
+              <a:spcBef>
+                <a:spcPts val="0"/>
+              </a:spcBef>
+              <a:buClr>
+                <a:schemeClr val="dk1"/>
+              </a:buClr>
+              <a:buSzPct val="100000"/>
+              <a:buFont typeface="Arial"/>
+              <a:buChar char="●"/>
+            </a:pPr>
+            <a:r>
+              <a:rPr lang="en" sz="1200"/>
+              <a:t>The application can add to and modify the data.</a:t>
+            </a:r>
+          </a:p>
+          <a:p>
+            <a:pPr indent="-304800" lvl="0" marL="457200" rtl="0">
+              <a:spcBef>
+                <a:spcPts val="0"/>
+              </a:spcBef>
+              <a:buClr>
+                <a:schemeClr val="dk1"/>
+              </a:buClr>
+              <a:buSzPct val="100000"/>
+              <a:buFont typeface="Arial"/>
+              <a:buChar char="●"/>
+            </a:pPr>
+            <a:r>
+              <a:rPr lang="en" sz="1200"/>
+              <a:t>When it finishes processing each request, Rails writes the session data back to the data store.</a:t>
+            </a:r>
+          </a:p>
+          <a:p>
+            <a:pPr rtl="0">
+              <a:spcBef>
+                <a:spcPts val="0"/>
+              </a:spcBef>
+              <a:buNone/>
+            </a:pPr>
+            <a:r>
+              <a:rPr lang="en" sz="1200"/>
+              <a:t>Session Options:</a:t>
+            </a:r>
+          </a:p>
+          <a:p>
+            <a:pPr indent="-304800" lvl="0" marL="457200" rtl="0">
+              <a:spcBef>
+                <a:spcPts val="0"/>
+              </a:spcBef>
+              <a:buClr>
+                <a:schemeClr val="dk1"/>
+              </a:buClr>
+              <a:buSzPct val="100000"/>
+              <a:buFont typeface="Arial"/>
+              <a:buChar char="●"/>
+            </a:pPr>
+            <a:r>
+              <a:rPr lang="en" sz="1200"/>
+              <a:t>:session_domain</a:t>
+            </a:r>
+            <a:br>
+              <a:rPr lang="en" sz="1200"/>
+            </a:br>
+            <a:r>
+              <a:rPr lang="en" sz="1200"/>
+              <a:t>The domain of the cookie used to store the session id.Defaults to the application’s host name.</a:t>
+            </a:r>
+          </a:p>
+          <a:p>
+            <a:pPr indent="-304800" lvl="0" marL="457200" rtl="0">
+              <a:spcBef>
+                <a:spcPts val="0"/>
+              </a:spcBef>
+              <a:buClr>
+                <a:schemeClr val="dk1"/>
+              </a:buClr>
+              <a:buSzPct val="100000"/>
+              <a:buFont typeface="Arial"/>
+              <a:buChar char="●"/>
+            </a:pPr>
+            <a:r>
+              <a:rPr lang="en" sz="1200"/>
+              <a:t>:session_id</a:t>
+            </a:r>
+            <a:br>
+              <a:rPr lang="en" sz="1200"/>
+            </a:br>
+            <a:r>
+              <a:rPr lang="en" sz="1200"/>
+              <a:t>Overrides the default session id.If not set, new sessions automatically have the 32- character id created for them.</a:t>
+            </a:r>
           </a:p>
         </p:txBody>
       </p:sp>
@@ -5222,9 +4756,9 @@
               <a:buNone/>
             </a:pPr>
             <a:r>
-              <a:rPr lang="en"/>
-              <a:t>Sessions</a:t>
-            </a:r>
+              <a:t/>
+            </a:r>
+            <a:endParaRPr/>
           </a:p>
         </p:txBody>
       </p:sp>
@@ -5238,8 +4772,8 @@
         </p:nvSpPr>
         <p:spPr>
           <a:xfrm>
-            <a:off x="457200" y="1200150"/>
-            <a:ext cx="8229600" cy="3725699"/>
+            <a:off x="457200" y="205975"/>
+            <a:ext cx="8229600" cy="4719900"/>
           </a:xfrm>
           <a:prstGeom prst="rect">
             <a:avLst/>
@@ -5251,38 +4785,86 @@
           </a:bodyPr>
           <a:lstStyle/>
           <a:p>
-            <a:pPr lvl="0" rtl="0">
-              <a:spcBef>
-                <a:spcPts val="0"/>
-              </a:spcBef>
-              <a:buClr>
-                <a:schemeClr val="dk1"/>
-              </a:buClr>
-              <a:buSzPct val="91666"/>
-              <a:buFont typeface="Arial"/>
-              <a:buNone/>
-            </a:pPr>
-            <a:r>
-              <a:rPr lang="en" sz="1200"/>
-              <a:t>A rails session is a hash like structure that persists across requests.Unlike raw cookies, sessions can hold any objects, which makes them ideal for holding the state information.</a:t>
-            </a:r>
-          </a:p>
-          <a:p>
-            <a:pPr lvl="0" rtl="0">
-              <a:spcBef>
-                <a:spcPts val="0"/>
-              </a:spcBef>
-              <a:buClr>
-                <a:schemeClr val="dk1"/>
-              </a:buClr>
-              <a:buSzPct val="91666"/>
-              <a:buFont typeface="Arial"/>
-              <a:buNone/>
-            </a:pPr>
-            <a:r>
-              <a:rPr lang="en" sz="1200"/>
-              <a:t>Rails keeps track of sessions by creating 32 hex character keys. This key is called session id and is effectively random. Rails stores this session id as a cookie with a key session_id on the user’s browser.</a:t>
-            </a:r>
+            <a:pPr indent="-304800" lvl="0" marL="457200" rtl="0">
+              <a:spcBef>
+                <a:spcPts val="0"/>
+              </a:spcBef>
+              <a:buClr>
+                <a:schemeClr val="dk1"/>
+              </a:buClr>
+              <a:buSzPct val="100000"/>
+              <a:buFont typeface="Arial"/>
+              <a:buChar char="●"/>
+            </a:pPr>
+            <a:r>
+              <a:rPr lang="en" sz="1200"/>
+              <a:t>:session_key</a:t>
+            </a:r>
+            <a:br>
+              <a:rPr lang="en" sz="1200"/>
+            </a:br>
+            <a:r>
+              <a:rPr lang="en" sz="1200"/>
+              <a:t>The name of the cookie used to store the session id.</a:t>
+            </a:r>
+          </a:p>
+          <a:p>
+            <a:pPr indent="-304800" lvl="0" marL="457200" rtl="0">
+              <a:spcBef>
+                <a:spcPts val="0"/>
+              </a:spcBef>
+              <a:buClr>
+                <a:schemeClr val="dk1"/>
+              </a:buClr>
+              <a:buSzPct val="100000"/>
+              <a:buFont typeface="Arial"/>
+              <a:buChar char="●"/>
+            </a:pPr>
+            <a:r>
+              <a:rPr lang="en" sz="1200"/>
+              <a:t>:session_path</a:t>
+            </a:r>
+            <a:br>
+              <a:rPr lang="en" sz="1200"/>
+            </a:br>
+            <a:r>
+              <a:rPr lang="en" sz="1200"/>
+              <a:t>The request path to which this session applies. The default is /, so it applies to all applications in this domain.</a:t>
+            </a:r>
+          </a:p>
+          <a:p>
+            <a:pPr indent="-304800" lvl="0" marL="457200" rtl="0">
+              <a:spcBef>
+                <a:spcPts val="0"/>
+              </a:spcBef>
+              <a:buClr>
+                <a:schemeClr val="dk1"/>
+              </a:buClr>
+              <a:buSzPct val="100000"/>
+              <a:buFont typeface="Arial"/>
+              <a:buChar char="●"/>
+            </a:pPr>
+            <a:r>
+              <a:rPr lang="en" sz="1200"/>
+              <a:t>:expires</a:t>
+            </a:r>
+            <a:br>
+              <a:rPr lang="en" sz="1200"/>
+            </a:br>
+            <a:r>
+              <a:rPr lang="en" sz="1200"/>
+              <a:t>The absolute time for the expiry of this session. :session_secure</a:t>
+            </a:r>
+            <a:br>
+              <a:rPr lang="en" sz="1200"/>
+            </a:br>
+            <a:r>
+              <a:rPr lang="en" sz="1200"/>
+              <a:t>If this option is true, sessions will be enabled only over https:// . The default is false</a:t>
+            </a:r>
+            <a:br>
+              <a:rPr lang="en" sz="1200"/>
+            </a:br>
           </a:p>
           <a:p>
             <a:pPr rtl="0">
@@ -5293,92 +4875,7 @@
             </a:pPr>
             <a:r>
               <a:rPr lang="en" sz="1200"/>
-              <a:t>This is how it all works:</a:t>
-            </a:r>
-          </a:p>
-          <a:p>
-            <a:pPr indent="-304800" lvl="0" marL="457200" rtl="0">
-              <a:spcBef>
-                <a:spcPts val="0"/>
-              </a:spcBef>
-              <a:buClr>
-                <a:schemeClr val="dk1"/>
-              </a:buClr>
-              <a:buSzPct val="100000"/>
-              <a:buFont typeface="Arial"/>
-              <a:buChar char="●"/>
-            </a:pPr>
-            <a:r>
-              <a:rPr lang="en" sz="1200"/>
-              <a:t>Rails stores a persistent store of session data on the server, indexed by session id.</a:t>
-            </a:r>
-          </a:p>
-          <a:p>
-            <a:pPr indent="-304800" lvl="0" marL="457200" rtl="0">
-              <a:spcBef>
-                <a:spcPts val="0"/>
-              </a:spcBef>
-              <a:buClr>
-                <a:schemeClr val="dk1"/>
-              </a:buClr>
-              <a:buSzPct val="100000"/>
-              <a:buFont typeface="Arial"/>
-              <a:buChar char="●"/>
-            </a:pPr>
-            <a:r>
-              <a:rPr lang="en" sz="1200"/>
-              <a:t>When a request comes, Rails looks up in the data store using the session id.</a:t>
-            </a:r>
-          </a:p>
-          <a:p>
-            <a:pPr indent="-304800" lvl="0" marL="457200" rtl="0">
-              <a:spcBef>
-                <a:spcPts val="0"/>
-              </a:spcBef>
-              <a:buClr>
-                <a:schemeClr val="dk1"/>
-              </a:buClr>
-              <a:buSzPct val="100000"/>
-              <a:buFont typeface="Arial"/>
-              <a:buChar char="●"/>
-            </a:pPr>
-            <a:r>
-              <a:rPr lang="en" sz="1200"/>
-              <a:t>It then stores the data in the controller’s session attribute, where it is available to the application code.</a:t>
-            </a:r>
-          </a:p>
-          <a:p>
-            <a:pPr indent="-304800" lvl="0" marL="457200" rtl="0">
-              <a:spcBef>
-                <a:spcPts val="0"/>
-              </a:spcBef>
-              <a:buClr>
-                <a:schemeClr val="dk1"/>
-              </a:buClr>
-              <a:buSzPct val="100000"/>
-              <a:buFont typeface="Arial"/>
-              <a:buChar char="●"/>
-            </a:pPr>
-            <a:r>
-              <a:rPr lang="en" sz="1200"/>
-              <a:t>The application can add to and modify the data.</a:t>
-            </a:r>
-          </a:p>
-          <a:p>
-            <a:pPr indent="-304800" lvl="0" marL="457200" rtl="0">
-              <a:spcBef>
-                <a:spcPts val="0"/>
-              </a:spcBef>
-              <a:buClr>
-                <a:schemeClr val="dk1"/>
-              </a:buClr>
-              <a:buSzPct val="100000"/>
-              <a:buFont typeface="Arial"/>
-              <a:buChar char="●"/>
-            </a:pPr>
-            <a:r>
-              <a:rPr lang="en" sz="1200"/>
-              <a:t>When it finishes processing each request, Rails writes the session data back to the data store.</a:t>
+              <a:t>In case of sessions, the options are global, so you will typically set them in your environment files.</a:t>
             </a:r>
           </a:p>
           <a:p>
@@ -5390,56 +4887,31 @@
             </a:pPr>
             <a:r>
               <a:rPr lang="en" sz="1200"/>
-              <a:t>Session Options:</a:t>
-            </a:r>
-          </a:p>
-          <a:p>
-            <a:pPr indent="-304800" lvl="0" marL="457200" rtl="0">
-              <a:spcBef>
-                <a:spcPts val="0"/>
-              </a:spcBef>
-              <a:buClr>
-                <a:schemeClr val="dk1"/>
-              </a:buClr>
-              <a:buSzPct val="100000"/>
-              <a:buFont typeface="Arial"/>
-              <a:buChar char="●"/>
-            </a:pPr>
-            <a:r>
-              <a:rPr lang="en" sz="1200"/>
-              <a:t>:session_domain</a:t>
-            </a:r>
+              <a:t>For example, if you want to change he cookie name used by your application, you can add following to your environment file</a:t>
+            </a:r>
+          </a:p>
+          <a:p>
+            <a:pPr rtl="0">
+              <a:spcBef>
+                <a:spcPts val="0"/>
+              </a:spcBef>
+              <a:buNone/>
+            </a:pPr>
+            <a:r>
+              <a:rPr lang="en" sz="1200"/>
+              <a:t>ActionController :: cgiRequest :: DEFAULT_SESSION_OPTIONS[:session_key] = ‘ my_app’</a:t>
+            </a:r>
+          </a:p>
+          <a:p>
+            <a:pPr lvl="0" rtl="0">
+              <a:spcBef>
+                <a:spcPts val="0"/>
+              </a:spcBef>
+              <a:buNone/>
+            </a:pPr>
             <a:br>
               <a:rPr lang="en" sz="1200"/>
             </a:br>
-            <a:r>
-              <a:rPr lang="en" sz="1200"/>
-              <a:t>The domain of the cookie used to store the session id.Defaults to the application’s host name.</a:t>
-            </a:r>
-          </a:p>
-          <a:p>
-            <a:pPr indent="-304800" lvl="0" marL="457200" rtl="0">
-              <a:spcBef>
-                <a:spcPts val="0"/>
-              </a:spcBef>
-              <a:buClr>
-                <a:schemeClr val="dk1"/>
-              </a:buClr>
-              <a:buSzPct val="100000"/>
-              <a:buFont typeface="Arial"/>
-              <a:buChar char="●"/>
-            </a:pPr>
-            <a:r>
-              <a:rPr lang="en" sz="1200"/>
-              <a:t>:session_id</a:t>
-            </a:r>
-            <a:br>
-              <a:rPr lang="en" sz="1200"/>
-            </a:br>
-            <a:r>
-              <a:rPr lang="en" sz="1200"/>
-              <a:t>Overrides the default session id.If not set, new sessions automatically have the 32- character id created for them.</a:t>
-            </a:r>
           </a:p>
         </p:txBody>
       </p:sp>
@@ -5481,8 +4953,8 @@
         </p:nvSpPr>
         <p:spPr>
           <a:xfrm>
-            <a:off x="457200" y="205978"/>
-            <a:ext cx="8229600" cy="857400"/>
+            <a:off x="457200" y="121147"/>
+            <a:ext cx="8229600" cy="1491000"/>
           </a:xfrm>
           <a:prstGeom prst="rect">
             <a:avLst/>
@@ -5501,9 +4973,9 @@
               <a:buNone/>
             </a:pPr>
             <a:r>
-              <a:t/>
-            </a:r>
-            <a:endParaRPr/>
+              <a:rPr lang="en"/>
+              <a:t>Flash – Communication between Actions</a:t>
+            </a:r>
           </a:p>
         </p:txBody>
       </p:sp>
@@ -5517,8 +4989,8 @@
         </p:nvSpPr>
         <p:spPr>
           <a:xfrm>
-            <a:off x="457200" y="205975"/>
-            <a:ext cx="8229600" cy="4719900"/>
+            <a:off x="457200" y="1675625"/>
+            <a:ext cx="8229600" cy="3250500"/>
           </a:xfrm>
           <a:prstGeom prst="rect">
             <a:avLst/>
@@ -5530,6 +5002,18 @@
           </a:bodyPr>
           <a:lstStyle/>
           <a:p>
+            <a:pPr rtl="0">
+              <a:spcBef>
+                <a:spcPts val="0"/>
+              </a:spcBef>
+              <a:buNone/>
+            </a:pPr>
+            <a:r>
+              <a:rPr lang="en" sz="1200"/>
+              <a:t>When we use redirect_to() to transfer control to another action, the browser generates a separate request to invoke the action. That request will be handled by our application in a fresh instance of a controller object – instance variables that were set in the original action are not available to the code handling the redirected action. But sometimes we need to communicate between these two instances. We do this using mechanism called flash.</a:t>
+            </a:r>
+          </a:p>
+          <a:p>
             <a:pPr indent="-304800" lvl="0" marL="457200" rtl="0">
               <a:spcBef>
                 <a:spcPts val="0"/>
@@ -5543,14 +5027,7 @@
             </a:pPr>
             <a:r>
               <a:rPr lang="en" sz="1200"/>
-              <a:t>:session_key</a:t>
-            </a:r>
-            <a:br>
-              <a:rPr lang="en" sz="1200"/>
-            </a:br>
-            <a:r>
-              <a:rPr lang="en" sz="1200"/>
-              <a:t>The name of the cookie used to store the session id.</a:t>
+              <a:t>Flash is organized like a hash and stored in the session data, so you can store values associated with the keys and later retrieve them.</a:t>
             </a:r>
           </a:p>
           <a:p>
@@ -5567,14 +5044,7 @@
             </a:pPr>
             <a:r>
               <a:rPr lang="en" sz="1200"/>
-              <a:t>:session_path</a:t>
-            </a:r>
-            <a:br>
-              <a:rPr lang="en" sz="1200"/>
-            </a:br>
-            <a:r>
-              <a:rPr lang="en" sz="1200"/>
-              <a:t>The request path to which this session applies. The default is /, so it applies to all applications in this domain.</a:t>
+              <a:t>By default, values stored in the flash during the processing of the request will be available during the processing of the immediately following request.</a:t>
             </a:r>
           </a:p>
           <a:p>
@@ -5591,25 +5061,25 @@
             </a:pPr>
             <a:r>
               <a:rPr lang="en" sz="1200"/>
-              <a:t>:expires</a:t>
-            </a:r>
-            <a:br>
-              <a:rPr lang="en" sz="1200"/>
-            </a:br>
-            <a:r>
-              <a:rPr lang="en" sz="1200"/>
-              <a:t>The absolute time for the expiry of this session. :session_secure</a:t>
-            </a:r>
-            <a:br>
-              <a:rPr lang="en" sz="1200"/>
-            </a:br>
-            <a:r>
-              <a:rPr lang="en" sz="1200"/>
-              <a:t>If this option is true, sessions will be enabled only over https:// . The default is false</a:t>
-            </a:r>
-            <a:br>
-              <a:rPr lang="en" sz="1200"/>
-            </a:br>
+              <a:t>Once that second request is processed the values are removed from the flash.</a:t>
+            </a:r>
+          </a:p>
+          <a:p>
+            <a:pPr indent="-304800" lvl="0" marL="457200" rtl="0">
+              <a:spcBef>
+                <a:spcPts val="0"/>
+              </a:spcBef>
+              <a:buClr>
+                <a:schemeClr val="dk1"/>
+              </a:buClr>
+              <a:buSzPct val="100000"/>
+              <a:buFont typeface="Arial"/>
+              <a:buChar char="●"/>
+            </a:pPr>
+            <a:r>
+              <a:rPr lang="en" sz="1200"/>
+              <a:t>The flash is accessible in the layout code as well as the controller.</a:t>
+            </a:r>
           </a:p>
           <a:p>
             <a:pPr rtl="0">
@@ -5619,44 +5089,21 @@
               <a:buNone/>
             </a:pPr>
             <a:r>
-              <a:rPr lang="en" sz="1200"/>
-              <a:t>In case of sessions, the options are global, so you will typically set them in your environment files.</a:t>
-            </a:r>
-          </a:p>
-          <a:p>
-            <a:pPr rtl="0">
-              <a:spcBef>
-                <a:spcPts val="0"/>
-              </a:spcBef>
-              <a:buNone/>
-            </a:pPr>
-            <a:r>
-              <a:rPr lang="en" sz="1200"/>
-              <a:t>For example, if you want to change he cookie name used by your application, you can add following to your environment file</a:t>
-            </a:r>
-          </a:p>
-          <a:p>
-            <a:pPr rtl="0">
-              <a:spcBef>
-                <a:spcPts val="0"/>
-              </a:spcBef>
-              <a:buNone/>
-            </a:pPr>
-            <a:r>
-              <a:rPr lang="en" sz="1200"/>
-              <a:t>ActionController :: cgiRequest :: DEFAULT_SESSION_OPTIONS[:session_key] = ‘ my_app’</a:t>
-            </a:r>
-          </a:p>
-          <a:p>
-            <a:pPr lvl="0" rtl="0">
-              <a:spcBef>
-                <a:spcPts val="0"/>
-              </a:spcBef>
-              <a:buNone/>
-            </a:pPr>
-            <a:br>
-              <a:rPr lang="en" sz="1200"/>
-            </a:br>
+              <a:t/>
+            </a:r>
+            <a:endParaRPr sz="1200"/>
+          </a:p>
+          <a:p>
+            <a:pPr lvl="0">
+              <a:spcBef>
+                <a:spcPts val="0"/>
+              </a:spcBef>
+              <a:buNone/>
+            </a:pPr>
+            <a:r>
+              <a:rPr lang="en" sz="1200"/>
+              <a:t>Probably the most common use of flash is to pass error and informational strings from one action to the next. This message passed using the flash can be used in the view corresponding to the second action.</a:t>
+            </a:r>
           </a:p>
         </p:txBody>
       </p:sp>
@@ -5698,8 +5145,8 @@
         </p:nvSpPr>
         <p:spPr>
           <a:xfrm>
-            <a:off x="457200" y="121147"/>
-            <a:ext cx="8229600" cy="1491000"/>
+            <a:off x="457200" y="205978"/>
+            <a:ext cx="8229600" cy="857400"/>
           </a:xfrm>
           <a:prstGeom prst="rect">
             <a:avLst/>
@@ -5718,9 +5165,9 @@
               <a:buNone/>
             </a:pPr>
             <a:r>
-              <a:rPr lang="en"/>
-              <a:t>Flash – Communication between Actions</a:t>
-            </a:r>
+              <a:t/>
+            </a:r>
+            <a:endParaRPr/>
           </a:p>
         </p:txBody>
       </p:sp>
@@ -5734,8 +5181,8 @@
         </p:nvSpPr>
         <p:spPr>
           <a:xfrm>
-            <a:off x="457200" y="1675625"/>
-            <a:ext cx="8229600" cy="3250500"/>
+            <a:off x="457200" y="205975"/>
+            <a:ext cx="8229600" cy="4719900"/>
           </a:xfrm>
           <a:prstGeom prst="rect">
             <a:avLst/>
@@ -5747,87 +5194,223 @@
           </a:bodyPr>
           <a:lstStyle/>
           <a:p>
-            <a:pPr rtl="0">
-              <a:spcBef>
-                <a:spcPts val="0"/>
-              </a:spcBef>
-              <a:buNone/>
-            </a:pPr>
-            <a:r>
-              <a:rPr lang="en" sz="1200"/>
-              <a:t>When we use redirect_to() to transfer control to another action, the browser generates a separate request to invoke the action. That request will be handled by our application in a fresh instance of a controller object – instance variables that were set in the original action are not available to the code handling the redirected action. But sometimes we need to communicate between these two instances. We do this using mechanism called flash.</a:t>
-            </a:r>
-          </a:p>
-          <a:p>
-            <a:pPr indent="-304800" lvl="0" marL="457200" rtl="0">
-              <a:spcBef>
-                <a:spcPts val="0"/>
-              </a:spcBef>
-              <a:buClr>
-                <a:schemeClr val="dk1"/>
-              </a:buClr>
-              <a:buSzPct val="100000"/>
-              <a:buFont typeface="Arial"/>
-              <a:buChar char="●"/>
-            </a:pPr>
-            <a:r>
-              <a:rPr lang="en" sz="1200"/>
-              <a:t>Flash is organized like a hash and stored in the session data, so you can store values associated with the keys and later retrieve them.</a:t>
-            </a:r>
-          </a:p>
-          <a:p>
-            <a:pPr indent="-304800" lvl="0" marL="457200" rtl="0">
-              <a:spcBef>
-                <a:spcPts val="0"/>
-              </a:spcBef>
-              <a:buClr>
-                <a:schemeClr val="dk1"/>
-              </a:buClr>
-              <a:buSzPct val="100000"/>
-              <a:buFont typeface="Arial"/>
-              <a:buChar char="●"/>
-            </a:pPr>
-            <a:r>
-              <a:rPr lang="en" sz="1200"/>
-              <a:t>By default, values stored in the flash during the processing of the request will be available during the processing of the immediately following request.</a:t>
-            </a:r>
-          </a:p>
-          <a:p>
-            <a:pPr indent="-304800" lvl="0" marL="457200" rtl="0">
-              <a:spcBef>
-                <a:spcPts val="0"/>
-              </a:spcBef>
-              <a:buClr>
-                <a:schemeClr val="dk1"/>
-              </a:buClr>
-              <a:buSzPct val="100000"/>
-              <a:buFont typeface="Arial"/>
-              <a:buChar char="●"/>
-            </a:pPr>
-            <a:r>
-              <a:rPr lang="en" sz="1200"/>
-              <a:t>Once that second request is processed the values are removed from the flash.</a:t>
-            </a:r>
-          </a:p>
-          <a:p>
-            <a:pPr indent="-304800" lvl="0" marL="457200" rtl="0">
-              <a:spcBef>
-                <a:spcPts val="0"/>
-              </a:spcBef>
-              <a:buClr>
-                <a:schemeClr val="dk1"/>
-              </a:buClr>
-              <a:buSzPct val="100000"/>
-              <a:buFont typeface="Arial"/>
-              <a:buChar char="●"/>
-            </a:pPr>
-            <a:r>
-              <a:rPr lang="en" sz="1200"/>
-              <a:t>The flash is accessible in the layout code as well as the controller.</a:t>
-            </a:r>
-          </a:p>
-          <a:p>
-            <a:pPr rtl="0">
+            <a:pPr lvl="0" rtl="0">
+              <a:spcBef>
+                <a:spcPts val="0"/>
+              </a:spcBef>
+              <a:buNone/>
+            </a:pPr>
+            <a:r>
+              <a:rPr lang="en" sz="1200"/>
+              <a:t>class BlogControler</a:t>
+            </a:r>
+          </a:p>
+          <a:p>
+            <a:pPr indent="0" lvl="0" marL="0" rtl="0">
+              <a:spcBef>
+                <a:spcPts val="0"/>
+              </a:spcBef>
+              <a:buClr>
+                <a:schemeClr val="dk1"/>
+              </a:buClr>
+              <a:buSzPct val="91666"/>
+              <a:buFont typeface="Arial"/>
+              <a:buNone/>
+            </a:pPr>
+            <a:r>
+              <a:rPr lang="en" sz="1200"/>
+              <a:t>  def display</a:t>
+            </a:r>
+          </a:p>
+          <a:p>
+            <a:pPr lvl="0" rtl="0">
+              <a:spcBef>
+                <a:spcPts val="0"/>
+              </a:spcBef>
+              <a:buNone/>
+            </a:pPr>
+            <a:r>
+              <a:rPr lang="en" sz="1200"/>
+              <a:t>    @article = Article.find(params[:id])</a:t>
+            </a:r>
+          </a:p>
+          <a:p>
+            <a:pPr lvl="0" rtl="0">
+              <a:spcBef>
+                <a:spcPts val="0"/>
+              </a:spcBef>
+              <a:buClr>
+                <a:schemeClr val="dk1"/>
+              </a:buClr>
+              <a:buSzPct val="91666"/>
+              <a:buFont typeface="Arial"/>
+              <a:buNone/>
+            </a:pPr>
+            <a:r>
+              <a:rPr lang="en" sz="1200"/>
+              <a:t>  end</a:t>
+            </a:r>
+          </a:p>
+          <a:p>
+            <a:pPr lvl="0" rtl="0">
+              <a:spcBef>
+                <a:spcPts val="0"/>
+              </a:spcBef>
+              <a:buClr>
+                <a:schemeClr val="dk1"/>
+              </a:buClr>
+              <a:buSzPct val="91666"/>
+              <a:buFont typeface="Arial"/>
+              <a:buNone/>
+            </a:pPr>
+            <a:br>
+              <a:rPr lang="en" sz="1200"/>
+            </a:br>
+            <a:r>
+              <a:rPr lang="en" sz="1200"/>
+              <a:t>  def add_comment</a:t>
+            </a:r>
+          </a:p>
+          <a:p>
+            <a:pPr lvl="0" rtl="0">
+              <a:spcBef>
+                <a:spcPts val="0"/>
+              </a:spcBef>
+              <a:buClr>
+                <a:schemeClr val="dk1"/>
+              </a:buClr>
+              <a:buSzPct val="91666"/>
+              <a:buFont typeface="Arial"/>
+              <a:buNone/>
+            </a:pPr>
+            <a:r>
+              <a:rPr lang="en" sz="1200"/>
+              <a:t>    @article = Article.find(params[:id])</a:t>
+            </a:r>
+          </a:p>
+          <a:p>
+            <a:pPr lvl="0" rtl="0">
+              <a:spcBef>
+                <a:spcPts val="0"/>
+              </a:spcBef>
+              <a:buClr>
+                <a:schemeClr val="dk1"/>
+              </a:buClr>
+              <a:buSzPct val="91666"/>
+              <a:buFont typeface="Arial"/>
+              <a:buNone/>
+            </a:pPr>
+            <a:r>
+              <a:rPr lang="en" sz="1200"/>
+              <a:t>    comment = Comment.new(params[:comment]) @article.comments &lt;&lt; comment</a:t>
+            </a:r>
+          </a:p>
+          <a:p>
+            <a:pPr lvl="0" rtl="0">
+              <a:spcBef>
+                <a:spcPts val="0"/>
+              </a:spcBef>
+              <a:buClr>
+                <a:schemeClr val="dk1"/>
+              </a:buClr>
+              <a:buSzPct val="91666"/>
+              <a:buFont typeface="Arial"/>
+              <a:buNone/>
+            </a:pPr>
+            <a:r>
+              <a:rPr lang="en" sz="1200"/>
+              <a:t>    if @article.save</a:t>
+            </a:r>
+          </a:p>
+          <a:p>
+            <a:pPr lvl="0" rtl="0">
+              <a:spcBef>
+                <a:spcPts val="0"/>
+              </a:spcBef>
+              <a:buNone/>
+            </a:pPr>
+            <a:r>
+              <a:rPr lang="en" sz="1200"/>
+              <a:t>      flash[:note] = “Thank you for your comments”</a:t>
+            </a:r>
+          </a:p>
+          <a:p>
+            <a:pPr lvl="0" rtl="0">
+              <a:spcBef>
+                <a:spcPts val="0"/>
+              </a:spcBef>
+              <a:buClr>
+                <a:schemeClr val="dk1"/>
+              </a:buClr>
+              <a:buSzPct val="91666"/>
+              <a:buFont typeface="Arial"/>
+              <a:buNone/>
+            </a:pPr>
+            <a:r>
+              <a:rPr lang="en" sz="1200"/>
+              <a:t>    else</a:t>
+            </a:r>
+          </a:p>
+          <a:p>
+            <a:pPr lvl="0" rtl="0">
+              <a:spcBef>
+                <a:spcPts val="0"/>
+              </a:spcBef>
+              <a:buNone/>
+            </a:pPr>
+            <a:r>
+              <a:rPr lang="en" sz="1200"/>
+              <a:t>      flash[:note] = “Comments not acceptable”</a:t>
+            </a:r>
+          </a:p>
+          <a:p>
+            <a:pPr lvl="0" rtl="0">
+              <a:spcBef>
+                <a:spcPts val="0"/>
+              </a:spcBef>
+              <a:buNone/>
+            </a:pPr>
+            <a:r>
+              <a:rPr lang="en" sz="1200"/>
+              <a:t>    end</a:t>
+            </a:r>
+          </a:p>
+          <a:p>
+            <a:pPr lvl="0" rtl="0">
+              <a:spcBef>
+                <a:spcPts val="0"/>
+              </a:spcBef>
+              <a:buClr>
+                <a:schemeClr val="dk1"/>
+              </a:buClr>
+              <a:buSzPct val="91666"/>
+              <a:buFont typeface="Arial"/>
+              <a:buNone/>
+            </a:pPr>
+            <a:r>
+              <a:rPr lang="en" sz="1200"/>
+              <a:t>  end</a:t>
+            </a:r>
+          </a:p>
+          <a:p>
+            <a:pPr lvl="0" rtl="0">
+              <a:spcBef>
+                <a:spcPts val="0"/>
+              </a:spcBef>
+              <a:buClr>
+                <a:schemeClr val="dk1"/>
+              </a:buClr>
+              <a:buSzPct val="91666"/>
+              <a:buFont typeface="Arial"/>
+              <a:buNone/>
+            </a:pPr>
+            <a:r>
+              <a:rPr lang="en" sz="1200"/>
+              <a:t>￼</a:t>
+            </a:r>
+          </a:p>
+          <a:p>
+            <a:pPr>
               <a:spcBef>
                 <a:spcPts val="0"/>
               </a:spcBef>
@@ -5837,18 +5420,6 @@
               <a:t/>
             </a:r>
             <a:endParaRPr sz="1200"/>
-          </a:p>
-          <a:p>
-            <a:pPr lvl="0">
-              <a:spcBef>
-                <a:spcPts val="0"/>
-              </a:spcBef>
-              <a:buNone/>
-            </a:pPr>
-            <a:r>
-              <a:rPr lang="en" sz="1200"/>
-              <a:t>Probably the most common use of flash is to pass error and informational strings from one action to the next. This message passed using the flash can be used in the view corresponding to the second action.</a:t>
-            </a:r>
           </a:p>
         </p:txBody>
       </p:sp>
@@ -5947,11 +5518,14 @@
             </a:pPr>
             <a:r>
               <a:rPr lang="en" sz="1200"/>
-              <a:t>class BlogControler</a:t>
-            </a:r>
-          </a:p>
-          <a:p>
-            <a:pPr indent="0" lvl="0" marL="0" rtl="0">
+              <a:t>View corresponding to display action, display.rhtml will use these flash messages. </a:t>
+            </a:r>
+            <a:br>
+              <a:rPr lang="en" sz="1200"/>
+            </a:br>
+          </a:p>
+          <a:p>
+            <a:pPr lvl="0" rtl="0">
               <a:spcBef>
                 <a:spcPts val="0"/>
               </a:spcBef>
@@ -5964,19 +5538,7 @@
             </a:pPr>
             <a:r>
               <a:rPr lang="en" sz="1200"/>
-              <a:t>  def display</a:t>
-            </a:r>
-          </a:p>
-          <a:p>
-            <a:pPr lvl="0" rtl="0">
-              <a:spcBef>
-                <a:spcPts val="0"/>
-              </a:spcBef>
-              <a:buNone/>
-            </a:pPr>
-            <a:r>
-              <a:rPr lang="en" sz="1200"/>
-              <a:t>    @article = Article.find(params[:id])</a:t>
+              <a:t>&lt;html&gt;</a:t>
             </a:r>
           </a:p>
           <a:p>
@@ -5993,7 +5555,7 @@
             </a:pPr>
             <a:r>
               <a:rPr lang="en" sz="1200"/>
-              <a:t>  end</a:t>
+              <a:t>&lt;body&gt;</a:t>
             </a:r>
           </a:p>
           <a:p>
@@ -6008,12 +5570,9 @@
               <a:buFont typeface="Arial"/>
               <a:buNone/>
             </a:pPr>
-            <a:br>
-              <a:rPr lang="en" sz="1200"/>
-            </a:br>
-            <a:r>
-              <a:rPr lang="en" sz="1200"/>
-              <a:t>  def add_comment</a:t>
+            <a:r>
+              <a:rPr lang="en" sz="1200"/>
+              <a:t>&lt;div id=“main”&gt;</a:t>
             </a:r>
           </a:p>
           <a:p>
@@ -6030,7 +5589,19 @@
             </a:pPr>
             <a:r>
               <a:rPr lang="en" sz="1200"/>
-              <a:t>    @article = Article.find(params[:id])</a:t>
+              <a:t>&lt;% if @flash[:note] %&gt;</a:t>
+            </a:r>
+          </a:p>
+          <a:p>
+            <a:pPr lvl="0" rtl="0">
+              <a:spcBef>
+                <a:spcPts val="0"/>
+              </a:spcBef>
+              <a:buNone/>
+            </a:pPr>
+            <a:r>
+              <a:rPr lang="en" sz="1200"/>
+              <a:t>&lt;div id=“notice”&gt; &lt;% = @flash[:note] %&gt; &lt;/div&gt; </a:t>
             </a:r>
           </a:p>
           <a:p>
@@ -6047,7 +5618,7 @@
             </a:pPr>
             <a:r>
               <a:rPr lang="en" sz="1200"/>
-              <a:t>    comment = Comment.new(params[:comment]) @article.comments &lt;&lt; comment</a:t>
+              <a:t>&lt;%end%&gt;</a:t>
             </a:r>
           </a:p>
           <a:p>
@@ -6064,19 +5635,19 @@
             </a:pPr>
             <a:r>
               <a:rPr lang="en" sz="1200"/>
-              <a:t>    if @article.save</a:t>
-            </a:r>
-          </a:p>
-          <a:p>
-            <a:pPr lvl="0" rtl="0">
-              <a:spcBef>
-                <a:spcPts val="0"/>
-              </a:spcBef>
-              <a:buNone/>
-            </a:pPr>
-            <a:r>
-              <a:rPr lang="en" sz="1200"/>
-              <a:t>      flash[:note] = “Thank you for your comments”</a:t>
+              <a:t>.........</a:t>
+            </a:r>
+          </a:p>
+          <a:p>
+            <a:pPr lvl="0" rtl="0">
+              <a:spcBef>
+                <a:spcPts val="0"/>
+              </a:spcBef>
+              <a:buNone/>
+            </a:pPr>
+            <a:r>
+              <a:rPr lang="en" sz="1200"/>
+              <a:t>......... </a:t>
             </a:r>
           </a:p>
           <a:p>
@@ -6093,78 +5664,32 @@
             </a:pPr>
             <a:r>
               <a:rPr lang="en" sz="1200"/>
-              <a:t>    else</a:t>
-            </a:r>
-          </a:p>
-          <a:p>
-            <a:pPr lvl="0" rtl="0">
-              <a:spcBef>
-                <a:spcPts val="0"/>
-              </a:spcBef>
-              <a:buNone/>
-            </a:pPr>
-            <a:r>
-              <a:rPr lang="en" sz="1200"/>
-              <a:t>      flash[:note] = “Comments not acceptable”</a:t>
-            </a:r>
-          </a:p>
-          <a:p>
-            <a:pPr lvl="0" rtl="0">
-              <a:spcBef>
-                <a:spcPts val="0"/>
-              </a:spcBef>
-              <a:buNone/>
-            </a:pPr>
-            <a:r>
-              <a:rPr lang="en" sz="1200"/>
-              <a:t>    end</a:t>
-            </a:r>
-          </a:p>
-          <a:p>
-            <a:pPr lvl="0" rtl="0">
-              <a:spcBef>
-                <a:spcPts val="0"/>
-              </a:spcBef>
-              <a:buClr>
-                <a:schemeClr val="dk1"/>
-              </a:buClr>
-              <a:buSzPct val="91666"/>
-              <a:buFont typeface="Arial"/>
-              <a:buNone/>
-            </a:pPr>
-            <a:r>
-              <a:rPr lang="en" sz="1200"/>
-              <a:t>  end</a:t>
-            </a:r>
-          </a:p>
-          <a:p>
-            <a:pPr lvl="0" rtl="0">
-              <a:spcBef>
-                <a:spcPts val="0"/>
-              </a:spcBef>
-              <a:buClr>
-                <a:schemeClr val="dk1"/>
-              </a:buClr>
-              <a:buSzPct val="91666"/>
-              <a:buFont typeface="Arial"/>
-              <a:buNone/>
-            </a:pPr>
-            <a:r>
-              <a:rPr lang="en" sz="1200"/>
-              <a:t>￼</a:t>
-            </a:r>
-          </a:p>
-          <a:p>
-            <a:pPr>
-              <a:spcBef>
-                <a:spcPts val="0"/>
-              </a:spcBef>
-              <a:buNone/>
-            </a:pPr>
-            <a:r>
-              <a:t/>
-            </a:r>
-            <a:endParaRPr sz="1200"/>
+              <a:t>&lt;/div&gt;</a:t>
+            </a:r>
+          </a:p>
+          <a:p>
+            <a:pPr lvl="0" rtl="0">
+              <a:spcBef>
+                <a:spcPts val="0"/>
+              </a:spcBef>
+              <a:buNone/>
+            </a:pPr>
+            <a:r>
+              <a:rPr lang="en" sz="1200"/>
+              <a:t>&lt;/body&gt;</a:t>
+            </a:r>
+          </a:p>
+          <a:p>
+            <a:pPr lvl="0">
+              <a:spcBef>
+                <a:spcPts val="0"/>
+              </a:spcBef>
+              <a:buNone/>
+            </a:pPr>
+            <a:r>
+              <a:rPr lang="en" sz="1200"/>
+              <a:t>&lt;/html&gt;</a:t>
+            </a:r>
           </a:p>
         </p:txBody>
       </p:sp>
@@ -6226,9 +5751,9 @@
               <a:buNone/>
             </a:pPr>
             <a:r>
-              <a:t/>
-            </a:r>
-            <a:endParaRPr/>
+              <a:rPr lang="en"/>
+              <a:t>Filters and Verification</a:t>
+            </a:r>
           </a:p>
         </p:txBody>
       </p:sp>
@@ -6242,8 +5767,8 @@
         </p:nvSpPr>
         <p:spPr>
           <a:xfrm>
-            <a:off x="457200" y="205975"/>
-            <a:ext cx="8229600" cy="4719900"/>
+            <a:off x="457200" y="1200150"/>
+            <a:ext cx="8229600" cy="3725699"/>
           </a:xfrm>
           <a:prstGeom prst="rect">
             <a:avLst/>
@@ -6255,185 +5780,141 @@
           </a:bodyPr>
           <a:lstStyle/>
           <a:p>
-            <a:pPr lvl="0" rtl="0">
-              <a:spcBef>
-                <a:spcPts val="0"/>
-              </a:spcBef>
-              <a:buNone/>
-            </a:pPr>
-            <a:r>
-              <a:rPr lang="en" sz="1200"/>
-              <a:t>View corresponding to display action, display.rhtml will use these flash messages. </a:t>
-            </a:r>
-            <a:br>
-              <a:rPr lang="en" sz="1200"/>
-            </a:br>
-          </a:p>
-          <a:p>
-            <a:pPr lvl="0" rtl="0">
-              <a:spcBef>
-                <a:spcPts val="0"/>
-              </a:spcBef>
-              <a:buClr>
-                <a:schemeClr val="dk1"/>
-              </a:buClr>
-              <a:buSzPct val="91666"/>
-              <a:buFont typeface="Arial"/>
-              <a:buNone/>
-            </a:pPr>
-            <a:r>
-              <a:rPr lang="en" sz="1200"/>
-              <a:t>&lt;html&gt;</a:t>
-            </a:r>
-          </a:p>
-          <a:p>
-            <a:pPr lvl="0" rtl="0">
-              <a:spcBef>
-                <a:spcPts val="0"/>
-              </a:spcBef>
-              <a:buClr>
-                <a:schemeClr val="dk1"/>
-              </a:buClr>
-              <a:buSzPct val="91666"/>
-              <a:buFont typeface="Arial"/>
-              <a:buNone/>
-            </a:pPr>
-            <a:r>
-              <a:rPr lang="en" sz="1200"/>
-              <a:t>&lt;body&gt;</a:t>
-            </a:r>
-          </a:p>
-          <a:p>
-            <a:pPr lvl="0" rtl="0">
-              <a:spcBef>
-                <a:spcPts val="0"/>
-              </a:spcBef>
-              <a:buClr>
-                <a:schemeClr val="dk1"/>
-              </a:buClr>
-              <a:buSzPct val="91666"/>
-              <a:buFont typeface="Arial"/>
-              <a:buNone/>
-            </a:pPr>
-            <a:r>
-              <a:rPr lang="en" sz="1200"/>
-              <a:t>&lt;div id=“main”&gt;</a:t>
-            </a:r>
-          </a:p>
-          <a:p>
-            <a:pPr lvl="0" rtl="0">
-              <a:spcBef>
-                <a:spcPts val="0"/>
-              </a:spcBef>
-              <a:buClr>
-                <a:schemeClr val="dk1"/>
-              </a:buClr>
-              <a:buSzPct val="91666"/>
-              <a:buFont typeface="Arial"/>
-              <a:buNone/>
-            </a:pPr>
-            <a:r>
-              <a:rPr lang="en" sz="1200"/>
-              <a:t>&lt;% if @flash[:note] %&gt;</a:t>
-            </a:r>
-          </a:p>
-          <a:p>
-            <a:pPr lvl="0" rtl="0">
-              <a:spcBef>
-                <a:spcPts val="0"/>
-              </a:spcBef>
-              <a:buNone/>
-            </a:pPr>
-            <a:r>
-              <a:rPr lang="en" sz="1200"/>
-              <a:t>&lt;div id=“notice”&gt; &lt;% = @flash[:note] %&gt; &lt;/div&gt; </a:t>
-            </a:r>
-          </a:p>
-          <a:p>
-            <a:pPr lvl="0" rtl="0">
-              <a:spcBef>
-                <a:spcPts val="0"/>
-              </a:spcBef>
-              <a:buClr>
-                <a:schemeClr val="dk1"/>
-              </a:buClr>
-              <a:buSzPct val="91666"/>
-              <a:buFont typeface="Arial"/>
-              <a:buNone/>
-            </a:pPr>
-            <a:r>
-              <a:rPr lang="en" sz="1200"/>
-              <a:t>&lt;%end%&gt;</a:t>
-            </a:r>
-          </a:p>
-          <a:p>
-            <a:pPr lvl="0" rtl="0">
-              <a:spcBef>
-                <a:spcPts val="0"/>
-              </a:spcBef>
-              <a:buClr>
-                <a:schemeClr val="dk1"/>
-              </a:buClr>
-              <a:buSzPct val="91666"/>
-              <a:buFont typeface="Arial"/>
-              <a:buNone/>
-            </a:pPr>
-            <a:r>
-              <a:rPr lang="en" sz="1200"/>
-              <a:t>.........</a:t>
-            </a:r>
-          </a:p>
-          <a:p>
-            <a:pPr lvl="0" rtl="0">
-              <a:spcBef>
-                <a:spcPts val="0"/>
-              </a:spcBef>
-              <a:buNone/>
-            </a:pPr>
-            <a:r>
-              <a:rPr lang="en" sz="1200"/>
-              <a:t>......... </a:t>
-            </a:r>
-          </a:p>
-          <a:p>
-            <a:pPr lvl="0" rtl="0">
-              <a:spcBef>
-                <a:spcPts val="0"/>
-              </a:spcBef>
-              <a:buClr>
-                <a:schemeClr val="dk1"/>
-              </a:buClr>
-              <a:buSzPct val="91666"/>
-              <a:buFont typeface="Arial"/>
-              <a:buNone/>
-            </a:pPr>
-            <a:r>
-              <a:rPr lang="en" sz="1200"/>
-              <a:t>&lt;/div&gt;</a:t>
-            </a:r>
-          </a:p>
-          <a:p>
-            <a:pPr lvl="0" rtl="0">
-              <a:spcBef>
-                <a:spcPts val="0"/>
-              </a:spcBef>
-              <a:buNone/>
-            </a:pPr>
-            <a:r>
-              <a:rPr lang="en" sz="1200"/>
-              <a:t>&lt;/body&gt;</a:t>
-            </a:r>
-          </a:p>
-          <a:p>
-            <a:pPr lvl="0">
-              <a:spcBef>
-                <a:spcPts val="0"/>
-              </a:spcBef>
-              <a:buNone/>
-            </a:pPr>
-            <a:r>
-              <a:rPr lang="en" sz="1200"/>
-              <a:t>&lt;/html&gt;</a:t>
+            <a:pPr rtl="0">
+              <a:spcBef>
+                <a:spcPts val="0"/>
+              </a:spcBef>
+              <a:buNone/>
+            </a:pPr>
+            <a:r>
+              <a:rPr lang="en" sz="1200"/>
+              <a:t>Filters enable you to write code in your controllers that wrap the processing performed by actions. There are three types of filters:</a:t>
+            </a:r>
+          </a:p>
+          <a:p>
+            <a:pPr indent="-304800" lvl="0" marL="457200" rtl="0">
+              <a:spcBef>
+                <a:spcPts val="0"/>
+              </a:spcBef>
+              <a:buClr>
+                <a:schemeClr val="dk1"/>
+              </a:buClr>
+              <a:buSzPct val="100000"/>
+              <a:buFont typeface="Arial"/>
+              <a:buChar char="●"/>
+            </a:pPr>
+            <a:r>
+              <a:rPr lang="en" sz="1200"/>
+              <a:t>Before Action </a:t>
+            </a:r>
+          </a:p>
+          <a:p>
+            <a:pPr indent="-304800" lvl="0" marL="457200" rtl="0">
+              <a:spcBef>
+                <a:spcPts val="0"/>
+              </a:spcBef>
+              <a:buClr>
+                <a:schemeClr val="dk1"/>
+              </a:buClr>
+              <a:buSzPct val="100000"/>
+              <a:buFont typeface="Arial"/>
+              <a:buChar char="●"/>
+            </a:pPr>
+            <a:r>
+              <a:rPr lang="en" sz="1200"/>
+              <a:t>After Action</a:t>
+            </a:r>
+          </a:p>
+          <a:p>
+            <a:pPr indent="-304800" lvl="0" marL="457200" rtl="0">
+              <a:spcBef>
+                <a:spcPts val="0"/>
+              </a:spcBef>
+              <a:buClr>
+                <a:schemeClr val="dk1"/>
+              </a:buClr>
+              <a:buSzPct val="100000"/>
+              <a:buFont typeface="Arial"/>
+              <a:buChar char="●"/>
+            </a:pPr>
+            <a:r>
+              <a:rPr lang="en" sz="1200"/>
+              <a:t>Around Action</a:t>
+            </a:r>
+          </a:p>
+          <a:p>
+            <a:pPr rtl="0">
+              <a:spcBef>
+                <a:spcPts val="0"/>
+              </a:spcBef>
+              <a:buNone/>
+            </a:pPr>
+            <a:r>
+              <a:t/>
+            </a:r>
+            <a:endParaRPr sz="1200"/>
+          </a:p>
+          <a:p>
+            <a:pPr rtl="0">
+              <a:spcBef>
+                <a:spcPts val="0"/>
+              </a:spcBef>
+              <a:buNone/>
+            </a:pPr>
+            <a:r>
+              <a:rPr lang="en" sz="1200"/>
+              <a:t>Application of filters:</a:t>
+            </a:r>
+          </a:p>
+          <a:p>
+            <a:pPr indent="-304800" lvl="0" marL="457200" rtl="0">
+              <a:spcBef>
+                <a:spcPts val="0"/>
+              </a:spcBef>
+              <a:buClr>
+                <a:schemeClr val="dk1"/>
+              </a:buClr>
+              <a:buSzPct val="100000"/>
+              <a:buFont typeface="Arial"/>
+              <a:buChar char="●"/>
+            </a:pPr>
+            <a:r>
+              <a:rPr lang="en" sz="1200"/>
+              <a:t>Implementing Authentication </a:t>
+            </a:r>
+          </a:p>
+          <a:p>
+            <a:pPr indent="-304800" lvl="0" marL="457200" rtl="0">
+              <a:spcBef>
+                <a:spcPts val="0"/>
+              </a:spcBef>
+              <a:buClr>
+                <a:schemeClr val="dk1"/>
+              </a:buClr>
+              <a:buSzPct val="100000"/>
+              <a:buFont typeface="Arial"/>
+              <a:buChar char="●"/>
+            </a:pPr>
+            <a:r>
+              <a:rPr lang="en" sz="1200"/>
+              <a:t>Logging</a:t>
+            </a:r>
+          </a:p>
+          <a:p>
+            <a:pPr indent="-304800" lvl="0" marL="457200" rtl="0">
+              <a:spcBef>
+                <a:spcPts val="0"/>
+              </a:spcBef>
+              <a:buClr>
+                <a:schemeClr val="dk1"/>
+              </a:buClr>
+              <a:buSzPct val="100000"/>
+              <a:buFont typeface="Arial"/>
+              <a:buChar char="●"/>
+            </a:pPr>
+            <a:r>
+              <a:rPr lang="en" sz="1200"/>
+              <a:t>Response Customization, etc</a:t>
             </a:r>
           </a:p>
         </p:txBody>
@@ -6497,7 +5978,7 @@
             </a:pPr>
             <a:r>
               <a:rPr lang="en"/>
-              <a:t>Filters and Verification</a:t>
+              <a:t>Before and After Filters</a:t>
             </a:r>
           </a:p>
         </p:txBody>
@@ -6525,6 +6006,91 @@
           </a:bodyPr>
           <a:lstStyle/>
           <a:p>
+            <a:pPr indent="-304800" lvl="0" marL="457200" rtl="0">
+              <a:spcBef>
+                <a:spcPts val="0"/>
+              </a:spcBef>
+              <a:buClr>
+                <a:schemeClr val="dk1"/>
+              </a:buClr>
+              <a:buSzPct val="100000"/>
+              <a:buFont typeface="Arial"/>
+              <a:buChar char="●"/>
+            </a:pPr>
+            <a:r>
+              <a:rPr lang="en" sz="1200"/>
+              <a:t>As their name suggests, before and after filters are invoked before and after actions.</a:t>
+            </a:r>
+          </a:p>
+          <a:p>
+            <a:pPr indent="-304800" lvl="0" marL="457200" rtl="0">
+              <a:spcBef>
+                <a:spcPts val="0"/>
+              </a:spcBef>
+              <a:buClr>
+                <a:schemeClr val="dk1"/>
+              </a:buClr>
+              <a:buSzPct val="100000"/>
+              <a:buFont typeface="Arial"/>
+              <a:buChar char="●"/>
+            </a:pPr>
+            <a:r>
+              <a:rPr lang="en" sz="1200"/>
+              <a:t>Rails maintains two chains of filters for each controller.</a:t>
+            </a:r>
+          </a:p>
+          <a:p>
+            <a:pPr indent="-304800" lvl="0" marL="457200" rtl="0">
+              <a:spcBef>
+                <a:spcPts val="0"/>
+              </a:spcBef>
+              <a:buClr>
+                <a:schemeClr val="dk1"/>
+              </a:buClr>
+              <a:buSzPct val="100000"/>
+              <a:buFont typeface="Arial"/>
+              <a:buChar char="●"/>
+            </a:pPr>
+            <a:r>
+              <a:rPr lang="en" sz="1200"/>
+              <a:t>When a controller is about to run an action, it executes all the filters on the before chain.</a:t>
+            </a:r>
+          </a:p>
+          <a:p>
+            <a:pPr indent="-304800" lvl="0" marL="457200" rtl="0">
+              <a:spcBef>
+                <a:spcPts val="0"/>
+              </a:spcBef>
+              <a:buClr>
+                <a:schemeClr val="dk1"/>
+              </a:buClr>
+              <a:buSzPct val="100000"/>
+              <a:buFont typeface="Arial"/>
+              <a:buChar char="●"/>
+            </a:pPr>
+            <a:r>
+              <a:rPr lang="en" sz="1200"/>
+              <a:t>It executes the action before running all the filters on the after chain.</a:t>
+            </a:r>
+          </a:p>
+          <a:p>
+            <a:pPr indent="-304800" lvl="0" marL="457200" rtl="0">
+              <a:spcBef>
+                <a:spcPts val="0"/>
+              </a:spcBef>
+              <a:buClr>
+                <a:schemeClr val="dk1"/>
+              </a:buClr>
+              <a:buSzPct val="100000"/>
+              <a:buFont typeface="Arial"/>
+              <a:buChar char="●"/>
+            </a:pPr>
+            <a:r>
+              <a:rPr lang="en" sz="1200"/>
+              <a:t>Filters can be passive, monitoring the activity performed by the controller or they can take a more active part in the request handling.</a:t>
+            </a:r>
+          </a:p>
+          <a:p>
             <a:pPr rtl="0">
               <a:spcBef>
                 <a:spcPts val="0"/>
@@ -6533,58 +6099,7 @@
             </a:pPr>
             <a:r>
               <a:rPr lang="en" sz="1200"/>
-              <a:t>Filters enable you to write code in your controllers that wrap the processing performed by actions. There are three types of filters:</a:t>
-            </a:r>
-          </a:p>
-          <a:p>
-            <a:pPr indent="-304800" lvl="0" marL="457200" rtl="0">
-              <a:spcBef>
-                <a:spcPts val="0"/>
-              </a:spcBef>
-              <a:buClr>
-                <a:schemeClr val="dk1"/>
-              </a:buClr>
-              <a:buSzPct val="100000"/>
-              <a:buFont typeface="Arial"/>
-              <a:buChar char="●"/>
-            </a:pPr>
-            <a:r>
-              <a:rPr lang="en" sz="1200"/>
-              <a:t>Before Filters </a:t>
-            </a:r>
-          </a:p>
-          <a:p>
-            <a:pPr indent="-304800" lvl="0" marL="457200" rtl="0">
-              <a:spcBef>
-                <a:spcPts val="0"/>
-              </a:spcBef>
-              <a:buClr>
-                <a:schemeClr val="dk1"/>
-              </a:buClr>
-              <a:buSzPct val="100000"/>
-              <a:buFont typeface="Arial"/>
-              <a:buChar char="●"/>
-            </a:pPr>
-            <a:r>
-              <a:rPr lang="en" sz="1200"/>
-              <a:t>After Filters </a:t>
-            </a:r>
-          </a:p>
-          <a:p>
-            <a:pPr indent="-304800" lvl="0" marL="457200" rtl="0">
-              <a:spcBef>
-                <a:spcPts val="0"/>
-              </a:spcBef>
-              <a:buClr>
-                <a:schemeClr val="dk1"/>
-              </a:buClr>
-              <a:buSzPct val="100000"/>
-              <a:buFont typeface="Arial"/>
-              <a:buChar char="●"/>
-            </a:pPr>
-            <a:r>
-              <a:rPr lang="en" sz="1200"/>
-              <a:t>Around Filters</a:t>
+              <a:t>e.g. we can define a method like this in the application_controller.rb file</a:t>
             </a:r>
           </a:p>
           <a:p>
@@ -6595,72 +6110,69 @@
               <a:buNone/>
             </a:pPr>
             <a:r>
+              <a:rPr lang="en" sz="1200"/>
+              <a:t>def authorize</a:t>
+            </a:r>
+          </a:p>
+          <a:p>
+            <a:pPr rtl="0">
+              <a:spcBef>
+                <a:spcPts val="0"/>
+              </a:spcBef>
+              <a:buNone/>
+            </a:pPr>
+            <a:r>
+              <a:rPr lang="en" sz="1200"/>
+              <a:t>  unless session[:user_id]</a:t>
+            </a:r>
+          </a:p>
+          <a:p>
+            <a:pPr rtl="0">
+              <a:spcBef>
+                <a:spcPts val="0"/>
+              </a:spcBef>
+              <a:buNone/>
+            </a:pPr>
+            <a:r>
+              <a:rPr lang="en" sz="1200"/>
+              <a:t>  flash[:notice] = “Please login”</a:t>
+            </a:r>
+          </a:p>
+          <a:p>
+            <a:pPr rtl="0">
+              <a:spcBef>
+                <a:spcPts val="0"/>
+              </a:spcBef>
+              <a:buNone/>
+            </a:pPr>
+            <a:r>
+              <a:rPr lang="en" sz="1200"/>
+              <a:t>  redirect_to(:controller =&gt; “login” , :action =&gt; “login”) end</a:t>
+            </a:r>
+          </a:p>
+          <a:p>
+            <a:pPr rtl="0">
+              <a:spcBef>
+                <a:spcPts val="0"/>
+              </a:spcBef>
+              <a:buNone/>
+            </a:pPr>
+            <a:r>
+              <a:rPr lang="en" sz="1200"/>
+              <a:t>end</a:t>
+            </a:r>
+          </a:p>
+          <a:p>
+            <a:pPr lvl="0">
+              <a:spcBef>
+                <a:spcPts val="0"/>
+              </a:spcBef>
+              <a:buNone/>
+            </a:pPr>
+            <a:r>
               <a:t/>
             </a:r>
             <a:endParaRPr sz="1200"/>
-          </a:p>
-          <a:p>
-            <a:pPr rtl="0">
-              <a:spcBef>
-                <a:spcPts val="0"/>
-              </a:spcBef>
-              <a:buNone/>
-            </a:pPr>
-            <a:r>
-              <a:rPr lang="en" sz="1200"/>
-              <a:t>Application of filters:</a:t>
-            </a:r>
-          </a:p>
-          <a:p>
-            <a:pPr indent="-304800" lvl="0" marL="457200" rtl="0">
-              <a:spcBef>
-                <a:spcPts val="0"/>
-              </a:spcBef>
-              <a:buClr>
-                <a:schemeClr val="dk1"/>
-              </a:buClr>
-              <a:buSzPct val="100000"/>
-              <a:buFont typeface="Arial"/>
-              <a:buChar char="●"/>
-            </a:pPr>
-            <a:r>
-              <a:rPr lang="en" sz="1200"/>
-              <a:t>Implementing Authentication </a:t>
-            </a:r>
-          </a:p>
-          <a:p>
-            <a:pPr indent="-304800" lvl="0" marL="457200" rtl="0">
-              <a:spcBef>
-                <a:spcPts val="0"/>
-              </a:spcBef>
-              <a:buClr>
-                <a:schemeClr val="dk1"/>
-              </a:buClr>
-              <a:buSzPct val="100000"/>
-              <a:buFont typeface="Arial"/>
-              <a:buChar char="●"/>
-            </a:pPr>
-            <a:r>
-              <a:rPr lang="en" sz="1200"/>
-              <a:t>Logging</a:t>
-            </a:r>
-          </a:p>
-          <a:p>
-            <a:pPr indent="-304800" lvl="0" marL="457200" rtl="0">
-              <a:spcBef>
-                <a:spcPts val="0"/>
-              </a:spcBef>
-              <a:buClr>
-                <a:schemeClr val="dk1"/>
-              </a:buClr>
-              <a:buSzPct val="100000"/>
-              <a:buFont typeface="Arial"/>
-              <a:buChar char="●"/>
-            </a:pPr>
-            <a:r>
-              <a:rPr lang="en" sz="1200"/>
-              <a:t>Response Customization, etc</a:t>
-            </a:r>
           </a:p>
         </p:txBody>
       </p:sp>
@@ -6722,9 +6234,9 @@
               <a:buNone/>
             </a:pPr>
             <a:r>
-              <a:rPr lang="en"/>
-              <a:t>Before and After Filters</a:t>
-            </a:r>
+              <a:t/>
+            </a:r>
+            <a:endParaRPr/>
           </a:p>
         </p:txBody>
       </p:sp>
@@ -6738,8 +6250,8 @@
         </p:nvSpPr>
         <p:spPr>
           <a:xfrm>
-            <a:off x="457200" y="1200150"/>
-            <a:ext cx="8229600" cy="3725699"/>
+            <a:off x="457200" y="205975"/>
+            <a:ext cx="8229600" cy="4719900"/>
           </a:xfrm>
           <a:prstGeom prst="rect">
             <a:avLst/>
@@ -6751,155 +6263,76 @@
           </a:bodyPr>
           <a:lstStyle/>
           <a:p>
-            <a:pPr indent="-304800" lvl="0" marL="457200" rtl="0">
-              <a:spcBef>
-                <a:spcPts val="0"/>
-              </a:spcBef>
-              <a:buClr>
-                <a:schemeClr val="dk1"/>
-              </a:buClr>
-              <a:buSzPct val="100000"/>
-              <a:buFont typeface="Arial"/>
-              <a:buChar char="●"/>
-            </a:pPr>
-            <a:r>
-              <a:rPr lang="en" sz="1200"/>
-              <a:t>As their name suggests, before and after filters are invoked before and after actions.</a:t>
-            </a:r>
-          </a:p>
-          <a:p>
-            <a:pPr indent="-304800" lvl="0" marL="457200" rtl="0">
-              <a:spcBef>
-                <a:spcPts val="0"/>
-              </a:spcBef>
-              <a:buClr>
-                <a:schemeClr val="dk1"/>
-              </a:buClr>
-              <a:buSzPct val="100000"/>
-              <a:buFont typeface="Arial"/>
-              <a:buChar char="●"/>
-            </a:pPr>
-            <a:r>
-              <a:rPr lang="en" sz="1200"/>
-              <a:t>Rails maintains two chains of filters for each controller.</a:t>
-            </a:r>
-          </a:p>
-          <a:p>
-            <a:pPr indent="-304800" lvl="0" marL="457200" rtl="0">
-              <a:spcBef>
-                <a:spcPts val="0"/>
-              </a:spcBef>
-              <a:buClr>
-                <a:schemeClr val="dk1"/>
-              </a:buClr>
-              <a:buSzPct val="100000"/>
-              <a:buFont typeface="Arial"/>
-              <a:buChar char="●"/>
-            </a:pPr>
-            <a:r>
-              <a:rPr lang="en" sz="1200"/>
-              <a:t>When a controller is about to run an action, it executes all the filters on the before chain.</a:t>
-            </a:r>
-          </a:p>
-          <a:p>
-            <a:pPr indent="-304800" lvl="0" marL="457200" rtl="0">
-              <a:spcBef>
-                <a:spcPts val="0"/>
-              </a:spcBef>
-              <a:buClr>
-                <a:schemeClr val="dk1"/>
-              </a:buClr>
-              <a:buSzPct val="100000"/>
-              <a:buFont typeface="Arial"/>
-              <a:buChar char="●"/>
-            </a:pPr>
-            <a:r>
-              <a:rPr lang="en" sz="1200"/>
-              <a:t>It executes the action before running all the filters on the after chain.</a:t>
-            </a:r>
-          </a:p>
-          <a:p>
-            <a:pPr indent="-304800" lvl="0" marL="457200" rtl="0">
-              <a:spcBef>
-                <a:spcPts val="0"/>
-              </a:spcBef>
-              <a:buClr>
-                <a:schemeClr val="dk1"/>
-              </a:buClr>
-              <a:buSzPct val="100000"/>
-              <a:buFont typeface="Arial"/>
-              <a:buChar char="●"/>
-            </a:pPr>
-            <a:r>
-              <a:rPr lang="en" sz="1200"/>
-              <a:t>Filters can be passive, monitoring the activity performed by the controller or they can take a more active part in the request handling.</a:t>
-            </a:r>
-          </a:p>
-          <a:p>
-            <a:pPr rtl="0">
-              <a:spcBef>
-                <a:spcPts val="0"/>
-              </a:spcBef>
-              <a:buNone/>
-            </a:pPr>
-            <a:r>
-              <a:rPr lang="en" sz="1200"/>
-              <a:t>e.g. we can define a method like this in the application_controller.rb file</a:t>
-            </a:r>
-          </a:p>
-          <a:p>
-            <a:pPr rtl="0">
-              <a:spcBef>
-                <a:spcPts val="0"/>
-              </a:spcBef>
-              <a:buNone/>
-            </a:pPr>
-            <a:r>
-              <a:rPr lang="en" sz="1200"/>
-              <a:t>def authorize</a:t>
-            </a:r>
-          </a:p>
-          <a:p>
-            <a:pPr rtl="0">
-              <a:spcBef>
-                <a:spcPts val="0"/>
-              </a:spcBef>
-              <a:buNone/>
-            </a:pPr>
-            <a:r>
-              <a:rPr lang="en" sz="1200"/>
-              <a:t>  unless session[:user_id]</a:t>
-            </a:r>
-          </a:p>
-          <a:p>
-            <a:pPr rtl="0">
-              <a:spcBef>
-                <a:spcPts val="0"/>
-              </a:spcBef>
-              <a:buNone/>
-            </a:pPr>
-            <a:r>
-              <a:rPr lang="en" sz="1200"/>
-              <a:t>  flash[:notice] = “Please login”</a:t>
-            </a:r>
-          </a:p>
-          <a:p>
-            <a:pPr rtl="0">
-              <a:spcBef>
-                <a:spcPts val="0"/>
-              </a:spcBef>
-              <a:buNone/>
-            </a:pPr>
-            <a:r>
-              <a:rPr lang="en" sz="1200"/>
-              <a:t>  redirect_to(:controller =&gt; “login” , :action =&gt; “login”) end</a:t>
-            </a:r>
-          </a:p>
-          <a:p>
-            <a:pPr rtl="0">
-              <a:spcBef>
-                <a:spcPts val="0"/>
-              </a:spcBef>
+            <a:pPr lvl="0" rtl="0">
+              <a:spcBef>
+                <a:spcPts val="0"/>
+              </a:spcBef>
+              <a:buClr>
+                <a:schemeClr val="dk1"/>
+              </a:buClr>
+              <a:buSzPct val="91666"/>
+              <a:buFont typeface="Arial"/>
+              <a:buNone/>
+            </a:pPr>
+            <a:r>
+              <a:rPr lang="en" sz="1200"/>
+              <a:t>We can then make this method a before filter for all the actions in the administration controller.</a:t>
+            </a:r>
+          </a:p>
+          <a:p>
+            <a:pPr lvl="0" rtl="0">
+              <a:spcBef>
+                <a:spcPts val="0"/>
+              </a:spcBef>
+              <a:buClr>
+                <a:schemeClr val="dk1"/>
+              </a:buClr>
+              <a:buSzPct val="91666"/>
+              <a:buFont typeface="Arial"/>
+              <a:buNone/>
+            </a:pPr>
+            <a:r>
+              <a:rPr lang="en" sz="1200"/>
+              <a:t>class AdminController &lt; ApplicationController </a:t>
+            </a:r>
+            <a:br>
+              <a:rPr lang="en" sz="1200"/>
+            </a:br>
+            <a:br>
+              <a:rPr lang="en" sz="1200"/>
+            </a:br>
+            <a:r>
+              <a:rPr lang="en" sz="1200"/>
+              <a:t>before_action :authorize</a:t>
+            </a:r>
+          </a:p>
+          <a:p>
+            <a:pPr lvl="0" rtl="0">
+              <a:spcBef>
+                <a:spcPts val="0"/>
+              </a:spcBef>
+              <a:buClr>
+                <a:schemeClr val="dk1"/>
+              </a:buClr>
+              <a:buSzPct val="91666"/>
+              <a:buFont typeface="Arial"/>
+              <a:buNone/>
+            </a:pPr>
+            <a:r>
+              <a:rPr lang="en" sz="1200"/>
+              <a:t>.........</a:t>
+            </a:r>
+          </a:p>
+          <a:p>
+            <a:pPr lvl="0" rtl="0">
+              <a:spcBef>
+                <a:spcPts val="0"/>
+              </a:spcBef>
+              <a:buClr>
+                <a:schemeClr val="dk1"/>
+              </a:buClr>
+              <a:buSzPct val="91666"/>
+              <a:buFont typeface="Arial"/>
               <a:buNone/>
             </a:pPr>
             <a:r>
@@ -6908,7 +6341,151 @@
             </a:r>
           </a:p>
           <a:p>
-            <a:pPr lvl="0">
+            <a:pPr lvl="0" rtl="0">
+              <a:spcBef>
+                <a:spcPts val="0"/>
+              </a:spcBef>
+              <a:buClr>
+                <a:schemeClr val="dk1"/>
+              </a:buClr>
+              <a:buSzPct val="91666"/>
+              <a:buFont typeface="Arial"/>
+              <a:buNone/>
+            </a:pPr>
+            <a:r>
+              <a:rPr lang="en" sz="1200"/>
+              <a:t>￼</a:t>
+            </a:r>
+          </a:p>
+          <a:p>
+            <a:pPr lvl="0" rtl="0">
+              <a:spcBef>
+                <a:spcPts val="0"/>
+              </a:spcBef>
+              <a:buNone/>
+            </a:pPr>
+            <a:r>
+              <a:rPr lang="en" sz="1200"/>
+              <a:t>By default, filters apply to all actions in a controller (and any sub-classes of that controller). </a:t>
+            </a:r>
+          </a:p>
+          <a:p>
+            <a:pPr lvl="0" rtl="0">
+              <a:spcBef>
+                <a:spcPts val="0"/>
+              </a:spcBef>
+              <a:buClr>
+                <a:schemeClr val="dk1"/>
+              </a:buClr>
+              <a:buSzPct val="91666"/>
+              <a:buFont typeface="Arial"/>
+              <a:buNone/>
+            </a:pPr>
+            <a:r>
+              <a:rPr lang="en" sz="1200"/>
+              <a:t>You can modify this with the :only and :except options as follows:</a:t>
+            </a:r>
+          </a:p>
+          <a:p>
+            <a:pPr lvl="0" rtl="0">
+              <a:spcBef>
+                <a:spcPts val="0"/>
+              </a:spcBef>
+              <a:buNone/>
+            </a:pPr>
+            <a:r>
+              <a:rPr lang="en" sz="1200"/>
+              <a:t>class AdminController &lt; ApplicationController </a:t>
+            </a:r>
+          </a:p>
+          <a:p>
+            <a:pPr lvl="0" rtl="0">
+              <a:spcBef>
+                <a:spcPts val="0"/>
+              </a:spcBef>
+              <a:buNone/>
+            </a:pPr>
+            <a:r>
+              <a:rPr lang="en" sz="1200"/>
+              <a:t>  before_action :authorize, : only =&gt; [:delete, :edit] </a:t>
+            </a:r>
+          </a:p>
+          <a:p>
+            <a:pPr lvl="0" rtl="0">
+              <a:spcBef>
+                <a:spcPts val="0"/>
+              </a:spcBef>
+              <a:buNone/>
+            </a:pPr>
+            <a:r>
+              <a:rPr lang="en" sz="1200"/>
+              <a:t>  after_action :log_access, except =&gt; [:display] </a:t>
+            </a:r>
+          </a:p>
+          <a:p>
+            <a:pPr lvl="0" rtl="0">
+              <a:spcBef>
+                <a:spcPts val="0"/>
+              </a:spcBef>
+              <a:buClr>
+                <a:schemeClr val="dk1"/>
+              </a:buClr>
+              <a:buSzPct val="91666"/>
+              <a:buFont typeface="Arial"/>
+              <a:buNone/>
+            </a:pPr>
+            <a:r>
+              <a:rPr lang="en" sz="1200"/>
+              <a:t>    .........</a:t>
+            </a:r>
+          </a:p>
+          <a:p>
+            <a:pPr lvl="0" rtl="0">
+              <a:spcBef>
+                <a:spcPts val="0"/>
+              </a:spcBef>
+              <a:buNone/>
+            </a:pPr>
+            <a:r>
+              <a:rPr lang="en" sz="1200"/>
+              <a:t>end</a:t>
+            </a:r>
+          </a:p>
+          <a:p>
+            <a:pPr lvl="0" rtl="0">
+              <a:spcBef>
+                <a:spcPts val="0"/>
+              </a:spcBef>
+              <a:buClr>
+                <a:schemeClr val="dk1"/>
+              </a:buClr>
+              <a:buFont typeface="Arial"/>
+              <a:buNone/>
+            </a:pPr>
+            <a:r>
+              <a:t/>
+            </a:r>
+            <a:endParaRPr sz="1200"/>
+          </a:p>
+          <a:p>
+            <a:pPr lvl="0" rtl="0">
+              <a:spcBef>
+                <a:spcPts val="0"/>
+              </a:spcBef>
+              <a:buClr>
+                <a:schemeClr val="dk1"/>
+              </a:buClr>
+              <a:buSzPct val="91666"/>
+              <a:buFont typeface="Arial"/>
+              <a:buNone/>
+            </a:pPr>
+            <a:r>
+              <a:rPr lang="en" sz="1200"/>
+              <a:t>The before_action and after_action declarations append to the controller’s filter chains.</a:t>
+            </a:r>
+          </a:p>
+          <a:p>
+            <a:pPr>
               <a:spcBef>
                 <a:spcPts val="0"/>
               </a:spcBef>
@@ -6972,6 +6549,176 @@
           </a:bodyPr>
           <a:lstStyle/>
           <a:p>
+            <a:pPr lvl="0" rtl="0">
+              <a:spcBef>
+                <a:spcPts val="0"/>
+              </a:spcBef>
+              <a:buClr>
+                <a:schemeClr val="dk1"/>
+              </a:buClr>
+              <a:buSzPct val="100000"/>
+              <a:buFont typeface="Arial"/>
+              <a:buNone/>
+            </a:pPr>
+            <a:r>
+              <a:rPr b="0" lang="en" sz="1100"/>
+              <a:t>		 	 	 		</a:t>
+            </a:r>
+          </a:p>
+          <a:p>
+            <a:pPr lvl="0" rtl="0">
+              <a:spcBef>
+                <a:spcPts val="0"/>
+              </a:spcBef>
+              <a:buClr>
+                <a:schemeClr val="dk1"/>
+              </a:buClr>
+              <a:buSzPct val="100000"/>
+              <a:buFont typeface="Arial"/>
+              <a:buNone/>
+            </a:pPr>
+            <a:r>
+              <a:rPr b="0" lang="en" sz="1100"/>
+              <a:t>			</a:t>
+            </a:r>
+          </a:p>
+          <a:p>
+            <a:pPr lvl="0" rtl="0">
+              <a:spcBef>
+                <a:spcPts val="0"/>
+              </a:spcBef>
+              <a:buClr>
+                <a:schemeClr val="dk1"/>
+              </a:buClr>
+              <a:buSzPct val="100000"/>
+              <a:buFont typeface="Arial"/>
+              <a:buNone/>
+            </a:pPr>
+            <a:r>
+              <a:rPr b="0" lang="en" sz="1100"/>
+              <a:t>				</a:t>
+            </a:r>
+          </a:p>
+          <a:p>
+            <a:pPr lvl="0" rtl="0">
+              <a:spcBef>
+                <a:spcPts val="0"/>
+              </a:spcBef>
+              <a:buClr>
+                <a:schemeClr val="dk1"/>
+              </a:buClr>
+              <a:buSzPct val="100000"/>
+              <a:buFont typeface="Arial"/>
+              <a:buNone/>
+            </a:pPr>
+            <a:r>
+              <a:rPr b="0" lang="en" sz="1100"/>
+              <a:t>					</a:t>
+            </a:r>
+          </a:p>
+          <a:p>
+            <a:pPr lvl="0" rtl="0">
+              <a:spcBef>
+                <a:spcPts val="0"/>
+              </a:spcBef>
+              <a:buClr>
+                <a:schemeClr val="dk1"/>
+              </a:buClr>
+              <a:buSzPct val="100000"/>
+              <a:buFont typeface="Arial"/>
+              <a:buNone/>
+            </a:pPr>
+            <a:r>
+              <a:rPr b="0" lang="en" sz="1100"/>
+              <a:t>						</a:t>
+            </a:r>
+          </a:p>
+          <a:p>
+            <a:pPr lvl="0" rtl="0">
+              <a:spcBef>
+                <a:spcPts val="0"/>
+              </a:spcBef>
+              <a:buClr>
+                <a:schemeClr val="dk1"/>
+              </a:buClr>
+              <a:buSzPct val="55000"/>
+              <a:buFont typeface="Arial"/>
+              <a:buNone/>
+            </a:pPr>
+            <a:r>
+              <a:rPr b="0" lang="en" sz="2000"/>
+              <a:t>Around Filters </a:t>
+            </a:r>
+          </a:p>
+          <a:p>
+            <a:pPr lvl="0" rtl="0">
+              <a:spcBef>
+                <a:spcPts val="0"/>
+              </a:spcBef>
+              <a:buClr>
+                <a:schemeClr val="dk1"/>
+              </a:buClr>
+              <a:buSzPct val="100000"/>
+              <a:buFont typeface="Arial"/>
+              <a:buNone/>
+            </a:pPr>
+            <a:r>
+              <a:rPr b="0" lang="en" sz="1100"/>
+              <a:t>					</a:t>
+            </a:r>
+          </a:p>
+          <a:p>
+            <a:pPr lvl="0" rtl="0">
+              <a:spcBef>
+                <a:spcPts val="0"/>
+              </a:spcBef>
+              <a:buClr>
+                <a:schemeClr val="dk1"/>
+              </a:buClr>
+              <a:buSzPct val="100000"/>
+              <a:buFont typeface="Arial"/>
+              <a:buNone/>
+            </a:pPr>
+            <a:r>
+              <a:rPr b="0" lang="en" sz="1100"/>
+              <a:t>				</a:t>
+            </a:r>
+          </a:p>
+          <a:p>
+            <a:pPr lvl="0" rtl="0">
+              <a:spcBef>
+                <a:spcPts val="0"/>
+              </a:spcBef>
+              <a:buClr>
+                <a:schemeClr val="dk1"/>
+              </a:buClr>
+              <a:buSzPct val="100000"/>
+              <a:buFont typeface="Arial"/>
+              <a:buNone/>
+            </a:pPr>
+            <a:r>
+              <a:rPr b="0" lang="en" sz="1100"/>
+              <a:t>			</a:t>
+            </a:r>
+          </a:p>
+          <a:p>
+            <a:pPr lvl="0" rtl="0">
+              <a:spcBef>
+                <a:spcPts val="0"/>
+              </a:spcBef>
+              <a:buClr>
+                <a:schemeClr val="dk1"/>
+              </a:buClr>
+              <a:buSzPct val="100000"/>
+              <a:buFont typeface="Arial"/>
+              <a:buNone/>
+            </a:pPr>
+            <a:r>
+              <a:rPr b="0" lang="en" sz="1100"/>
+              <a:t>		</a:t>
+            </a:r>
+          </a:p>
+          <a:p>
             <a:pPr>
               <a:spcBef>
                 <a:spcPts val="0"/>
@@ -6979,497 +6726,15 @@
               <a:buNone/>
             </a:pPr>
             <a:r>
-              <a:t/>
-            </a:r>
-            <a:endParaRPr/>
+              <a:rPr lang="en"/>
+              <a:t>Around Filters</a:t>
+            </a:r>
           </a:p>
         </p:txBody>
       </p:sp>
       <p:sp>
         <p:nvSpPr>
           <p:cNvPr id="133" name="Shape 133"/>
-          <p:cNvSpPr txBox="1"/>
-          <p:nvPr>
-            <p:ph idx="1" type="body"/>
-          </p:nvPr>
-        </p:nvSpPr>
-        <p:spPr>
-          <a:xfrm>
-            <a:off x="457200" y="205975"/>
-            <a:ext cx="8229600" cy="4719900"/>
-          </a:xfrm>
-          <a:prstGeom prst="rect">
-            <a:avLst/>
-          </a:prstGeom>
-        </p:spPr>
-        <p:txBody>
-          <a:bodyPr anchorCtr="0" anchor="t" bIns="91425" lIns="91425" rIns="91425" tIns="91425">
-            <a:noAutofit/>
-          </a:bodyPr>
-          <a:lstStyle/>
-          <a:p>
-            <a:pPr lvl="0" rtl="0">
-              <a:spcBef>
-                <a:spcPts val="0"/>
-              </a:spcBef>
-              <a:buClr>
-                <a:schemeClr val="dk1"/>
-              </a:buClr>
-              <a:buSzPct val="91666"/>
-              <a:buFont typeface="Arial"/>
-              <a:buNone/>
-            </a:pPr>
-            <a:r>
-              <a:rPr lang="en" sz="1200"/>
-              <a:t>We can then make this method a before filter for all the actions in the administration controller.</a:t>
-            </a:r>
-          </a:p>
-          <a:p>
-            <a:pPr lvl="0" rtl="0">
-              <a:spcBef>
-                <a:spcPts val="0"/>
-              </a:spcBef>
-              <a:buClr>
-                <a:schemeClr val="dk1"/>
-              </a:buClr>
-              <a:buSzPct val="91666"/>
-              <a:buFont typeface="Arial"/>
-              <a:buNone/>
-            </a:pPr>
-            <a:r>
-              <a:rPr lang="en" sz="1200"/>
-              <a:t>class AdminController &lt; ApplicationController before_filter :authorize</a:t>
-            </a:r>
-          </a:p>
-          <a:p>
-            <a:pPr lvl="0" rtl="0">
-              <a:spcBef>
-                <a:spcPts val="0"/>
-              </a:spcBef>
-              <a:buClr>
-                <a:schemeClr val="dk1"/>
-              </a:buClr>
-              <a:buSzPct val="91666"/>
-              <a:buFont typeface="Arial"/>
-              <a:buNone/>
-            </a:pPr>
-            <a:r>
-              <a:rPr lang="en" sz="1200"/>
-              <a:t>.........</a:t>
-            </a:r>
-          </a:p>
-          <a:p>
-            <a:pPr lvl="0" rtl="0">
-              <a:spcBef>
-                <a:spcPts val="0"/>
-              </a:spcBef>
-              <a:buClr>
-                <a:schemeClr val="dk1"/>
-              </a:buClr>
-              <a:buSzPct val="91666"/>
-              <a:buFont typeface="Arial"/>
-              <a:buNone/>
-            </a:pPr>
-            <a:r>
-              <a:rPr lang="en" sz="1200"/>
-              <a:t>end</a:t>
-            </a:r>
-          </a:p>
-          <a:p>
-            <a:pPr lvl="0" rtl="0">
-              <a:spcBef>
-                <a:spcPts val="0"/>
-              </a:spcBef>
-              <a:buClr>
-                <a:schemeClr val="dk1"/>
-              </a:buClr>
-              <a:buSzPct val="91666"/>
-              <a:buFont typeface="Arial"/>
-              <a:buNone/>
-            </a:pPr>
-            <a:r>
-              <a:rPr lang="en" sz="1200"/>
-              <a:t>￼</a:t>
-            </a:r>
-          </a:p>
-          <a:p>
-            <a:pPr lvl="0" rtl="0">
-              <a:spcBef>
-                <a:spcPts val="0"/>
-              </a:spcBef>
-              <a:buNone/>
-            </a:pPr>
-            <a:r>
-              <a:rPr lang="en" sz="1200"/>
-              <a:t>By default, filters apply to all actions in a controller (and any sub-classes of that controller). </a:t>
-            </a:r>
-          </a:p>
-          <a:p>
-            <a:pPr lvl="0" rtl="0">
-              <a:spcBef>
-                <a:spcPts val="0"/>
-              </a:spcBef>
-              <a:buClr>
-                <a:schemeClr val="dk1"/>
-              </a:buClr>
-              <a:buSzPct val="91666"/>
-              <a:buFont typeface="Arial"/>
-              <a:buNone/>
-            </a:pPr>
-            <a:r>
-              <a:rPr lang="en" sz="1200"/>
-              <a:t>You can modify this with the :only and :except options as follows:</a:t>
-            </a:r>
-          </a:p>
-          <a:p>
-            <a:pPr lvl="0" rtl="0">
-              <a:spcBef>
-                <a:spcPts val="0"/>
-              </a:spcBef>
-              <a:buNone/>
-            </a:pPr>
-            <a:r>
-              <a:rPr lang="en" sz="1200"/>
-              <a:t>class AdminController &lt; ApplicationController </a:t>
-            </a:r>
-          </a:p>
-          <a:p>
-            <a:pPr lvl="0" rtl="0">
-              <a:spcBef>
-                <a:spcPts val="0"/>
-              </a:spcBef>
-              <a:buNone/>
-            </a:pPr>
-            <a:r>
-              <a:rPr lang="en" sz="1200"/>
-              <a:t>  before_filter :authorize, : only =&gt; [:delete, :edit] </a:t>
-            </a:r>
-          </a:p>
-          <a:p>
-            <a:pPr lvl="0" rtl="0">
-              <a:spcBef>
-                <a:spcPts val="0"/>
-              </a:spcBef>
-              <a:buNone/>
-            </a:pPr>
-            <a:r>
-              <a:rPr lang="en" sz="1200"/>
-              <a:t>  after_filter :log_access, except =&gt; [:display] </a:t>
-            </a:r>
-          </a:p>
-          <a:p>
-            <a:pPr lvl="0" rtl="0">
-              <a:spcBef>
-                <a:spcPts val="0"/>
-              </a:spcBef>
-              <a:buClr>
-                <a:schemeClr val="dk1"/>
-              </a:buClr>
-              <a:buSzPct val="91666"/>
-              <a:buFont typeface="Arial"/>
-              <a:buNone/>
-            </a:pPr>
-            <a:r>
-              <a:rPr lang="en" sz="1200"/>
-              <a:t>    .........</a:t>
-            </a:r>
-          </a:p>
-          <a:p>
-            <a:pPr lvl="0" rtl="0">
-              <a:spcBef>
-                <a:spcPts val="0"/>
-              </a:spcBef>
-              <a:buNone/>
-            </a:pPr>
-            <a:r>
-              <a:rPr lang="en" sz="1200"/>
-              <a:t>end</a:t>
-            </a:r>
-          </a:p>
-          <a:p>
-            <a:pPr lvl="0" rtl="0">
-              <a:spcBef>
-                <a:spcPts val="0"/>
-              </a:spcBef>
-              <a:buClr>
-                <a:schemeClr val="dk1"/>
-              </a:buClr>
-              <a:buFont typeface="Arial"/>
-              <a:buNone/>
-            </a:pPr>
-            <a:r>
-              <a:t/>
-            </a:r>
-            <a:endParaRPr sz="1200"/>
-          </a:p>
-          <a:p>
-            <a:pPr lvl="0" rtl="0">
-              <a:spcBef>
-                <a:spcPts val="0"/>
-              </a:spcBef>
-              <a:buClr>
-                <a:schemeClr val="dk1"/>
-              </a:buClr>
-              <a:buSzPct val="91666"/>
-              <a:buFont typeface="Arial"/>
-              <a:buNone/>
-            </a:pPr>
-            <a:r>
-              <a:rPr lang="en" sz="1200"/>
-              <a:t>The before_filter and after_filter declarations append to the controller’s filter chains. Use prepend_before_filter and prepend_after_filter to put filters at the front of the chain.</a:t>
-            </a:r>
-          </a:p>
-          <a:p>
-            <a:pPr>
-              <a:spcBef>
-                <a:spcPts val="0"/>
-              </a:spcBef>
-              <a:buNone/>
-            </a:pPr>
-            <a:r>
-              <a:t/>
-            </a:r>
-            <a:endParaRPr sz="1200"/>
-          </a:p>
-        </p:txBody>
-      </p:sp>
-    </p:spTree>
-  </p:cSld>
-  <p:clrMapOvr>
-    <a:masterClrMapping/>
-  </p:clrMapOvr>
-  <p:transition spd="slow">
-    <p:cut/>
-  </p:transition>
-</p:sld>
-</file>
-
-<file path=ppt/slides/slide19.xml><?xml version="1.0" encoding="utf-8"?>
-<p:sld xmlns:a="http://schemas.openxmlformats.org/drawingml/2006/main" xmlns:r="http://schemas.openxmlformats.org/officeDocument/2006/relationships" xmlns:mc="http://schemas.openxmlformats.org/markup-compatibility/2006" xmlns:mv="urn:schemas-microsoft-com:mac:vml" xmlns:p="http://schemas.openxmlformats.org/presentationml/2006/main" xmlns:c="http://schemas.openxmlformats.org/drawingml/2006/chart" xmlns:dgm="http://schemas.openxmlformats.org/drawingml/2006/diagram" xmlns:o="urn:schemas-microsoft-com:office:office" xmlns:v="urn:schemas-microsoft-com:vml" xmlns:pvml="urn:schemas-microsoft-com:office:powerpoint" xmlns:com="http://schemas.openxmlformats.org/drawingml/2006/compatibility" xmlns:p14="http://schemas.microsoft.com/office/powerpoint/2010/main">
-  <p:cSld>
-    <p:spTree>
-      <p:nvGrpSpPr>
-        <p:cNvPr id="137" name="Shape 137"/>
-        <p:cNvGrpSpPr/>
-        <p:nvPr/>
-      </p:nvGrpSpPr>
-      <p:grpSpPr>
-        <a:xfrm>
-          <a:off x="0" y="0"/>
-          <a:ext cx="0" cy="0"/>
-          <a:chOff x="0" y="0"/>
-          <a:chExt cx="0" cy="0"/>
-        </a:xfrm>
-      </p:grpSpPr>
-      <p:sp>
-        <p:nvSpPr>
-          <p:cNvPr id="138" name="Shape 138"/>
-          <p:cNvSpPr txBox="1"/>
-          <p:nvPr>
-            <p:ph type="title"/>
-          </p:nvPr>
-        </p:nvSpPr>
-        <p:spPr>
-          <a:xfrm>
-            <a:off x="457200" y="205978"/>
-            <a:ext cx="8229600" cy="857400"/>
-          </a:xfrm>
-          <a:prstGeom prst="rect">
-            <a:avLst/>
-          </a:prstGeom>
-        </p:spPr>
-        <p:txBody>
-          <a:bodyPr anchorCtr="0" anchor="b" bIns="91425" lIns="91425" rIns="91425" tIns="91425">
-            <a:noAutofit/>
-          </a:bodyPr>
-          <a:lstStyle/>
-          <a:p>
-            <a:pPr lvl="0" rtl="0">
-              <a:spcBef>
-                <a:spcPts val="0"/>
-              </a:spcBef>
-              <a:buClr>
-                <a:schemeClr val="dk1"/>
-              </a:buClr>
-              <a:buSzPct val="100000"/>
-              <a:buFont typeface="Arial"/>
-              <a:buNone/>
-            </a:pPr>
-            <a:r>
-              <a:rPr b="0" lang="en" sz="1100"/>
-              <a:t>		 	 	 		</a:t>
-            </a:r>
-          </a:p>
-          <a:p>
-            <a:pPr lvl="0" rtl="0">
-              <a:spcBef>
-                <a:spcPts val="0"/>
-              </a:spcBef>
-              <a:buClr>
-                <a:schemeClr val="dk1"/>
-              </a:buClr>
-              <a:buSzPct val="100000"/>
-              <a:buFont typeface="Arial"/>
-              <a:buNone/>
-            </a:pPr>
-            <a:r>
-              <a:rPr b="0" lang="en" sz="1100"/>
-              <a:t>			</a:t>
-            </a:r>
-          </a:p>
-          <a:p>
-            <a:pPr lvl="0" rtl="0">
-              <a:spcBef>
-                <a:spcPts val="0"/>
-              </a:spcBef>
-              <a:buClr>
-                <a:schemeClr val="dk1"/>
-              </a:buClr>
-              <a:buSzPct val="100000"/>
-              <a:buFont typeface="Arial"/>
-              <a:buNone/>
-            </a:pPr>
-            <a:r>
-              <a:rPr b="0" lang="en" sz="1100"/>
-              <a:t>				</a:t>
-            </a:r>
-          </a:p>
-          <a:p>
-            <a:pPr lvl="0" rtl="0">
-              <a:spcBef>
-                <a:spcPts val="0"/>
-              </a:spcBef>
-              <a:buClr>
-                <a:schemeClr val="dk1"/>
-              </a:buClr>
-              <a:buSzPct val="100000"/>
-              <a:buFont typeface="Arial"/>
-              <a:buNone/>
-            </a:pPr>
-            <a:r>
-              <a:rPr b="0" lang="en" sz="1100"/>
-              <a:t>					</a:t>
-            </a:r>
-          </a:p>
-          <a:p>
-            <a:pPr lvl="0" rtl="0">
-              <a:spcBef>
-                <a:spcPts val="0"/>
-              </a:spcBef>
-              <a:buClr>
-                <a:schemeClr val="dk1"/>
-              </a:buClr>
-              <a:buSzPct val="100000"/>
-              <a:buFont typeface="Arial"/>
-              <a:buNone/>
-            </a:pPr>
-            <a:r>
-              <a:rPr b="0" lang="en" sz="1100"/>
-              <a:t>						</a:t>
-            </a:r>
-          </a:p>
-          <a:p>
-            <a:pPr lvl="0" rtl="0">
-              <a:spcBef>
-                <a:spcPts val="0"/>
-              </a:spcBef>
-              <a:buClr>
-                <a:schemeClr val="dk1"/>
-              </a:buClr>
-              <a:buSzPct val="55000"/>
-              <a:buFont typeface="Arial"/>
-              <a:buNone/>
-            </a:pPr>
-            <a:r>
-              <a:rPr b="0" lang="en" sz="2000"/>
-              <a:t>Around Filters </a:t>
-            </a:r>
-          </a:p>
-          <a:p>
-            <a:pPr lvl="0" rtl="0">
-              <a:spcBef>
-                <a:spcPts val="0"/>
-              </a:spcBef>
-              <a:buClr>
-                <a:schemeClr val="dk1"/>
-              </a:buClr>
-              <a:buSzPct val="100000"/>
-              <a:buFont typeface="Arial"/>
-              <a:buNone/>
-            </a:pPr>
-            <a:r>
-              <a:rPr b="0" lang="en" sz="1100"/>
-              <a:t>					</a:t>
-            </a:r>
-          </a:p>
-          <a:p>
-            <a:pPr lvl="0" rtl="0">
-              <a:spcBef>
-                <a:spcPts val="0"/>
-              </a:spcBef>
-              <a:buClr>
-                <a:schemeClr val="dk1"/>
-              </a:buClr>
-              <a:buSzPct val="100000"/>
-              <a:buFont typeface="Arial"/>
-              <a:buNone/>
-            </a:pPr>
-            <a:r>
-              <a:rPr b="0" lang="en" sz="1100"/>
-              <a:t>				</a:t>
-            </a:r>
-          </a:p>
-          <a:p>
-            <a:pPr lvl="0" rtl="0">
-              <a:spcBef>
-                <a:spcPts val="0"/>
-              </a:spcBef>
-              <a:buClr>
-                <a:schemeClr val="dk1"/>
-              </a:buClr>
-              <a:buSzPct val="100000"/>
-              <a:buFont typeface="Arial"/>
-              <a:buNone/>
-            </a:pPr>
-            <a:r>
-              <a:rPr b="0" lang="en" sz="1100"/>
-              <a:t>			</a:t>
-            </a:r>
-          </a:p>
-          <a:p>
-            <a:pPr lvl="0" rtl="0">
-              <a:spcBef>
-                <a:spcPts val="0"/>
-              </a:spcBef>
-              <a:buClr>
-                <a:schemeClr val="dk1"/>
-              </a:buClr>
-              <a:buSzPct val="100000"/>
-              <a:buFont typeface="Arial"/>
-              <a:buNone/>
-            </a:pPr>
-            <a:r>
-              <a:rPr b="0" lang="en" sz="1100"/>
-              <a:t>		</a:t>
-            </a:r>
-          </a:p>
-          <a:p>
-            <a:pPr>
-              <a:spcBef>
-                <a:spcPts val="0"/>
-              </a:spcBef>
-              <a:buNone/>
-            </a:pPr>
-            <a:r>
-              <a:rPr lang="en"/>
-              <a:t>Around Filters</a:t>
-            </a:r>
-          </a:p>
-        </p:txBody>
-      </p:sp>
-      <p:sp>
-        <p:nvSpPr>
-          <p:cNvPr id="139" name="Shape 139"/>
           <p:cNvSpPr txBox="1"/>
           <p:nvPr>
             <p:ph idx="1" type="body"/>
@@ -7711,902 +6976,6 @@
 </p:sld>
 </file>
 
-<file path=ppt/slides/slide20.xml><?xml version="1.0" encoding="utf-8"?>
-<p:sld xmlns:a="http://schemas.openxmlformats.org/drawingml/2006/main" xmlns:r="http://schemas.openxmlformats.org/officeDocument/2006/relationships" xmlns:mc="http://schemas.openxmlformats.org/markup-compatibility/2006" xmlns:mv="urn:schemas-microsoft-com:mac:vml" xmlns:p="http://schemas.openxmlformats.org/presentationml/2006/main" xmlns:c="http://schemas.openxmlformats.org/drawingml/2006/chart" xmlns:dgm="http://schemas.openxmlformats.org/drawingml/2006/diagram" xmlns:o="urn:schemas-microsoft-com:office:office" xmlns:v="urn:schemas-microsoft-com:vml" xmlns:pvml="urn:schemas-microsoft-com:office:powerpoint" xmlns:com="http://schemas.openxmlformats.org/drawingml/2006/compatibility" xmlns:p14="http://schemas.microsoft.com/office/powerpoint/2010/main">
-  <p:cSld>
-    <p:spTree>
-      <p:nvGrpSpPr>
-        <p:cNvPr id="143" name="Shape 143"/>
-        <p:cNvGrpSpPr/>
-        <p:nvPr/>
-      </p:nvGrpSpPr>
-      <p:grpSpPr>
-        <a:xfrm>
-          <a:off x="0" y="0"/>
-          <a:ext cx="0" cy="0"/>
-          <a:chOff x="0" y="0"/>
-          <a:chExt cx="0" cy="0"/>
-        </a:xfrm>
-      </p:grpSpPr>
-      <p:sp>
-        <p:nvSpPr>
-          <p:cNvPr id="144" name="Shape 144"/>
-          <p:cNvSpPr txBox="1"/>
-          <p:nvPr>
-            <p:ph type="title"/>
-          </p:nvPr>
-        </p:nvSpPr>
-        <p:spPr>
-          <a:xfrm>
-            <a:off x="457200" y="205978"/>
-            <a:ext cx="8229600" cy="857400"/>
-          </a:xfrm>
-          <a:prstGeom prst="rect">
-            <a:avLst/>
-          </a:prstGeom>
-        </p:spPr>
-        <p:txBody>
-          <a:bodyPr anchorCtr="0" anchor="b" bIns="91425" lIns="91425" rIns="91425" tIns="91425">
-            <a:noAutofit/>
-          </a:bodyPr>
-          <a:lstStyle/>
-          <a:p>
-            <a:pPr>
-              <a:spcBef>
-                <a:spcPts val="0"/>
-              </a:spcBef>
-              <a:buNone/>
-            </a:pPr>
-            <a:r>
-              <a:rPr lang="en"/>
-              <a:t>Verification</a:t>
-            </a:r>
-          </a:p>
-        </p:txBody>
-      </p:sp>
-      <p:sp>
-        <p:nvSpPr>
-          <p:cNvPr id="145" name="Shape 145"/>
-          <p:cNvSpPr txBox="1"/>
-          <p:nvPr>
-            <p:ph idx="1" type="body"/>
-          </p:nvPr>
-        </p:nvSpPr>
-        <p:spPr>
-          <a:xfrm>
-            <a:off x="457200" y="1200150"/>
-            <a:ext cx="8229600" cy="3725699"/>
-          </a:xfrm>
-          <a:prstGeom prst="rect">
-            <a:avLst/>
-          </a:prstGeom>
-        </p:spPr>
-        <p:txBody>
-          <a:bodyPr anchorCtr="0" anchor="t" bIns="91425" lIns="91425" rIns="91425" tIns="91425">
-            <a:noAutofit/>
-          </a:bodyPr>
-          <a:lstStyle/>
-          <a:p>
-            <a:pPr lvl="0" rtl="0">
-              <a:spcBef>
-                <a:spcPts val="0"/>
-              </a:spcBef>
-              <a:buNone/>
-            </a:pPr>
-            <a:r>
-              <a:rPr lang="en" sz="1200"/>
-              <a:t>A common use of before filters is verifying that certain conditions are met before an action is attempted. The Rails verify mechanism is an abstraction that might help you express these preconditions more concisely than you could in explicit filter code.</a:t>
-            </a:r>
-          </a:p>
-          <a:p>
-            <a:pPr rtl="0">
-              <a:spcBef>
-                <a:spcPts val="0"/>
-              </a:spcBef>
-              <a:buNone/>
-            </a:pPr>
-            <a:r>
-              <a:rPr lang="en" sz="1200"/>
-              <a:t>For example, we might require that the session contains a valid user before a blog allows comments to be posted.</a:t>
-            </a:r>
-          </a:p>
-          <a:p>
-            <a:pPr rtl="0">
-              <a:spcBef>
-                <a:spcPts val="0"/>
-              </a:spcBef>
-              <a:buNone/>
-            </a:pPr>
-            <a:r>
-              <a:t/>
-            </a:r>
-            <a:endParaRPr sz="1200"/>
-          </a:p>
-          <a:p>
-            <a:pPr lvl="0" rtl="0">
-              <a:spcBef>
-                <a:spcPts val="0"/>
-              </a:spcBef>
-              <a:buNone/>
-            </a:pPr>
-            <a:r>
-              <a:rPr lang="en" sz="1200"/>
-              <a:t>class BlogController &lt; ApplicationController </a:t>
-            </a:r>
-          </a:p>
-          <a:p>
-            <a:pPr lvl="0" rtl="0">
-              <a:spcBef>
-                <a:spcPts val="0"/>
-              </a:spcBef>
-              <a:buNone/>
-            </a:pPr>
-            <a:r>
-              <a:rPr lang="en" sz="1200"/>
-              <a:t>  verify :only =&gt; :post_comment, </a:t>
-            </a:r>
-          </a:p>
-          <a:p>
-            <a:pPr lvl="0" rtl="0">
-              <a:spcBef>
-                <a:spcPts val="0"/>
-              </a:spcBef>
-              <a:buClr>
-                <a:schemeClr val="dk1"/>
-              </a:buClr>
-              <a:buSzPct val="91666"/>
-              <a:buFont typeface="Arial"/>
-              <a:buNone/>
-            </a:pPr>
-            <a:r>
-              <a:rPr lang="en" sz="1200"/>
-              <a:t>  :session =&gt; :user_id,</a:t>
-            </a:r>
-          </a:p>
-          <a:p>
-            <a:pPr lvl="0" rtl="0">
-              <a:spcBef>
-                <a:spcPts val="0"/>
-              </a:spcBef>
-              <a:buNone/>
-            </a:pPr>
-            <a:r>
-              <a:rPr lang="en" sz="1200"/>
-              <a:t>  :add_flash =&gt; {:note =&gt; “Please login”}, </a:t>
-            </a:r>
-          </a:p>
-          <a:p>
-            <a:pPr lvl="0" rtl="0">
-              <a:spcBef>
-                <a:spcPts val="0"/>
-              </a:spcBef>
-              <a:buNone/>
-            </a:pPr>
-            <a:r>
-              <a:rPr lang="en" sz="1200"/>
-              <a:t>  :redirect_to =&gt; :index</a:t>
-            </a:r>
-          </a:p>
-          <a:p>
-            <a:pPr lvl="0" rtl="0">
-              <a:spcBef>
-                <a:spcPts val="0"/>
-              </a:spcBef>
-              <a:buNone/>
-            </a:pPr>
-            <a:r>
-              <a:rPr lang="en" sz="1200"/>
-              <a:t>  ................ </a:t>
-            </a:r>
-          </a:p>
-          <a:p>
-            <a:pPr lvl="0" rtl="0">
-              <a:spcBef>
-                <a:spcPts val="0"/>
-              </a:spcBef>
-              <a:buNone/>
-            </a:pPr>
-            <a:r>
-              <a:rPr lang="en" sz="1200"/>
-              <a:t>end</a:t>
-            </a:r>
-          </a:p>
-          <a:p>
-            <a:pPr lvl="0" rtl="0">
-              <a:spcBef>
-                <a:spcPts val="0"/>
-              </a:spcBef>
-              <a:buClr>
-                <a:schemeClr val="dk1"/>
-              </a:buClr>
-              <a:buFont typeface="Arial"/>
-              <a:buNone/>
-            </a:pPr>
-            <a:r>
-              <a:t/>
-            </a:r>
-            <a:endParaRPr sz="1200"/>
-          </a:p>
-          <a:p>
-            <a:pPr lvl="0" rtl="0">
-              <a:spcBef>
-                <a:spcPts val="0"/>
-              </a:spcBef>
-              <a:buNone/>
-            </a:pPr>
-            <a:r>
-              <a:rPr lang="en" sz="1200"/>
-              <a:t>This declaration applies the verification to the post_comment action. If the session does not contain the key :user_id, a note is added to the flash and the request is redirected to the index action.</a:t>
-            </a:r>
-          </a:p>
-          <a:p>
-            <a:pPr lvl="0" rtl="0">
-              <a:spcBef>
-                <a:spcPts val="0"/>
-              </a:spcBef>
-              <a:buNone/>
-            </a:pPr>
-            <a:r>
-              <a:rPr lang="en" sz="1200"/>
-              <a:t>￼</a:t>
-            </a:r>
-          </a:p>
-          <a:p>
-            <a:pPr lvl="0" rtl="0">
-              <a:spcBef>
-                <a:spcPts val="0"/>
-              </a:spcBef>
-              <a:buClr>
-                <a:schemeClr val="dk1"/>
-              </a:buClr>
-              <a:buFont typeface="Arial"/>
-              <a:buNone/>
-            </a:pPr>
-            <a:r>
-              <a:t/>
-            </a:r>
-            <a:endParaRPr sz="1200"/>
-          </a:p>
-          <a:p>
-            <a:pPr>
-              <a:spcBef>
-                <a:spcPts val="0"/>
-              </a:spcBef>
-              <a:buNone/>
-            </a:pPr>
-            <a:r>
-              <a:t/>
-            </a:r>
-            <a:endParaRPr sz="1200"/>
-          </a:p>
-        </p:txBody>
-      </p:sp>
-    </p:spTree>
-  </p:cSld>
-  <p:clrMapOvr>
-    <a:masterClrMapping/>
-  </p:clrMapOvr>
-  <p:transition spd="slow">
-    <p:cut/>
-  </p:transition>
-</p:sld>
-</file>
-
-<file path=ppt/slides/slide21.xml><?xml version="1.0" encoding="utf-8"?>
-<p:sld xmlns:a="http://schemas.openxmlformats.org/drawingml/2006/main" xmlns:r="http://schemas.openxmlformats.org/officeDocument/2006/relationships" xmlns:mc="http://schemas.openxmlformats.org/markup-compatibility/2006" xmlns:mv="urn:schemas-microsoft-com:mac:vml" xmlns:p="http://schemas.openxmlformats.org/presentationml/2006/main" xmlns:c="http://schemas.openxmlformats.org/drawingml/2006/chart" xmlns:dgm="http://schemas.openxmlformats.org/drawingml/2006/diagram" xmlns:o="urn:schemas-microsoft-com:office:office" xmlns:v="urn:schemas-microsoft-com:vml" xmlns:pvml="urn:schemas-microsoft-com:office:powerpoint" xmlns:com="http://schemas.openxmlformats.org/drawingml/2006/compatibility" xmlns:p14="http://schemas.microsoft.com/office/powerpoint/2010/main">
-  <p:cSld>
-    <p:spTree>
-      <p:nvGrpSpPr>
-        <p:cNvPr id="149" name="Shape 149"/>
-        <p:cNvGrpSpPr/>
-        <p:nvPr/>
-      </p:nvGrpSpPr>
-      <p:grpSpPr>
-        <a:xfrm>
-          <a:off x="0" y="0"/>
-          <a:ext cx="0" cy="0"/>
-          <a:chOff x="0" y="0"/>
-          <a:chExt cx="0" cy="0"/>
-        </a:xfrm>
-      </p:grpSpPr>
-      <p:sp>
-        <p:nvSpPr>
-          <p:cNvPr id="150" name="Shape 150"/>
-          <p:cNvSpPr txBox="1"/>
-          <p:nvPr>
-            <p:ph type="title"/>
-          </p:nvPr>
-        </p:nvSpPr>
-        <p:spPr>
-          <a:xfrm>
-            <a:off x="457200" y="205978"/>
-            <a:ext cx="8229600" cy="857400"/>
-          </a:xfrm>
-          <a:prstGeom prst="rect">
-            <a:avLst/>
-          </a:prstGeom>
-        </p:spPr>
-        <p:txBody>
-          <a:bodyPr anchorCtr="0" anchor="b" bIns="91425" lIns="91425" rIns="91425" tIns="91425">
-            <a:noAutofit/>
-          </a:bodyPr>
-          <a:lstStyle/>
-          <a:p>
-            <a:pPr>
-              <a:spcBef>
-                <a:spcPts val="0"/>
-              </a:spcBef>
-              <a:buNone/>
-            </a:pPr>
-            <a:r>
-              <a:t/>
-            </a:r>
-            <a:endParaRPr/>
-          </a:p>
-        </p:txBody>
-      </p:sp>
-      <p:sp>
-        <p:nvSpPr>
-          <p:cNvPr id="151" name="Shape 151"/>
-          <p:cNvSpPr txBox="1"/>
-          <p:nvPr>
-            <p:ph idx="1" type="body"/>
-          </p:nvPr>
-        </p:nvSpPr>
-        <p:spPr>
-          <a:xfrm>
-            <a:off x="457200" y="205975"/>
-            <a:ext cx="8229600" cy="4719900"/>
-          </a:xfrm>
-          <a:prstGeom prst="rect">
-            <a:avLst/>
-          </a:prstGeom>
-        </p:spPr>
-        <p:txBody>
-          <a:bodyPr anchorCtr="0" anchor="t" bIns="91425" lIns="91425" rIns="91425" tIns="91425">
-            <a:noAutofit/>
-          </a:bodyPr>
-          <a:lstStyle/>
-          <a:p>
-            <a:pPr lvl="0" rtl="0">
-              <a:spcBef>
-                <a:spcPts val="0"/>
-              </a:spcBef>
-              <a:buClr>
-                <a:schemeClr val="dk1"/>
-              </a:buClr>
-              <a:buSzPct val="91666"/>
-              <a:buFont typeface="Arial"/>
-              <a:buNone/>
-            </a:pPr>
-            <a:r>
-              <a:rPr lang="en" sz="1200"/>
-              <a:t>Applicability :-</a:t>
-            </a:r>
-          </a:p>
-          <a:p>
-            <a:pPr lvl="0" rtl="0">
-              <a:spcBef>
-                <a:spcPts val="0"/>
-              </a:spcBef>
-              <a:buClr>
-                <a:schemeClr val="dk1"/>
-              </a:buClr>
-              <a:buSzPct val="91666"/>
-              <a:buFont typeface="Arial"/>
-              <a:buNone/>
-            </a:pPr>
-            <a:r>
-              <a:rPr lang="en" sz="1200"/>
-              <a:t>These options select which actions have the verification applied. :only =&gt; :name or [:name,....]</a:t>
-            </a:r>
-          </a:p>
-          <a:p>
-            <a:pPr lvl="0" rtl="0">
-              <a:spcBef>
-                <a:spcPts val="0"/>
-              </a:spcBef>
-              <a:buClr>
-                <a:schemeClr val="dk1"/>
-              </a:buClr>
-              <a:buSzPct val="91666"/>
-              <a:buFont typeface="Arial"/>
-              <a:buNone/>
-            </a:pPr>
-            <a:r>
-              <a:rPr lang="en" sz="1200"/>
-              <a:t>Verify only the listed action or actions.</a:t>
-            </a:r>
-          </a:p>
-          <a:p>
-            <a:pPr lvl="0" rtl="0">
-              <a:spcBef>
-                <a:spcPts val="0"/>
-              </a:spcBef>
-              <a:buClr>
-                <a:schemeClr val="dk1"/>
-              </a:buClr>
-              <a:buSzPct val="91666"/>
-              <a:buFont typeface="Arial"/>
-              <a:buNone/>
-            </a:pPr>
-            <a:r>
-              <a:rPr lang="en" sz="1200"/>
-              <a:t>:except =&gt; :name or [:name,....]</a:t>
-            </a:r>
-          </a:p>
-          <a:p>
-            <a:pPr lvl="0" rtl="0">
-              <a:spcBef>
-                <a:spcPts val="0"/>
-              </a:spcBef>
-              <a:buClr>
-                <a:schemeClr val="dk1"/>
-              </a:buClr>
-              <a:buSzPct val="91666"/>
-              <a:buFont typeface="Arial"/>
-              <a:buNone/>
-            </a:pPr>
-            <a:r>
-              <a:rPr lang="en" sz="1200"/>
-              <a:t>Verify all the action except those listed.</a:t>
-            </a:r>
-          </a:p>
-          <a:p>
-            <a:pPr lvl="0" rtl="0">
-              <a:spcBef>
-                <a:spcPts val="0"/>
-              </a:spcBef>
-              <a:buNone/>
-            </a:pPr>
-            <a:r>
-              <a:t/>
-            </a:r>
-            <a:endParaRPr sz="1200"/>
-          </a:p>
-          <a:p>
-            <a:pPr lvl="0" rtl="0">
-              <a:spcBef>
-                <a:spcPts val="0"/>
-              </a:spcBef>
-              <a:buClr>
-                <a:schemeClr val="dk1"/>
-              </a:buClr>
-              <a:buSzPct val="91666"/>
-              <a:buFont typeface="Arial"/>
-              <a:buNone/>
-            </a:pPr>
-            <a:r>
-              <a:rPr lang="en" sz="1200"/>
-              <a:t>Tests :-</a:t>
-            </a:r>
-          </a:p>
-          <a:p>
-            <a:pPr lvl="0" rtl="0">
-              <a:spcBef>
-                <a:spcPts val="0"/>
-              </a:spcBef>
-              <a:buClr>
-                <a:schemeClr val="dk1"/>
-              </a:buClr>
-              <a:buSzPct val="91666"/>
-              <a:buFont typeface="Arial"/>
-              <a:buNone/>
-            </a:pPr>
-            <a:r>
-              <a:rPr lang="en" sz="1200"/>
-              <a:t>These options describe the test to be performed on the request. If more than one of them is given, all must be true for the request to succeed.</a:t>
-            </a:r>
-          </a:p>
-          <a:p>
-            <a:pPr lvl="0" rtl="0">
-              <a:spcBef>
-                <a:spcPts val="0"/>
-              </a:spcBef>
-              <a:buClr>
-                <a:schemeClr val="dk1"/>
-              </a:buClr>
-              <a:buSzPct val="91666"/>
-              <a:buFont typeface="Arial"/>
-              <a:buNone/>
-            </a:pPr>
-            <a:r>
-              <a:rPr lang="en" sz="1200"/>
-              <a:t>￼:flash =&gt; :key or [:key,....]</a:t>
-            </a:r>
-          </a:p>
-          <a:p>
-            <a:pPr lvl="0" rtl="0">
-              <a:spcBef>
-                <a:spcPts val="0"/>
-              </a:spcBef>
-              <a:buNone/>
-            </a:pPr>
-            <a:r>
-              <a:rPr lang="en" sz="1200"/>
-              <a:t>The flash must include the given key or keys.</a:t>
-            </a:r>
-          </a:p>
-          <a:p>
-            <a:pPr lvl="0" rtl="0">
-              <a:spcBef>
-                <a:spcPts val="0"/>
-              </a:spcBef>
-              <a:buClr>
-                <a:schemeClr val="dk1"/>
-              </a:buClr>
-              <a:buFont typeface="Arial"/>
-              <a:buNone/>
-            </a:pPr>
-            <a:r>
-              <a:t/>
-            </a:r>
-            <a:endParaRPr sz="1200"/>
-          </a:p>
-          <a:p>
-            <a:pPr lvl="0" rtl="0">
-              <a:spcBef>
-                <a:spcPts val="0"/>
-              </a:spcBef>
-              <a:buNone/>
-            </a:pPr>
-            <a:r>
-              <a:rPr lang="en" sz="1200"/>
-              <a:t>:method =&gt; :symbol or [:symbol,....]</a:t>
-            </a:r>
-          </a:p>
-          <a:p>
-            <a:pPr lvl="0" rtl="0">
-              <a:spcBef>
-                <a:spcPts val="0"/>
-              </a:spcBef>
-              <a:buNone/>
-            </a:pPr>
-            <a:r>
-              <a:rPr lang="en" sz="1200"/>
-              <a:t>the request method (:get, :post, :head, or :delete) must match one of the given symbol.</a:t>
-            </a:r>
-          </a:p>
-          <a:p>
-            <a:pPr lvl="0" rtl="0">
-              <a:spcBef>
-                <a:spcPts val="0"/>
-              </a:spcBef>
-              <a:buClr>
-                <a:schemeClr val="dk1"/>
-              </a:buClr>
-              <a:buFont typeface="Arial"/>
-              <a:buNone/>
-            </a:pPr>
-            <a:r>
-              <a:t/>
-            </a:r>
-            <a:endParaRPr sz="1200"/>
-          </a:p>
-          <a:p>
-            <a:pPr>
-              <a:spcBef>
-                <a:spcPts val="0"/>
-              </a:spcBef>
-              <a:buNone/>
-            </a:pPr>
-            <a:r>
-              <a:t/>
-            </a:r>
-            <a:endParaRPr sz="1200"/>
-          </a:p>
-        </p:txBody>
-      </p:sp>
-    </p:spTree>
-  </p:cSld>
-  <p:clrMapOvr>
-    <a:masterClrMapping/>
-  </p:clrMapOvr>
-  <p:transition spd="slow">
-    <p:cut/>
-  </p:transition>
-</p:sld>
-</file>
-
-<file path=ppt/slides/slide22.xml><?xml version="1.0" encoding="utf-8"?>
-<p:sld xmlns:a="http://schemas.openxmlformats.org/drawingml/2006/main" xmlns:r="http://schemas.openxmlformats.org/officeDocument/2006/relationships" xmlns:mc="http://schemas.openxmlformats.org/markup-compatibility/2006" xmlns:mv="urn:schemas-microsoft-com:mac:vml" xmlns:p="http://schemas.openxmlformats.org/presentationml/2006/main" xmlns:c="http://schemas.openxmlformats.org/drawingml/2006/chart" xmlns:dgm="http://schemas.openxmlformats.org/drawingml/2006/diagram" xmlns:o="urn:schemas-microsoft-com:office:office" xmlns:v="urn:schemas-microsoft-com:vml" xmlns:pvml="urn:schemas-microsoft-com:office:powerpoint" xmlns:com="http://schemas.openxmlformats.org/drawingml/2006/compatibility" xmlns:p14="http://schemas.microsoft.com/office/powerpoint/2010/main">
-  <p:cSld>
-    <p:spTree>
-      <p:nvGrpSpPr>
-        <p:cNvPr id="155" name="Shape 155"/>
-        <p:cNvGrpSpPr/>
-        <p:nvPr/>
-      </p:nvGrpSpPr>
-      <p:grpSpPr>
-        <a:xfrm>
-          <a:off x="0" y="0"/>
-          <a:ext cx="0" cy="0"/>
-          <a:chOff x="0" y="0"/>
-          <a:chExt cx="0" cy="0"/>
-        </a:xfrm>
-      </p:grpSpPr>
-      <p:sp>
-        <p:nvSpPr>
-          <p:cNvPr id="156" name="Shape 156"/>
-          <p:cNvSpPr txBox="1"/>
-          <p:nvPr>
-            <p:ph type="title"/>
-          </p:nvPr>
-        </p:nvSpPr>
-        <p:spPr>
-          <a:xfrm>
-            <a:off x="457200" y="205978"/>
-            <a:ext cx="8229600" cy="857400"/>
-          </a:xfrm>
-          <a:prstGeom prst="rect">
-            <a:avLst/>
-          </a:prstGeom>
-        </p:spPr>
-        <p:txBody>
-          <a:bodyPr anchorCtr="0" anchor="b" bIns="91425" lIns="91425" rIns="91425" tIns="91425">
-            <a:noAutofit/>
-          </a:bodyPr>
-          <a:lstStyle/>
-          <a:p>
-            <a:pPr>
-              <a:spcBef>
-                <a:spcPts val="0"/>
-              </a:spcBef>
-              <a:buNone/>
-            </a:pPr>
-            <a:r>
-              <a:t/>
-            </a:r>
-            <a:endParaRPr/>
-          </a:p>
-        </p:txBody>
-      </p:sp>
-      <p:sp>
-        <p:nvSpPr>
-          <p:cNvPr id="157" name="Shape 157"/>
-          <p:cNvSpPr txBox="1"/>
-          <p:nvPr>
-            <p:ph idx="1" type="body"/>
-          </p:nvPr>
-        </p:nvSpPr>
-        <p:spPr>
-          <a:xfrm>
-            <a:off x="457200" y="205975"/>
-            <a:ext cx="8229600" cy="4719900"/>
-          </a:xfrm>
-          <a:prstGeom prst="rect">
-            <a:avLst/>
-          </a:prstGeom>
-        </p:spPr>
-        <p:txBody>
-          <a:bodyPr anchorCtr="0" anchor="t" bIns="91425" lIns="91425" rIns="91425" tIns="91425">
-            <a:noAutofit/>
-          </a:bodyPr>
-          <a:lstStyle/>
-          <a:p>
-            <a:pPr lvl="0" rtl="0">
-              <a:spcBef>
-                <a:spcPts val="0"/>
-              </a:spcBef>
-              <a:buClr>
-                <a:schemeClr val="dk1"/>
-              </a:buClr>
-              <a:buSzPct val="91666"/>
-              <a:buFont typeface="Arial"/>
-              <a:buNone/>
-            </a:pPr>
-            <a:r>
-              <a:rPr lang="en" sz="1200"/>
-              <a:t>:params =&gt; :key or [:key,....]</a:t>
-            </a:r>
-          </a:p>
-          <a:p>
-            <a:pPr lvl="0" rtl="0">
-              <a:spcBef>
-                <a:spcPts val="0"/>
-              </a:spcBef>
-              <a:buClr>
-                <a:schemeClr val="dk1"/>
-              </a:buClr>
-              <a:buSzPct val="91666"/>
-              <a:buFont typeface="Arial"/>
-              <a:buNone/>
-            </a:pPr>
-            <a:r>
-              <a:rPr lang="en" sz="1200"/>
-              <a:t>The request parameters must include the given key or keys.</a:t>
-            </a:r>
-          </a:p>
-          <a:p>
-            <a:pPr lvl="0" rtl="0">
-              <a:spcBef>
-                <a:spcPts val="0"/>
-              </a:spcBef>
-              <a:buClr>
-                <a:schemeClr val="dk1"/>
-              </a:buClr>
-              <a:buSzPct val="91666"/>
-              <a:buFont typeface="Arial"/>
-              <a:buNone/>
-            </a:pPr>
-            <a:r>
-              <a:rPr lang="en" sz="1200"/>
-              <a:t>:session =&gt; :key or [:key,....]</a:t>
-            </a:r>
-          </a:p>
-          <a:p>
-            <a:pPr lvl="0" rtl="0">
-              <a:spcBef>
-                <a:spcPts val="0"/>
-              </a:spcBef>
-              <a:buClr>
-                <a:schemeClr val="dk1"/>
-              </a:buClr>
-              <a:buSzPct val="91666"/>
-              <a:buFont typeface="Arial"/>
-              <a:buNone/>
-            </a:pPr>
-            <a:r>
-              <a:rPr lang="en" sz="1200"/>
-              <a:t>The session must include the given key or keys.</a:t>
-            </a:r>
-          </a:p>
-          <a:p>
-            <a:pPr lvl="0" rtl="0">
-              <a:spcBef>
-                <a:spcPts val="0"/>
-              </a:spcBef>
-              <a:buNone/>
-            </a:pPr>
-            <a:r>
-              <a:t/>
-            </a:r>
-            <a:endParaRPr sz="1200"/>
-          </a:p>
-          <a:p>
-            <a:pPr lvl="0" rtl="0">
-              <a:spcBef>
-                <a:spcPts val="0"/>
-              </a:spcBef>
-              <a:buClr>
-                <a:schemeClr val="dk1"/>
-              </a:buClr>
-              <a:buSzPct val="91666"/>
-              <a:buFont typeface="Arial"/>
-              <a:buNone/>
-            </a:pPr>
-            <a:r>
-              <a:rPr lang="en" sz="1200"/>
-              <a:t>Actions</a:t>
-            </a:r>
-          </a:p>
-          <a:p>
-            <a:pPr lvl="0" rtl="0">
-              <a:spcBef>
-                <a:spcPts val="0"/>
-              </a:spcBef>
-              <a:buClr>
-                <a:schemeClr val="dk1"/>
-              </a:buClr>
-              <a:buSzPct val="91666"/>
-              <a:buFont typeface="Arial"/>
-              <a:buNone/>
-            </a:pPr>
-            <a:r>
-              <a:rPr lang="en" sz="1200"/>
-              <a:t>These options describe what should happen if the verification fails. If no are specified, the verification returns an empty response to the browser on failure.</a:t>
-            </a:r>
-          </a:p>
-          <a:p>
-            <a:pPr lvl="0" rtl="0">
-              <a:spcBef>
-                <a:spcPts val="0"/>
-              </a:spcBef>
-              <a:buClr>
-                <a:schemeClr val="dk1"/>
-              </a:buClr>
-              <a:buSzPct val="91666"/>
-              <a:buFont typeface="Arial"/>
-              <a:buNone/>
-            </a:pPr>
-            <a:r>
-              <a:rPr lang="en" sz="1200"/>
-              <a:t>add_flash =&gt; hash</a:t>
-            </a:r>
-          </a:p>
-          <a:p>
-            <a:pPr lvl="0" rtl="0">
-              <a:spcBef>
-                <a:spcPts val="0"/>
-              </a:spcBef>
-              <a:buClr>
-                <a:schemeClr val="dk1"/>
-              </a:buClr>
-              <a:buSzPct val="91666"/>
-              <a:buFont typeface="Arial"/>
-              <a:buNone/>
-            </a:pPr>
-            <a:r>
-              <a:rPr lang="en" sz="1200"/>
-              <a:t>Merges the given hash of key/value pairs into the flash. This can be used to generate error responses to users.</a:t>
-            </a:r>
-          </a:p>
-          <a:p>
-            <a:pPr lvl="0" rtl="0">
-              <a:spcBef>
-                <a:spcPts val="0"/>
-              </a:spcBef>
-              <a:buClr>
-                <a:schemeClr val="dk1"/>
-              </a:buClr>
-              <a:buSzPct val="91666"/>
-              <a:buFont typeface="Arial"/>
-              <a:buNone/>
-            </a:pPr>
-            <a:r>
-              <a:rPr lang="en" sz="1200"/>
-              <a:t>redirect_to =&gt; params</a:t>
-            </a:r>
-          </a:p>
-          <a:p>
-            <a:pPr lvl="0" rtl="0">
-              <a:spcBef>
-                <a:spcPts val="0"/>
-              </a:spcBef>
-              <a:buClr>
-                <a:schemeClr val="dk1"/>
-              </a:buClr>
-              <a:buSzPct val="91666"/>
-              <a:buFont typeface="Arial"/>
-              <a:buNone/>
-            </a:pPr>
-            <a:r>
-              <a:rPr lang="en" sz="1200"/>
-              <a:t>Redirect using given parameter hash.</a:t>
-            </a:r>
-          </a:p>
-          <a:p>
-            <a:pPr lvl="0" rtl="0">
-              <a:spcBef>
-                <a:spcPts val="0"/>
-              </a:spcBef>
-              <a:buClr>
-                <a:schemeClr val="dk1"/>
-              </a:buClr>
-              <a:buSzPct val="91666"/>
-              <a:buFont typeface="Arial"/>
-              <a:buNone/>
-            </a:pPr>
-            <a:r>
-              <a:rPr lang="en" sz="1200"/>
-              <a:t>￼</a:t>
-            </a:r>
-          </a:p>
-          <a:p>
-            <a:pPr>
-              <a:spcBef>
-                <a:spcPts val="0"/>
-              </a:spcBef>
-              <a:buNone/>
-            </a:pPr>
-            <a:r>
-              <a:t/>
-            </a:r>
-            <a:endParaRPr sz="1200"/>
-          </a:p>
-        </p:txBody>
-      </p:sp>
-    </p:spTree>
-  </p:cSld>
-  <p:clrMapOvr>
-    <a:masterClrMapping/>
-  </p:clrMapOvr>
-  <p:transition spd="slow">
-    <p:cut/>
-  </p:transition>
-</p:sld>
-</file>
-
 <file path=ppt/slides/slide3.xml><?xml version="1.0" encoding="utf-8"?>
 <p:sld xmlns:a="http://schemas.openxmlformats.org/drawingml/2006/main" xmlns:r="http://schemas.openxmlformats.org/officeDocument/2006/relationships" xmlns:mc="http://schemas.openxmlformats.org/markup-compatibility/2006" xmlns:mv="urn:schemas-microsoft-com:mac:vml" xmlns:p="http://schemas.openxmlformats.org/presentationml/2006/main" xmlns:c="http://schemas.openxmlformats.org/drawingml/2006/chart" xmlns:dgm="http://schemas.openxmlformats.org/drawingml/2006/diagram" xmlns:o="urn:schemas-microsoft-com:office:office" xmlns:v="urn:schemas-microsoft-com:vml" xmlns:pvml="urn:schemas-microsoft-com:office:powerpoint" xmlns:com="http://schemas.openxmlformats.org/drawingml/2006/compatibility" xmlns:p14="http://schemas.microsoft.com/office/powerpoint/2010/main">
   <p:cSld>
@@ -9860,6 +8229,218 @@
           <p:cNvPr id="66" name="Shape 66"/>
           <p:cNvSpPr txBox="1"/>
           <p:nvPr>
+            <p:ph idx="1" type="body"/>
+          </p:nvPr>
+        </p:nvSpPr>
+        <p:spPr>
+          <a:xfrm>
+            <a:off x="457200" y="1200150"/>
+            <a:ext cx="8229600" cy="3725699"/>
+          </a:xfrm>
+          <a:prstGeom prst="rect">
+            <a:avLst/>
+          </a:prstGeom>
+        </p:spPr>
+        <p:txBody>
+          <a:bodyPr anchorCtr="0" anchor="t" bIns="91425" lIns="91425" rIns="91425" tIns="91425">
+            <a:noAutofit/>
+          </a:bodyPr>
+          <a:lstStyle/>
+          <a:p>
+            <a:pPr lvl="0" rtl="0">
+              <a:spcBef>
+                <a:spcPts val="0"/>
+              </a:spcBef>
+              <a:buClr>
+                <a:schemeClr val="dk1"/>
+              </a:buClr>
+              <a:buSzPct val="91666"/>
+              <a:buFont typeface="Arial"/>
+              <a:buNone/>
+            </a:pPr>
+            <a:r>
+              <a:rPr lang="en" sz="1200"/>
+              <a:t>A template is a file that defines the content of a response for our application. By convention the template for the action action of control control will be in the file app/views/control/action.rhtml.</a:t>
+            </a:r>
+          </a:p>
+          <a:p>
+            <a:pPr lvl="0" rtl="0">
+              <a:spcBef>
+                <a:spcPts val="0"/>
+              </a:spcBef>
+              <a:buClr>
+                <a:schemeClr val="dk1"/>
+              </a:buClr>
+              <a:buSzPct val="91666"/>
+              <a:buFont typeface="Arial"/>
+              <a:buNone/>
+            </a:pPr>
+            <a:r>
+              <a:rPr lang="en" sz="1200"/>
+              <a:t>The render() method is the heart of all rendering in rails. It takes a hash of options that tell it what to render and how to render it.</a:t>
+            </a:r>
+          </a:p>
+          <a:p>
+            <a:pPr lvl="0" rtl="0">
+              <a:spcBef>
+                <a:spcPts val="0"/>
+              </a:spcBef>
+              <a:buNone/>
+            </a:pPr>
+            <a:r>
+              <a:rPr lang="en" sz="1200"/>
+              <a:t>render( :text =&gt; string) renders the text on the browser. </a:t>
+            </a:r>
+          </a:p>
+          <a:p>
+            <a:pPr lvl="0" rtl="0">
+              <a:spcBef>
+                <a:spcPts val="0"/>
+              </a:spcBef>
+              <a:buClr>
+                <a:schemeClr val="dk1"/>
+              </a:buClr>
+              <a:buSzPct val="91666"/>
+              <a:buFont typeface="Arial"/>
+              <a:buNone/>
+            </a:pPr>
+            <a:r>
+              <a:rPr lang="en" sz="1200"/>
+              <a:t>def index</a:t>
+            </a:r>
+          </a:p>
+          <a:p>
+            <a:pPr indent="0" lvl="0" marL="0" rtl="0">
+              <a:spcBef>
+                <a:spcPts val="0"/>
+              </a:spcBef>
+              <a:buNone/>
+            </a:pPr>
+            <a:r>
+              <a:rPr lang="en" sz="1200"/>
+              <a:t>  render( :text =&gt; ‘Hello World’)</a:t>
+            </a:r>
+          </a:p>
+          <a:p>
+            <a:pPr indent="0" lvl="0" marL="0" rtl="0">
+              <a:spcBef>
+                <a:spcPts val="0"/>
+              </a:spcBef>
+              <a:buClr>
+                <a:schemeClr val="dk1"/>
+              </a:buClr>
+              <a:buSzPct val="91666"/>
+              <a:buFont typeface="Arial"/>
+              <a:buNone/>
+            </a:pPr>
+            <a:r>
+              <a:rPr lang="en" sz="1200"/>
+              <a:t>end</a:t>
+            </a:r>
+          </a:p>
+          <a:p>
+            <a:pPr lvl="0" rtl="0">
+              <a:spcBef>
+                <a:spcPts val="0"/>
+              </a:spcBef>
+              <a:buNone/>
+            </a:pPr>
+            <a:r>
+              <a:rPr lang="en" sz="1200"/>
+              <a:t>￼render( :action =&gt; action_name) renders the template for a given action in this controller.</a:t>
+            </a:r>
+          </a:p>
+          <a:p>
+            <a:pPr lvl="0" rtl="0">
+              <a:spcBef>
+                <a:spcPts val="0"/>
+              </a:spcBef>
+              <a:buNone/>
+            </a:pPr>
+            <a:r>
+              <a:rPr lang="en" sz="1200"/>
+              <a:t>render( :file =&gt; path) renders the template in the given path (which must include a file extension). By default this should be the absolute path to the template.</a:t>
+            </a:r>
+          </a:p>
+          <a:p>
+            <a:pPr lvl="0" rtl="0">
+              <a:spcBef>
+                <a:spcPts val="0"/>
+              </a:spcBef>
+              <a:buNone/>
+            </a:pPr>
+            <a:r>
+              <a:rPr lang="en" sz="1200"/>
+              <a:t>render( :template =&gt; name) the template value must contain both the controller as well as the action name. e.g.</a:t>
+            </a:r>
+          </a:p>
+          <a:p>
+            <a:pPr lvl="0" rtl="0">
+              <a:spcBef>
+                <a:spcPts val="0"/>
+              </a:spcBef>
+              <a:buNone/>
+            </a:pPr>
+            <a:r>
+              <a:rPr lang="en" sz="1200"/>
+              <a:t>render( :template =&gt; “store/show”) this will render the template app/views/store/show.rhtml</a:t>
+            </a:r>
+          </a:p>
+          <a:p>
+            <a:pPr lvl="0" rtl="0">
+              <a:spcBef>
+                <a:spcPts val="0"/>
+              </a:spcBef>
+              <a:buNone/>
+            </a:pPr>
+            <a:r>
+              <a:rPr lang="en" sz="1200"/>
+              <a:t>render( :partial =&gt; name) renders a partial template</a:t>
+            </a:r>
+          </a:p>
+          <a:p>
+            <a:pPr lvl="0" rtl="0">
+              <a:spcBef>
+                <a:spcPts val="0"/>
+              </a:spcBef>
+              <a:buNone/>
+            </a:pPr>
+            <a:r>
+              <a:rPr lang="en" sz="1200"/>
+              <a:t>￼render( :nothing =&gt; true) renders nothing – sends an empty body to the browser</a:t>
+            </a:r>
+          </a:p>
+          <a:p>
+            <a:pPr lvl="0" rtl="0">
+              <a:spcBef>
+                <a:spcPts val="0"/>
+              </a:spcBef>
+              <a:buNone/>
+            </a:pPr>
+            <a:r>
+              <a:t/>
+            </a:r>
+            <a:endParaRPr sz="1200"/>
+          </a:p>
+          <a:p>
+            <a:pPr lvl="0">
+              <a:spcBef>
+                <a:spcPts val="0"/>
+              </a:spcBef>
+              <a:buNone/>
+            </a:pPr>
+            <a:r>
+              <a:t/>
+            </a:r>
+            <a:endParaRPr sz="1200"/>
+          </a:p>
+        </p:txBody>
+      </p:sp>
+      <p:sp>
+        <p:nvSpPr>
+          <p:cNvPr id="67" name="Shape 67"/>
+          <p:cNvSpPr txBox="1"/>
+          <p:nvPr>
             <p:ph type="title"/>
           </p:nvPr>
         </p:nvSpPr>
@@ -9885,152 +8466,9 @@
               <a:buNone/>
             </a:pPr>
             <a:r>
-              <a:t/>
-            </a:r>
-            <a:endParaRPr/>
-          </a:p>
-        </p:txBody>
-      </p:sp>
-      <p:sp>
-        <p:nvSpPr>
-          <p:cNvPr id="67" name="Shape 67"/>
-          <p:cNvSpPr txBox="1"/>
-          <p:nvPr>
-            <p:ph idx="1" type="body"/>
-          </p:nvPr>
-        </p:nvSpPr>
-        <p:spPr>
-          <a:xfrm>
-            <a:off x="457200" y="205975"/>
-            <a:ext cx="8229600" cy="4719900"/>
-          </a:xfrm>
-          <a:prstGeom prst="rect">
-            <a:avLst/>
-          </a:prstGeom>
-        </p:spPr>
-        <p:txBody>
-          <a:bodyPr anchorCtr="0" anchor="t" bIns="91425" lIns="91425" rIns="91425" tIns="91425">
-            <a:noAutofit/>
-          </a:bodyPr>
-          <a:lstStyle/>
-          <a:p>
-            <a:pPr lvl="0" rtl="0">
-              <a:spcBef>
-                <a:spcPts val="0"/>
-              </a:spcBef>
-              <a:buClr>
-                <a:schemeClr val="dk1"/>
-              </a:buClr>
-              <a:buSzPct val="91666"/>
-              <a:buFont typeface="Arial"/>
-              <a:buNone/>
-            </a:pPr>
-            <a:r>
-              <a:rPr lang="en" sz="1200"/>
-              <a:t>URL : store/category/show/100</a:t>
-            </a:r>
-          </a:p>
-          <a:p>
-            <a:pPr lvl="0" rtl="0">
-              <a:spcBef>
-                <a:spcPts val="0"/>
-              </a:spcBef>
-              <a:buClr>
-                <a:schemeClr val="dk1"/>
-              </a:buClr>
-              <a:buSzPct val="91666"/>
-              <a:buFont typeface="Arial"/>
-              <a:buNone/>
-            </a:pPr>
-            <a:r>
-              <a:rPr lang="en" sz="1200"/>
-              <a:t>@params = {:controller =&gt; “category”, :action =&gt; ”show”, :id =&gt; 123}</a:t>
-            </a:r>
-          </a:p>
-          <a:p>
-            <a:pPr lvl="0" rtl="0">
-              <a:spcBef>
-                <a:spcPts val="0"/>
-              </a:spcBef>
-              <a:buClr>
-                <a:schemeClr val="dk1"/>
-              </a:buClr>
-              <a:buSzPct val="91666"/>
-              <a:buFont typeface="Arial"/>
-              <a:buNone/>
-            </a:pPr>
-            <a:br>
-              <a:rPr lang="en" sz="1200"/>
-            </a:br>
-            <a:r>
-              <a:rPr lang="en" sz="1200"/>
-              <a:t>URL : store/catalog</a:t>
-            </a:r>
-          </a:p>
-          <a:p>
-            <a:pPr lvl="0" rtl="0">
-              <a:spcBef>
-                <a:spcPts val="0"/>
-              </a:spcBef>
-              <a:buClr>
-                <a:schemeClr val="dk1"/>
-              </a:buClr>
-              <a:buSzPct val="91666"/>
-              <a:buFont typeface="Arial"/>
-              <a:buNone/>
-            </a:pPr>
-            <a:r>
-              <a:rPr lang="en" sz="1200"/>
-              <a:t>@params = {:controller =&gt; “catalog”, :action =&gt; ”index”}</a:t>
-            </a:r>
-          </a:p>
-          <a:p>
-            <a:pPr lvl="0" rtl="0">
-              <a:spcBef>
-                <a:spcPts val="0"/>
-              </a:spcBef>
-              <a:buClr>
-                <a:schemeClr val="dk1"/>
-              </a:buClr>
-              <a:buSzPct val="91666"/>
-              <a:buFont typeface="Arial"/>
-              <a:buNone/>
-            </a:pPr>
-            <a:br>
-              <a:rPr lang="en" sz="1200"/>
-            </a:br>
-            <a:r>
-              <a:rPr lang="en" sz="1200"/>
-              <a:t>URL : junk</a:t>
-            </a:r>
-          </a:p>
-          <a:p>
-            <a:pPr lvl="0" rtl="0">
-              <a:spcBef>
-                <a:spcPts val="0"/>
-              </a:spcBef>
-              <a:buClr>
-                <a:schemeClr val="dk1"/>
-              </a:buClr>
-              <a:buSzPct val="91666"/>
-              <a:buFont typeface="Arial"/>
-              <a:buNone/>
-            </a:pPr>
-            <a:r>
-              <a:rPr lang="en" sz="1200"/>
-              <a:t>@params = {:anything = &gt; [“junk”], :controller =&gt; “store”, :action =&gt; ”unknow_request”}</a:t>
-            </a:r>
-          </a:p>
-          <a:p>
-            <a:pPr>
-              <a:spcBef>
-                <a:spcPts val="0"/>
-              </a:spcBef>
-              <a:buNone/>
-            </a:pPr>
-            <a:br>
-              <a:rPr lang="en" sz="1200"/>
-            </a:br>
+              <a:rPr lang="en"/>
+              <a:t>Rendering Templates</a:t>
+            </a:r>
           </a:p>
         </p:txBody>
       </p:sp>
@@ -10067,218 +8505,6 @@
           <p:cNvPr id="72" name="Shape 72"/>
           <p:cNvSpPr txBox="1"/>
           <p:nvPr>
-            <p:ph idx="1" type="body"/>
-          </p:nvPr>
-        </p:nvSpPr>
-        <p:spPr>
-          <a:xfrm>
-            <a:off x="457200" y="1200150"/>
-            <a:ext cx="8229600" cy="3725699"/>
-          </a:xfrm>
-          <a:prstGeom prst="rect">
-            <a:avLst/>
-          </a:prstGeom>
-        </p:spPr>
-        <p:txBody>
-          <a:bodyPr anchorCtr="0" anchor="t" bIns="91425" lIns="91425" rIns="91425" tIns="91425">
-            <a:noAutofit/>
-          </a:bodyPr>
-          <a:lstStyle/>
-          <a:p>
-            <a:pPr lvl="0" rtl="0">
-              <a:spcBef>
-                <a:spcPts val="0"/>
-              </a:spcBef>
-              <a:buClr>
-                <a:schemeClr val="dk1"/>
-              </a:buClr>
-              <a:buSzPct val="91666"/>
-              <a:buFont typeface="Arial"/>
-              <a:buNone/>
-            </a:pPr>
-            <a:r>
-              <a:rPr lang="en" sz="1200"/>
-              <a:t>A template is a file that defines the content of a response for our application. By convention the template for the action action of control control will be in the file app/views/control/action.rhtml.</a:t>
-            </a:r>
-          </a:p>
-          <a:p>
-            <a:pPr lvl="0" rtl="0">
-              <a:spcBef>
-                <a:spcPts val="0"/>
-              </a:spcBef>
-              <a:buClr>
-                <a:schemeClr val="dk1"/>
-              </a:buClr>
-              <a:buSzPct val="91666"/>
-              <a:buFont typeface="Arial"/>
-              <a:buNone/>
-            </a:pPr>
-            <a:r>
-              <a:rPr lang="en" sz="1200"/>
-              <a:t>The render() method is the heart of all rendering in rails. It takes a hash of options that tell it what to render and how to render it.</a:t>
-            </a:r>
-          </a:p>
-          <a:p>
-            <a:pPr lvl="0" rtl="0">
-              <a:spcBef>
-                <a:spcPts val="0"/>
-              </a:spcBef>
-              <a:buNone/>
-            </a:pPr>
-            <a:r>
-              <a:rPr lang="en" sz="1200"/>
-              <a:t>render( :text =&gt; string) renders the text on the browser. </a:t>
-            </a:r>
-          </a:p>
-          <a:p>
-            <a:pPr lvl="0" rtl="0">
-              <a:spcBef>
-                <a:spcPts val="0"/>
-              </a:spcBef>
-              <a:buClr>
-                <a:schemeClr val="dk1"/>
-              </a:buClr>
-              <a:buSzPct val="91666"/>
-              <a:buFont typeface="Arial"/>
-              <a:buNone/>
-            </a:pPr>
-            <a:r>
-              <a:rPr lang="en" sz="1200"/>
-              <a:t>def index</a:t>
-            </a:r>
-          </a:p>
-          <a:p>
-            <a:pPr indent="0" lvl="0" marL="0" rtl="0">
-              <a:spcBef>
-                <a:spcPts val="0"/>
-              </a:spcBef>
-              <a:buNone/>
-            </a:pPr>
-            <a:r>
-              <a:rPr lang="en" sz="1200"/>
-              <a:t>  render( :text =&gt; ‘Hello World’)</a:t>
-            </a:r>
-          </a:p>
-          <a:p>
-            <a:pPr indent="0" lvl="0" marL="0" rtl="0">
-              <a:spcBef>
-                <a:spcPts val="0"/>
-              </a:spcBef>
-              <a:buClr>
-                <a:schemeClr val="dk1"/>
-              </a:buClr>
-              <a:buSzPct val="91666"/>
-              <a:buFont typeface="Arial"/>
-              <a:buNone/>
-            </a:pPr>
-            <a:r>
-              <a:rPr lang="en" sz="1200"/>
-              <a:t>end</a:t>
-            </a:r>
-          </a:p>
-          <a:p>
-            <a:pPr lvl="0" rtl="0">
-              <a:spcBef>
-                <a:spcPts val="0"/>
-              </a:spcBef>
-              <a:buNone/>
-            </a:pPr>
-            <a:r>
-              <a:rPr lang="en" sz="1200"/>
-              <a:t>￼render( :action =&gt; action_name) renders the template for a given action in this controller.</a:t>
-            </a:r>
-          </a:p>
-          <a:p>
-            <a:pPr lvl="0" rtl="0">
-              <a:spcBef>
-                <a:spcPts val="0"/>
-              </a:spcBef>
-              <a:buNone/>
-            </a:pPr>
-            <a:r>
-              <a:rPr lang="en" sz="1200"/>
-              <a:t>render( :file =&gt; path) renders the template in the given path (which must include a file extension). By default this should be the absolute path to the template.</a:t>
-            </a:r>
-          </a:p>
-          <a:p>
-            <a:pPr lvl="0" rtl="0">
-              <a:spcBef>
-                <a:spcPts val="0"/>
-              </a:spcBef>
-              <a:buNone/>
-            </a:pPr>
-            <a:r>
-              <a:rPr lang="en" sz="1200"/>
-              <a:t>render( :template =&gt; name) the template value must contain both the controller as well as the action name. e.g.</a:t>
-            </a:r>
-          </a:p>
-          <a:p>
-            <a:pPr lvl="0" rtl="0">
-              <a:spcBef>
-                <a:spcPts val="0"/>
-              </a:spcBef>
-              <a:buNone/>
-            </a:pPr>
-            <a:r>
-              <a:rPr lang="en" sz="1200"/>
-              <a:t>render( :template =&gt; “store/show”) this will render the template app/views/store/show.rhtml</a:t>
-            </a:r>
-          </a:p>
-          <a:p>
-            <a:pPr lvl="0" rtl="0">
-              <a:spcBef>
-                <a:spcPts val="0"/>
-              </a:spcBef>
-              <a:buNone/>
-            </a:pPr>
-            <a:r>
-              <a:rPr lang="en" sz="1200"/>
-              <a:t>render( :partial =&gt; name) renders a partial template</a:t>
-            </a:r>
-          </a:p>
-          <a:p>
-            <a:pPr lvl="0" rtl="0">
-              <a:spcBef>
-                <a:spcPts val="0"/>
-              </a:spcBef>
-              <a:buNone/>
-            </a:pPr>
-            <a:r>
-              <a:rPr lang="en" sz="1200"/>
-              <a:t>￼render( :nothing =&gt; true) renders nothing – sends an empty body to the browser</a:t>
-            </a:r>
-          </a:p>
-          <a:p>
-            <a:pPr lvl="0" rtl="0">
-              <a:spcBef>
-                <a:spcPts val="0"/>
-              </a:spcBef>
-              <a:buNone/>
-            </a:pPr>
-            <a:r>
-              <a:t/>
-            </a:r>
-            <a:endParaRPr sz="1200"/>
-          </a:p>
-          <a:p>
-            <a:pPr lvl="0">
-              <a:spcBef>
-                <a:spcPts val="0"/>
-              </a:spcBef>
-              <a:buNone/>
-            </a:pPr>
-            <a:r>
-              <a:t/>
-            </a:r>
-            <a:endParaRPr sz="1200"/>
-          </a:p>
-        </p:txBody>
-      </p:sp>
-      <p:sp>
-        <p:nvSpPr>
-          <p:cNvPr id="73" name="Shape 73"/>
-          <p:cNvSpPr txBox="1"/>
-          <p:nvPr>
             <p:ph type="title"/>
           </p:nvPr>
         </p:nvSpPr>
@@ -10304,9 +8530,287 @@
               <a:buNone/>
             </a:pPr>
             <a:r>
-              <a:rPr lang="en"/>
-              <a:t>Rendering Templates</a:t>
-            </a:r>
+              <a:t/>
+            </a:r>
+            <a:endParaRPr/>
+          </a:p>
+        </p:txBody>
+      </p:sp>
+      <p:sp>
+        <p:nvSpPr>
+          <p:cNvPr id="73" name="Shape 73"/>
+          <p:cNvSpPr txBox="1"/>
+          <p:nvPr>
+            <p:ph idx="1" type="body"/>
+          </p:nvPr>
+        </p:nvSpPr>
+        <p:spPr>
+          <a:xfrm>
+            <a:off x="457200" y="205975"/>
+            <a:ext cx="8229600" cy="4719900"/>
+          </a:xfrm>
+          <a:prstGeom prst="rect">
+            <a:avLst/>
+          </a:prstGeom>
+        </p:spPr>
+        <p:txBody>
+          <a:bodyPr anchorCtr="0" anchor="t" bIns="91425" lIns="91425" rIns="91425" tIns="91425">
+            <a:noAutofit/>
+          </a:bodyPr>
+          <a:lstStyle/>
+          <a:p>
+            <a:pPr lvl="0" rtl="0">
+              <a:spcBef>
+                <a:spcPts val="0"/>
+              </a:spcBef>
+              <a:buClr>
+                <a:schemeClr val="dk1"/>
+              </a:buClr>
+              <a:buSzPct val="91666"/>
+              <a:buFont typeface="Arial"/>
+              <a:buNone/>
+            </a:pPr>
+            <a:r>
+              <a:rPr lang="en" sz="1200"/>
+              <a:t>render()</a:t>
+            </a:r>
+          </a:p>
+          <a:p>
+            <a:pPr lvl="0" rtl="0">
+              <a:spcBef>
+                <a:spcPts val="0"/>
+              </a:spcBef>
+              <a:buClr>
+                <a:schemeClr val="dk1"/>
+              </a:buClr>
+              <a:buSzPct val="91666"/>
+              <a:buFont typeface="Arial"/>
+              <a:buNone/>
+            </a:pPr>
+            <a:r>
+              <a:rPr lang="en" sz="1200"/>
+              <a:t>With no overriding parameter, the render() method renders the default template for the current controller and action. The following code will render the template app/views/store/index.</a:t>
+            </a:r>
+          </a:p>
+          <a:p>
+            <a:pPr lvl="0" rtl="0">
+              <a:spcBef>
+                <a:spcPts val="0"/>
+              </a:spcBef>
+              <a:buNone/>
+            </a:pPr>
+            <a:r>
+              <a:rPr lang="en" sz="1200"/>
+              <a:t>class StoreController &lt; ActionController</a:t>
+            </a:r>
+          </a:p>
+          <a:p>
+            <a:pPr lvl="0" rtl="0">
+              <a:spcBef>
+                <a:spcPts val="0"/>
+              </a:spcBef>
+              <a:buClr>
+                <a:schemeClr val="dk1"/>
+              </a:buClr>
+              <a:buSzPct val="91666"/>
+              <a:buFont typeface="Arial"/>
+              <a:buNone/>
+            </a:pPr>
+            <a:r>
+              <a:rPr lang="en" sz="1200"/>
+              <a:t>  def index</a:t>
+            </a:r>
+          </a:p>
+          <a:p>
+            <a:pPr lvl="0" rtl="0">
+              <a:spcBef>
+                <a:spcPts val="0"/>
+              </a:spcBef>
+              <a:buClr>
+                <a:schemeClr val="dk1"/>
+              </a:buClr>
+              <a:buSzPct val="91666"/>
+              <a:buFont typeface="Arial"/>
+              <a:buNone/>
+            </a:pPr>
+            <a:r>
+              <a:rPr lang="en" sz="1200"/>
+              <a:t>    render</a:t>
+            </a:r>
+          </a:p>
+          <a:p>
+            <a:pPr lvl="0" rtl="0">
+              <a:spcBef>
+                <a:spcPts val="0"/>
+              </a:spcBef>
+              <a:buNone/>
+            </a:pPr>
+            <a:r>
+              <a:rPr lang="en" sz="1200"/>
+              <a:t>  end </a:t>
+            </a:r>
+          </a:p>
+          <a:p>
+            <a:pPr lvl="0" rtl="0">
+              <a:spcBef>
+                <a:spcPts val="0"/>
+              </a:spcBef>
+              <a:buNone/>
+            </a:pPr>
+            <a:r>
+              <a:rPr lang="en" sz="1200"/>
+              <a:t>end</a:t>
+            </a:r>
+          </a:p>
+          <a:p>
+            <a:pPr lvl="0" rtl="0">
+              <a:spcBef>
+                <a:spcPts val="0"/>
+              </a:spcBef>
+              <a:buClr>
+                <a:schemeClr val="dk1"/>
+              </a:buClr>
+              <a:buSzPct val="91666"/>
+              <a:buFont typeface="Arial"/>
+              <a:buNone/>
+            </a:pPr>
+            <a:r>
+              <a:rPr lang="en" sz="1200"/>
+              <a:t>So will the following. Default action of the controller is to call the render() if the action doesn’t.</a:t>
+            </a:r>
+          </a:p>
+          <a:p>
+            <a:pPr lvl="0" rtl="0">
+              <a:spcBef>
+                <a:spcPts val="0"/>
+              </a:spcBef>
+              <a:buNone/>
+            </a:pPr>
+            <a:r>
+              <a:rPr lang="en" sz="1200"/>
+              <a:t>class StoreController &lt; ActionController </a:t>
+            </a:r>
+          </a:p>
+          <a:p>
+            <a:pPr lvl="0" rtl="0">
+              <a:spcBef>
+                <a:spcPts val="0"/>
+              </a:spcBef>
+              <a:buClr>
+                <a:schemeClr val="dk1"/>
+              </a:buClr>
+              <a:buSzPct val="91666"/>
+              <a:buFont typeface="Arial"/>
+              <a:buNone/>
+            </a:pPr>
+            <a:r>
+              <a:rPr lang="en" sz="1200"/>
+              <a:t>  def index</a:t>
+            </a:r>
+          </a:p>
+          <a:p>
+            <a:pPr lvl="0" rtl="0">
+              <a:spcBef>
+                <a:spcPts val="0"/>
+              </a:spcBef>
+              <a:buClr>
+                <a:schemeClr val="dk1"/>
+              </a:buClr>
+              <a:buSzPct val="91666"/>
+              <a:buFont typeface="Arial"/>
+              <a:buNone/>
+            </a:pPr>
+            <a:r>
+              <a:rPr lang="en" sz="1200"/>
+              <a:t>￼  end</a:t>
+            </a:r>
+          </a:p>
+          <a:p>
+            <a:pPr rtl="0">
+              <a:spcBef>
+                <a:spcPts val="0"/>
+              </a:spcBef>
+              <a:buNone/>
+            </a:pPr>
+            <a:r>
+              <a:rPr lang="en" sz="1200"/>
+              <a:t>end</a:t>
+            </a:r>
+          </a:p>
+          <a:p>
+            <a:pPr lvl="0" rtl="0">
+              <a:spcBef>
+                <a:spcPts val="0"/>
+              </a:spcBef>
+              <a:buNone/>
+            </a:pPr>
+            <a:r>
+              <a:rPr lang="en" sz="1200"/>
+              <a:t>And so will this (as the controller will call the template if no action is defined) </a:t>
+            </a:r>
+          </a:p>
+          <a:p>
+            <a:pPr lvl="0" rtl="0">
+              <a:spcBef>
+                <a:spcPts val="0"/>
+              </a:spcBef>
+              <a:buClr>
+                <a:schemeClr val="dk1"/>
+              </a:buClr>
+              <a:buSzPct val="91666"/>
+              <a:buFont typeface="Arial"/>
+              <a:buNone/>
+            </a:pPr>
+            <a:r>
+              <a:rPr lang="en" sz="1200"/>
+              <a:t>class StoreController &lt; ActionController</a:t>
+            </a:r>
+          </a:p>
+          <a:p>
+            <a:pPr lvl="0" rtl="0">
+              <a:spcBef>
+                <a:spcPts val="0"/>
+              </a:spcBef>
+              <a:buClr>
+                <a:schemeClr val="dk1"/>
+              </a:buClr>
+              <a:buSzPct val="91666"/>
+              <a:buFont typeface="Arial"/>
+              <a:buNone/>
+            </a:pPr>
+            <a:r>
+              <a:rPr lang="en" sz="1200"/>
+              <a:t>end</a:t>
+            </a:r>
+          </a:p>
+          <a:p>
+            <a:pPr lvl="0" rtl="0">
+              <a:spcBef>
+                <a:spcPts val="0"/>
+              </a:spcBef>
+              <a:buClr>
+                <a:schemeClr val="dk1"/>
+              </a:buClr>
+              <a:buSzPct val="91666"/>
+              <a:buFont typeface="Arial"/>
+              <a:buNone/>
+            </a:pPr>
+            <a:r>
+              <a:rPr lang="en" sz="1200"/>
+              <a:t>The :layout parameter determines whether the result of the rendering will be wrapped by a layout. If the parameter is false no layout will be applied. If set to true it will be applied only if there is one associated with the current action.</a:t>
+            </a:r>
+          </a:p>
+          <a:p>
+            <a:pPr>
+              <a:spcBef>
+                <a:spcPts val="0"/>
+              </a:spcBef>
+              <a:buNone/>
+            </a:pPr>
+            <a:r>
+              <a:t/>
+            </a:r>
+            <a:endParaRPr sz="1200"/>
           </a:p>
         </p:txBody>
       </p:sp>
@@ -10368,9 +8872,9 @@
               <a:buNone/>
             </a:pPr>
             <a:r>
-              <a:t/>
-            </a:r>
-            <a:endParaRPr/>
+              <a:rPr lang="en"/>
+              <a:t>Redirects</a:t>
+            </a:r>
           </a:p>
         </p:txBody>
       </p:sp>
@@ -10384,8 +8888,8 @@
         </p:nvSpPr>
         <p:spPr>
           <a:xfrm>
-            <a:off x="457200" y="205975"/>
-            <a:ext cx="8229600" cy="4719900"/>
+            <a:off x="457200" y="1200150"/>
+            <a:ext cx="8229600" cy="3725699"/>
           </a:xfrm>
           <a:prstGeom prst="rect">
             <a:avLst/>
@@ -10401,6 +8905,69 @@
               <a:spcBef>
                 <a:spcPts val="0"/>
               </a:spcBef>
+              <a:buNone/>
+            </a:pPr>
+            <a:r>
+              <a:rPr lang="en" sz="1200"/>
+              <a:t>An HTTP redirect is sent from the server to the client in response to the request. Rails uses three kinds of redirect mechanisms:</a:t>
+            </a:r>
+          </a:p>
+          <a:p>
+            <a:pPr indent="-304800" lvl="0" marL="457200" rtl="0">
+              <a:spcBef>
+                <a:spcPts val="0"/>
+              </a:spcBef>
+              <a:buClr>
+                <a:schemeClr val="dk1"/>
+              </a:buClr>
+              <a:buSzPct val="100000"/>
+              <a:buFont typeface="Arial"/>
+              <a:buChar char="●"/>
+            </a:pPr>
+            <a:r>
+              <a:rPr lang="en" sz="1200"/>
+              <a:t>Redirect to an action in a given controller</a:t>
+            </a:r>
+          </a:p>
+          <a:p>
+            <a:pPr indent="-304800" lvl="0" marL="457200" rtl="0">
+              <a:spcBef>
+                <a:spcPts val="0"/>
+              </a:spcBef>
+              <a:buClr>
+                <a:schemeClr val="dk1"/>
+              </a:buClr>
+              <a:buSzPct val="100000"/>
+              <a:buFont typeface="Arial"/>
+              <a:buChar char="●"/>
+            </a:pPr>
+            <a:r>
+              <a:rPr lang="en" sz="1200"/>
+              <a:t>To a URL on the current server</a:t>
+            </a:r>
+          </a:p>
+          <a:p>
+            <a:pPr indent="-304800" lvl="0" marL="457200" rtl="0">
+              <a:spcBef>
+                <a:spcPts val="0"/>
+              </a:spcBef>
+              <a:buClr>
+                <a:schemeClr val="dk1"/>
+              </a:buClr>
+              <a:buSzPct val="100000"/>
+              <a:buFont typeface="Arial"/>
+              <a:buChar char="●"/>
+            </a:pPr>
+            <a:r>
+              <a:rPr lang="en" sz="1200"/>
+              <a:t>To any arbitrary URL</a:t>
+            </a:r>
+          </a:p>
+          <a:p>
+            <a:pPr lvl="0" rtl="0">
+              <a:spcBef>
+                <a:spcPts val="0"/>
+              </a:spcBef>
               <a:buClr>
                 <a:schemeClr val="dk1"/>
               </a:buClr>
@@ -10410,8 +8977,120 @@
             </a:pPr>
             <a:r>
               <a:rPr lang="en" sz="1200"/>
-              <a:t>render()</a:t>
-            </a:r>
+              <a:t>redirect_to(options)</a:t>
+            </a:r>
+          </a:p>
+          <a:p>
+            <a:pPr lvl="0" rtl="0">
+              <a:spcBef>
+                <a:spcPts val="0"/>
+              </a:spcBef>
+              <a:buNone/>
+            </a:pPr>
+            <a:r>
+              <a:rPr lang="en" sz="1200"/>
+              <a:t>Sends a temporary redirection to the browser based on the values in the options hash.</a:t>
+            </a:r>
+          </a:p>
+          <a:p>
+            <a:pPr lvl="0" rtl="0">
+              <a:spcBef>
+                <a:spcPts val="0"/>
+              </a:spcBef>
+              <a:buNone/>
+            </a:pPr>
+            <a:r>
+              <a:rPr lang="en" sz="1200"/>
+              <a:t>e.g. redirect_to ( :controller =&gt; store, :action =&gt;show)</a:t>
+            </a:r>
+          </a:p>
+          <a:p>
+            <a:pPr lvl="0" rtl="0">
+              <a:spcBef>
+                <a:spcPts val="0"/>
+              </a:spcBef>
+              <a:buNone/>
+            </a:pPr>
+            <a:r>
+              <a:rPr lang="en" sz="1200"/>
+              <a:t>This will redirect to the action show within the controller store and after processing renders the template corresponding to the action show().</a:t>
+            </a:r>
+          </a:p>
+          <a:p>
+            <a:pPr lvl="0" rtl="0">
+              <a:spcBef>
+                <a:spcPts val="0"/>
+              </a:spcBef>
+              <a:buNone/>
+            </a:pPr>
+            <a:r>
+              <a:rPr lang="en" sz="1200"/>
+              <a:t>redirect_to(path) </a:t>
+            </a:r>
+          </a:p>
+          <a:p>
+            <a:pPr lvl="0" rtl="0">
+              <a:spcBef>
+                <a:spcPts val="0"/>
+              </a:spcBef>
+              <a:buNone/>
+            </a:pPr>
+            <a:r>
+              <a:rPr lang="en" sz="1200"/>
+              <a:t>redirects to the given path. The path, which should start with a leading /, is relative to the protocol, host and the port of the current request.</a:t>
+            </a:r>
+          </a:p>
+          <a:p>
+            <a:pPr lvl="0" rtl="0">
+              <a:spcBef>
+                <a:spcPts val="0"/>
+              </a:spcBef>
+              <a:buNone/>
+            </a:pPr>
+            <a:r>
+              <a:rPr lang="en" sz="1200"/>
+              <a:t>e.g. redirect_to(“/order/order_entry.html”)</a:t>
+            </a:r>
+          </a:p>
+          <a:p>
+            <a:pPr lvl="0" rtl="0">
+              <a:spcBef>
+                <a:spcPts val="0"/>
+              </a:spcBef>
+              <a:buNone/>
+            </a:pPr>
+            <a:r>
+              <a:rPr lang="en" sz="1200"/>
+              <a:t>redirect_to(url)</a:t>
+            </a:r>
+          </a:p>
+          <a:p>
+            <a:pPr lvl="0" rtl="0">
+              <a:spcBef>
+                <a:spcPts val="0"/>
+              </a:spcBef>
+              <a:buNone/>
+            </a:pPr>
+            <a:r>
+              <a:rPr lang="en" sz="1200"/>
+              <a:t>redirects to a given full URL, which must start with a protocol name( such as http:// )</a:t>
+            </a:r>
+          </a:p>
+          <a:p>
+            <a:pPr lvl="0" rtl="0">
+              <a:spcBef>
+                <a:spcPts val="0"/>
+              </a:spcBef>
+              <a:buClr>
+                <a:schemeClr val="dk1"/>
+              </a:buClr>
+              <a:buFont typeface="Arial"/>
+              <a:buNone/>
+            </a:pPr>
+            <a:r>
+              <a:t/>
+            </a:r>
+            <a:endParaRPr sz="1200"/>
           </a:p>
           <a:p>
             <a:pPr lvl="0" rtl="0">
@@ -10427,216 +9106,20 @@
             </a:pPr>
             <a:r>
               <a:rPr lang="en" sz="1200"/>
-              <a:t>With no overriding parameter, the render() method renders the default template for the current controller and action. The following code will render the template app/views/store/index.</a:t>
-            </a:r>
-          </a:p>
-          <a:p>
-            <a:pPr lvl="0" rtl="0">
-              <a:spcBef>
-                <a:spcPts val="0"/>
-              </a:spcBef>
-              <a:buNone/>
-            </a:pPr>
-            <a:r>
-              <a:rPr lang="en" sz="1200"/>
-              <a:t>class StoreController &lt; ActionController</a:t>
-            </a:r>
-          </a:p>
-          <a:p>
-            <a:pPr lvl="0" rtl="0">
-              <a:spcBef>
-                <a:spcPts val="0"/>
-              </a:spcBef>
-              <a:buClr>
-                <a:schemeClr val="dk1"/>
-              </a:buClr>
-              <a:buSzPct val="91666"/>
-              <a:buFont typeface="Arial"/>
-              <a:buNone/>
-            </a:pPr>
-            <a:r>
-              <a:rPr lang="en" sz="1200"/>
-              <a:t>  def index</a:t>
-            </a:r>
-          </a:p>
-          <a:p>
-            <a:pPr lvl="0" rtl="0">
-              <a:spcBef>
-                <a:spcPts val="0"/>
-              </a:spcBef>
-              <a:buClr>
-                <a:schemeClr val="dk1"/>
-              </a:buClr>
-              <a:buSzPct val="91666"/>
-              <a:buFont typeface="Arial"/>
-              <a:buNone/>
-            </a:pPr>
-            <a:r>
-              <a:rPr lang="en" sz="1200"/>
-              <a:t>    render</a:t>
-            </a:r>
-          </a:p>
-          <a:p>
-            <a:pPr lvl="0" rtl="0">
-              <a:spcBef>
-                <a:spcPts val="0"/>
-              </a:spcBef>
-              <a:buNone/>
-            </a:pPr>
-            <a:r>
-              <a:rPr lang="en" sz="1200"/>
-              <a:t>  end </a:t>
-            </a:r>
-          </a:p>
-          <a:p>
-            <a:pPr lvl="0" rtl="0">
-              <a:spcBef>
-                <a:spcPts val="0"/>
-              </a:spcBef>
-              <a:buNone/>
-            </a:pPr>
-            <a:r>
-              <a:rPr lang="en" sz="1200"/>
-              <a:t>end</a:t>
-            </a:r>
-          </a:p>
-          <a:p>
-            <a:pPr lvl="0" rtl="0">
-              <a:spcBef>
-                <a:spcPts val="0"/>
-              </a:spcBef>
-              <a:buClr>
-                <a:schemeClr val="dk1"/>
-              </a:buClr>
-              <a:buSzPct val="91666"/>
-              <a:buFont typeface="Arial"/>
-              <a:buNone/>
-            </a:pPr>
-            <a:r>
-              <a:rPr lang="en" sz="1200"/>
-              <a:t>So will the following. Default action of the controller is to call the render() if the action doesn’t.</a:t>
-            </a:r>
-          </a:p>
-          <a:p>
-            <a:pPr lvl="0" rtl="0">
-              <a:spcBef>
-                <a:spcPts val="0"/>
-              </a:spcBef>
-              <a:buNone/>
-            </a:pPr>
-            <a:r>
-              <a:rPr lang="en" sz="1200"/>
-              <a:t>class StoreController &lt; ActionController </a:t>
-            </a:r>
-          </a:p>
-          <a:p>
-            <a:pPr lvl="0" rtl="0">
-              <a:spcBef>
-                <a:spcPts val="0"/>
-              </a:spcBef>
-              <a:buClr>
-                <a:schemeClr val="dk1"/>
-              </a:buClr>
-              <a:buSzPct val="91666"/>
-              <a:buFont typeface="Arial"/>
-              <a:buNone/>
-            </a:pPr>
-            <a:r>
-              <a:rPr lang="en" sz="1200"/>
-              <a:t>  def index</a:t>
-            </a:r>
-          </a:p>
-          <a:p>
-            <a:pPr lvl="0" rtl="0">
-              <a:spcBef>
-                <a:spcPts val="0"/>
-              </a:spcBef>
-              <a:buClr>
-                <a:schemeClr val="dk1"/>
-              </a:buClr>
-              <a:buSzPct val="91666"/>
-              <a:buFont typeface="Arial"/>
-              <a:buNone/>
-            </a:pPr>
-            <a:r>
-              <a:rPr lang="en" sz="1200"/>
-              <a:t>￼  end</a:t>
-            </a:r>
-          </a:p>
-          <a:p>
-            <a:pPr rtl="0">
-              <a:spcBef>
-                <a:spcPts val="0"/>
-              </a:spcBef>
-              <a:buNone/>
-            </a:pPr>
-            <a:r>
-              <a:rPr lang="en" sz="1200"/>
-              <a:t>end</a:t>
-            </a:r>
-          </a:p>
-          <a:p>
-            <a:pPr lvl="0" rtl="0">
-              <a:spcBef>
-                <a:spcPts val="0"/>
-              </a:spcBef>
-              <a:buNone/>
-            </a:pPr>
-            <a:r>
-              <a:rPr lang="en" sz="1200"/>
-              <a:t>And so will this (as the controller will call the template if no action is defined) </a:t>
-            </a:r>
-          </a:p>
-          <a:p>
-            <a:pPr lvl="0" rtl="0">
-              <a:spcBef>
-                <a:spcPts val="0"/>
-              </a:spcBef>
-              <a:buClr>
-                <a:schemeClr val="dk1"/>
-              </a:buClr>
-              <a:buSzPct val="91666"/>
-              <a:buFont typeface="Arial"/>
-              <a:buNone/>
-            </a:pPr>
-            <a:r>
-              <a:rPr lang="en" sz="1200"/>
-              <a:t>class StoreController &lt; ActionController</a:t>
-            </a:r>
-          </a:p>
-          <a:p>
-            <a:pPr lvl="0" rtl="0">
-              <a:spcBef>
-                <a:spcPts val="0"/>
-              </a:spcBef>
-              <a:buClr>
-                <a:schemeClr val="dk1"/>
-              </a:buClr>
-              <a:buSzPct val="91666"/>
-              <a:buFont typeface="Arial"/>
-              <a:buNone/>
-            </a:pPr>
-            <a:r>
-              <a:rPr lang="en" sz="1200"/>
-              <a:t>end</a:t>
-            </a:r>
-          </a:p>
-          <a:p>
-            <a:pPr lvl="0" rtl="0">
-              <a:spcBef>
-                <a:spcPts val="0"/>
-              </a:spcBef>
-              <a:buClr>
-                <a:schemeClr val="dk1"/>
-              </a:buClr>
-              <a:buSzPct val="91666"/>
-              <a:buFont typeface="Arial"/>
-              <a:buNone/>
-            </a:pPr>
-            <a:r>
-              <a:rPr lang="en" sz="1200"/>
-              <a:t>The :layout parameter determines whether the result of the rendering will be wrapped by a layout. If the parameter is false no layout will be applied. If set to true it will be applied only if there is one associated with the current action.</a:t>
-            </a:r>
+              <a:t>￼</a:t>
+            </a:r>
+          </a:p>
+          <a:p>
+            <a:pPr lvl="0" rtl="0">
+              <a:spcBef>
+                <a:spcPts val="0"/>
+              </a:spcBef>
+              <a:buNone/>
+            </a:pPr>
+            <a:r>
+              <a:t/>
+            </a:r>
+            <a:endParaRPr sz="1200"/>
           </a:p>
           <a:p>
             <a:pPr>
@@ -10941,6 +9424,283 @@
 </file>
 
 <file path=ppt/theme/theme2.xml><?xml version="1.0" encoding="utf-8"?>
+<a:theme xmlns:a="http://schemas.openxmlformats.org/drawingml/2006/main" xmlns:r="http://schemas.openxmlformats.org/officeDocument/2006/relationships" name="Custom Theme">
+  <a:themeElements>
+    <a:clrScheme name="Default">
+      <a:dk1>
+        <a:srgbClr val="000000"/>
+      </a:dk1>
+      <a:lt1>
+        <a:srgbClr val="FFFFFF"/>
+      </a:lt1>
+      <a:dk2>
+        <a:srgbClr val="158158"/>
+      </a:dk2>
+      <a:lt2>
+        <a:srgbClr val="F3F3F3"/>
+      </a:lt2>
+      <a:accent1>
+        <a:srgbClr val="058DC7"/>
+      </a:accent1>
+      <a:accent2>
+        <a:srgbClr val="50B432"/>
+      </a:accent2>
+      <a:accent3>
+        <a:srgbClr val="ED561B"/>
+      </a:accent3>
+      <a:accent4>
+        <a:srgbClr val="EDEF00"/>
+      </a:accent4>
+      <a:accent5>
+        <a:srgbClr val="24CBE5"/>
+      </a:accent5>
+      <a:accent6>
+        <a:srgbClr val="64E572"/>
+      </a:accent6>
+      <a:hlink>
+        <a:srgbClr val="2200CC"/>
+      </a:hlink>
+      <a:folHlink>
+        <a:srgbClr val="551A8B"/>
+      </a:folHlink>
+    </a:clrScheme>
+    <a:fontScheme name="Office">
+      <a:majorFont>
+        <a:latin typeface="Arial"/>
+        <a:ea typeface=""/>
+        <a:cs typeface=""/>
+        <a:font script="Jpan" typeface="ＭＳ Ｐゴシック"/>
+        <a:font script="Hang" typeface="맑은 고딕"/>
+        <a:font script="Hans" typeface="宋体"/>
+        <a:font script="Hant" typeface="新細明體"/>
+        <a:font script="Arab" typeface="Times New Roman"/>
+        <a:font script="Hebr" typeface="Times New Roman"/>
+        <a:font script="Thai" typeface="Angsana New"/>
+        <a:font script="Ethi" typeface="Nyala"/>
+        <a:font script="Beng" typeface="Vrinda"/>
+        <a:font script="Gujr" typeface="Shruti"/>
+        <a:font script="Khmr" typeface="MoolBoran"/>
+        <a:font script="Knda" typeface="Tunga"/>
+        <a:font script="Guru" typeface="Raavi"/>
+        <a:font script="Cans" typeface="Euphemia"/>
+        <a:font script="Cher" typeface="Plantagenet Cherokee"/>
+        <a:font script="Yiii" typeface="Microsoft Yi Baiti"/>
+        <a:font script="Tibt" typeface="Microsoft Himalaya"/>
+        <a:font script="Thaa" typeface="MV Boli"/>
+        <a:font script="Deva" typeface="Mangal"/>
+        <a:font script="Telu" typeface="Gautami"/>
+        <a:font script="Taml" typeface="Latha"/>
+        <a:font script="Syrc" typeface="Estrangelo Edessa"/>
+        <a:font script="Orya" typeface="Kalinga"/>
+        <a:font script="Mlym" typeface="Kartika"/>
+        <a:font script="Laoo" typeface="DokChampa"/>
+        <a:font script="Sinh" typeface="Iskoola Pota"/>
+        <a:font script="Mong" typeface="Mongolian Baiti"/>
+        <a:font script="Viet" typeface="Times New Roman"/>
+        <a:font script="Uigh" typeface="Microsoft Uighur"/>
+      </a:majorFont>
+      <a:minorFont>
+        <a:latin typeface="Arial"/>
+        <a:ea typeface=""/>
+        <a:cs typeface=""/>
+        <a:font script="Jpan" typeface="ＭＳ Ｐゴシック"/>
+        <a:font script="Hang" typeface="맑은 고딕"/>
+        <a:font script="Hans" typeface="宋体"/>
+        <a:font script="Hant" typeface="新細明體"/>
+        <a:font script="Arab" typeface="Times New Roman"/>
+        <a:font script="Hebr" typeface="Times New Roman"/>
+        <a:font script="Thai" typeface="Angsana New"/>
+        <a:font script="Ethi" typeface="Nyala"/>
+        <a:font script="Beng" typeface="Vrinda"/>
+        <a:font script="Gujr" typeface="Shruti"/>
+        <a:font script="Khmr" typeface="MoolBoran"/>
+        <a:font script="Knda" typeface="Tunga"/>
+        <a:font script="Guru" typeface="Raavi"/>
+        <a:font script="Cans" typeface="Euphemia"/>
+        <a:font script="Cher" typeface="Plantagenet Cherokee"/>
+        <a:font script="Yiii" typeface="Microsoft Yi Baiti"/>
+        <a:font script="Tibt" typeface="Microsoft Himalaya"/>
+        <a:font script="Thaa" typeface="MV Boli"/>
+        <a:font script="Deva" typeface="Mangal"/>
+        <a:font script="Telu" typeface="Gautami"/>
+        <a:font script="Taml" typeface="Latha"/>
+        <a:font script="Syrc" typeface="Estrangelo Edessa"/>
+        <a:font script="Orya" typeface="Kalinga"/>
+        <a:font script="Mlym" typeface="Kartika"/>
+        <a:font script="Laoo" typeface="DokChampa"/>
+        <a:font script="Sinh" typeface="Iskoola Pota"/>
+        <a:font script="Mong" typeface="Mongolian Baiti"/>
+        <a:font script="Viet" typeface="Times New Roman"/>
+        <a:font script="Uigh" typeface="Microsoft Uighur"/>
+      </a:minorFont>
+    </a:fontScheme>
+    <a:fmtScheme name="Office">
+      <a:fillStyleLst>
+        <a:solidFill>
+          <a:schemeClr val="phClr"/>
+        </a:solidFill>
+        <a:gradFill rotWithShape="1">
+          <a:gsLst>
+            <a:gs pos="0">
+              <a:schemeClr val="phClr">
+                <a:tint val="50000"/>
+                <a:satMod val="300000"/>
+              </a:schemeClr>
+            </a:gs>
+            <a:gs pos="35000">
+              <a:schemeClr val="phClr">
+                <a:tint val="37000"/>
+                <a:satMod val="300000"/>
+              </a:schemeClr>
+            </a:gs>
+            <a:gs pos="100000">
+              <a:schemeClr val="phClr">
+                <a:tint val="15000"/>
+                <a:satMod val="350000"/>
+              </a:schemeClr>
+            </a:gs>
+          </a:gsLst>
+          <a:lin ang="16200000" scaled="1"/>
+        </a:gradFill>
+        <a:gradFill rotWithShape="1">
+          <a:gsLst>
+            <a:gs pos="0">
+              <a:schemeClr val="phClr">
+                <a:tint val="100000"/>
+                <a:shade val="100000"/>
+                <a:satMod val="130000"/>
+              </a:schemeClr>
+            </a:gs>
+            <a:gs pos="100000">
+              <a:schemeClr val="phClr">
+                <a:tint val="50000"/>
+                <a:shade val="100000"/>
+                <a:satMod val="350000"/>
+              </a:schemeClr>
+            </a:gs>
+          </a:gsLst>
+          <a:lin ang="16200000" scaled="0"/>
+        </a:gradFill>
+      </a:fillStyleLst>
+      <a:lnStyleLst>
+        <a:ln cap="flat" cmpd="sng" w="9525" algn="ctr">
+          <a:solidFill>
+            <a:schemeClr val="phClr">
+              <a:shade val="95000"/>
+              <a:satMod val="105000"/>
+            </a:schemeClr>
+          </a:solidFill>
+          <a:prstDash val="solid"/>
+        </a:ln>
+        <a:ln cap="flat" cmpd="sng" w="25400" algn="ctr">
+          <a:solidFill>
+            <a:schemeClr val="phClr"/>
+          </a:solidFill>
+          <a:prstDash val="solid"/>
+        </a:ln>
+        <a:ln cap="flat" cmpd="sng" w="38100" algn="ctr">
+          <a:solidFill>
+            <a:schemeClr val="phClr"/>
+          </a:solidFill>
+          <a:prstDash val="solid"/>
+        </a:ln>
+      </a:lnStyleLst>
+      <a:effectStyleLst>
+        <a:effectStyle>
+          <a:effectLst>
+            <a:outerShdw blurRad="40000" rotWithShape="0" dir="5400000" dist="20000">
+              <a:srgbClr val="000000">
+                <a:alpha val="38000"/>
+              </a:srgbClr>
+            </a:outerShdw>
+          </a:effectLst>
+        </a:effectStyle>
+        <a:effectStyle>
+          <a:effectLst>
+            <a:outerShdw blurRad="40000" rotWithShape="0" dir="5400000" dist="23000">
+              <a:srgbClr val="000000">
+                <a:alpha val="35000"/>
+              </a:srgbClr>
+            </a:outerShdw>
+          </a:effectLst>
+        </a:effectStyle>
+        <a:effectStyle>
+          <a:effectLst>
+            <a:outerShdw blurRad="40000" rotWithShape="0" dir="5400000" dist="23000">
+              <a:srgbClr val="000000">
+                <a:alpha val="35000"/>
+              </a:srgbClr>
+            </a:outerShdw>
+          </a:effectLst>
+          <a:scene3d>
+            <a:camera prst="orthographicFront">
+              <a:rot lat="0" lon="0" rev="0"/>
+            </a:camera>
+            <a:lightRig dir="t" rig="threePt">
+              <a:rot lat="0" lon="0" rev="1200000"/>
+            </a:lightRig>
+          </a:scene3d>
+          <a:sp3d>
+            <a:bevelT h="25400" w="63500"/>
+          </a:sp3d>
+        </a:effectStyle>
+      </a:effectStyleLst>
+      <a:bgFillStyleLst>
+        <a:solidFill>
+          <a:schemeClr val="phClr"/>
+        </a:solidFill>
+        <a:gradFill rotWithShape="1">
+          <a:gsLst>
+            <a:gs pos="0">
+              <a:schemeClr val="phClr">
+                <a:tint val="40000"/>
+                <a:satMod val="350000"/>
+              </a:schemeClr>
+            </a:gs>
+            <a:gs pos="40000">
+              <a:schemeClr val="phClr">
+                <a:tint val="45000"/>
+                <a:shade val="99000"/>
+                <a:satMod val="350000"/>
+              </a:schemeClr>
+            </a:gs>
+            <a:gs pos="100000">
+              <a:schemeClr val="phClr">
+                <a:shade val="20000"/>
+                <a:satMod val="255000"/>
+              </a:schemeClr>
+            </a:gs>
+          </a:gsLst>
+          <a:path path="circle">
+            <a:fillToRect b="180000" l="50000" r="50000" t="-80000"/>
+          </a:path>
+        </a:gradFill>
+        <a:gradFill rotWithShape="1">
+          <a:gsLst>
+            <a:gs pos="0">
+              <a:schemeClr val="phClr">
+                <a:tint val="80000"/>
+                <a:satMod val="300000"/>
+              </a:schemeClr>
+            </a:gs>
+            <a:gs pos="100000">
+              <a:schemeClr val="phClr">
+                <a:shade val="30000"/>
+                <a:satMod val="200000"/>
+              </a:schemeClr>
+            </a:gs>
+          </a:gsLst>
+          <a:path path="circle">
+            <a:fillToRect b="50000" l="50000" r="50000" t="50000"/>
+          </a:path>
+        </a:gradFill>
+      </a:bgFillStyleLst>
+    </a:fmtScheme>
+  </a:themeElements>
+</a:theme>
+</file>
+
+<file path=ppt/theme/theme3.xml><?xml version="1.0" encoding="utf-8"?>
 <a:theme xmlns:a="http://schemas.openxmlformats.org/drawingml/2006/main" xmlns:r="http://schemas.openxmlformats.org/officeDocument/2006/relationships" name="Office Theme">
   <a:themeElements>
     <a:clrScheme name="Office">
@@ -11255,281 +10015,4 @@
     </a:lnDef>
   </a:objectDefaults>
 </a:theme>
-</file>
-
-<file path=ppt/theme/theme3.xml><?xml version="1.0" encoding="utf-8"?>
-<a:theme xmlns:a="http://schemas.openxmlformats.org/drawingml/2006/main" xmlns:r="http://schemas.openxmlformats.org/officeDocument/2006/relationships" name="Custom Theme">
-  <a:themeElements>
-    <a:clrScheme name="Default">
-      <a:dk1>
-        <a:srgbClr val="000000"/>
-      </a:dk1>
-      <a:lt1>
-        <a:srgbClr val="FFFFFF"/>
-      </a:lt1>
-      <a:dk2>
-        <a:srgbClr val="158158"/>
-      </a:dk2>
-      <a:lt2>
-        <a:srgbClr val="F3F3F3"/>
-      </a:lt2>
-      <a:accent1>
-        <a:srgbClr val="058DC7"/>
-      </a:accent1>
-      <a:accent2>
-        <a:srgbClr val="50B432"/>
-      </a:accent2>
-      <a:accent3>
-        <a:srgbClr val="ED561B"/>
-      </a:accent3>
-      <a:accent4>
-        <a:srgbClr val="EDEF00"/>
-      </a:accent4>
-      <a:accent5>
-        <a:srgbClr val="24CBE5"/>
-      </a:accent5>
-      <a:accent6>
-        <a:srgbClr val="64E572"/>
-      </a:accent6>
-      <a:hlink>
-        <a:srgbClr val="2200CC"/>
-      </a:hlink>
-      <a:folHlink>
-        <a:srgbClr val="551A8B"/>
-      </a:folHlink>
-    </a:clrScheme>
-    <a:fontScheme name="Office">
-      <a:majorFont>
-        <a:latin typeface="Arial"/>
-        <a:ea typeface=""/>
-        <a:cs typeface=""/>
-        <a:font script="Jpan" typeface="ＭＳ Ｐゴシック"/>
-        <a:font script="Hang" typeface="맑은 고딕"/>
-        <a:font script="Hans" typeface="宋体"/>
-        <a:font script="Hant" typeface="新細明體"/>
-        <a:font script="Arab" typeface="Times New Roman"/>
-        <a:font script="Hebr" typeface="Times New Roman"/>
-        <a:font script="Thai" typeface="Angsana New"/>
-        <a:font script="Ethi" typeface="Nyala"/>
-        <a:font script="Beng" typeface="Vrinda"/>
-        <a:font script="Gujr" typeface="Shruti"/>
-        <a:font script="Khmr" typeface="MoolBoran"/>
-        <a:font script="Knda" typeface="Tunga"/>
-        <a:font script="Guru" typeface="Raavi"/>
-        <a:font script="Cans" typeface="Euphemia"/>
-        <a:font script="Cher" typeface="Plantagenet Cherokee"/>
-        <a:font script="Yiii" typeface="Microsoft Yi Baiti"/>
-        <a:font script="Tibt" typeface="Microsoft Himalaya"/>
-        <a:font script="Thaa" typeface="MV Boli"/>
-        <a:font script="Deva" typeface="Mangal"/>
-        <a:font script="Telu" typeface="Gautami"/>
-        <a:font script="Taml" typeface="Latha"/>
-        <a:font script="Syrc" typeface="Estrangelo Edessa"/>
-        <a:font script="Orya" typeface="Kalinga"/>
-        <a:font script="Mlym" typeface="Kartika"/>
-        <a:font script="Laoo" typeface="DokChampa"/>
-        <a:font script="Sinh" typeface="Iskoola Pota"/>
-        <a:font script="Mong" typeface="Mongolian Baiti"/>
-        <a:font script="Viet" typeface="Times New Roman"/>
-        <a:font script="Uigh" typeface="Microsoft Uighur"/>
-      </a:majorFont>
-      <a:minorFont>
-        <a:latin typeface="Arial"/>
-        <a:ea typeface=""/>
-        <a:cs typeface=""/>
-        <a:font script="Jpan" typeface="ＭＳ Ｐゴシック"/>
-        <a:font script="Hang" typeface="맑은 고딕"/>
-        <a:font script="Hans" typeface="宋体"/>
-        <a:font script="Hant" typeface="新細明體"/>
-        <a:font script="Arab" typeface="Times New Roman"/>
-        <a:font script="Hebr" typeface="Times New Roman"/>
-        <a:font script="Thai" typeface="Angsana New"/>
-        <a:font script="Ethi" typeface="Nyala"/>
-        <a:font script="Beng" typeface="Vrinda"/>
-        <a:font script="Gujr" typeface="Shruti"/>
-        <a:font script="Khmr" typeface="MoolBoran"/>
-        <a:font script="Knda" typeface="Tunga"/>
-        <a:font script="Guru" typeface="Raavi"/>
-        <a:font script="Cans" typeface="Euphemia"/>
-        <a:font script="Cher" typeface="Plantagenet Cherokee"/>
-        <a:font script="Yiii" typeface="Microsoft Yi Baiti"/>
-        <a:font script="Tibt" typeface="Microsoft Himalaya"/>
-        <a:font script="Thaa" typeface="MV Boli"/>
-        <a:font script="Deva" typeface="Mangal"/>
-        <a:font script="Telu" typeface="Gautami"/>
-        <a:font script="Taml" typeface="Latha"/>
-        <a:font script="Syrc" typeface="Estrangelo Edessa"/>
-        <a:font script="Orya" typeface="Kalinga"/>
-        <a:font script="Mlym" typeface="Kartika"/>
-        <a:font script="Laoo" typeface="DokChampa"/>
-        <a:font script="Sinh" typeface="Iskoola Pota"/>
-        <a:font script="Mong" typeface="Mongolian Baiti"/>
-        <a:font script="Viet" typeface="Times New Roman"/>
-        <a:font script="Uigh" typeface="Microsoft Uighur"/>
-      </a:minorFont>
-    </a:fontScheme>
-    <a:fmtScheme name="Office">
-      <a:fillStyleLst>
-        <a:solidFill>
-          <a:schemeClr val="phClr"/>
-        </a:solidFill>
-        <a:gradFill rotWithShape="1">
-          <a:gsLst>
-            <a:gs pos="0">
-              <a:schemeClr val="phClr">
-                <a:tint val="50000"/>
-                <a:satMod val="300000"/>
-              </a:schemeClr>
-            </a:gs>
-            <a:gs pos="35000">
-              <a:schemeClr val="phClr">
-                <a:tint val="37000"/>
-                <a:satMod val="300000"/>
-              </a:schemeClr>
-            </a:gs>
-            <a:gs pos="100000">
-              <a:schemeClr val="phClr">
-                <a:tint val="15000"/>
-                <a:satMod val="350000"/>
-              </a:schemeClr>
-            </a:gs>
-          </a:gsLst>
-          <a:lin ang="16200000" scaled="1"/>
-        </a:gradFill>
-        <a:gradFill rotWithShape="1">
-          <a:gsLst>
-            <a:gs pos="0">
-              <a:schemeClr val="phClr">
-                <a:tint val="100000"/>
-                <a:shade val="100000"/>
-                <a:satMod val="130000"/>
-              </a:schemeClr>
-            </a:gs>
-            <a:gs pos="100000">
-              <a:schemeClr val="phClr">
-                <a:tint val="50000"/>
-                <a:shade val="100000"/>
-                <a:satMod val="350000"/>
-              </a:schemeClr>
-            </a:gs>
-          </a:gsLst>
-          <a:lin ang="16200000" scaled="0"/>
-        </a:gradFill>
-      </a:fillStyleLst>
-      <a:lnStyleLst>
-        <a:ln cap="flat" cmpd="sng" w="9525" algn="ctr">
-          <a:solidFill>
-            <a:schemeClr val="phClr">
-              <a:shade val="95000"/>
-              <a:satMod val="105000"/>
-            </a:schemeClr>
-          </a:solidFill>
-          <a:prstDash val="solid"/>
-        </a:ln>
-        <a:ln cap="flat" cmpd="sng" w="25400" algn="ctr">
-          <a:solidFill>
-            <a:schemeClr val="phClr"/>
-          </a:solidFill>
-          <a:prstDash val="solid"/>
-        </a:ln>
-        <a:ln cap="flat" cmpd="sng" w="38100" algn="ctr">
-          <a:solidFill>
-            <a:schemeClr val="phClr"/>
-          </a:solidFill>
-          <a:prstDash val="solid"/>
-        </a:ln>
-      </a:lnStyleLst>
-      <a:effectStyleLst>
-        <a:effectStyle>
-          <a:effectLst>
-            <a:outerShdw blurRad="40000" rotWithShape="0" dir="5400000" dist="20000">
-              <a:srgbClr val="000000">
-                <a:alpha val="38000"/>
-              </a:srgbClr>
-            </a:outerShdw>
-          </a:effectLst>
-        </a:effectStyle>
-        <a:effectStyle>
-          <a:effectLst>
-            <a:outerShdw blurRad="40000" rotWithShape="0" dir="5400000" dist="23000">
-              <a:srgbClr val="000000">
-                <a:alpha val="35000"/>
-              </a:srgbClr>
-            </a:outerShdw>
-          </a:effectLst>
-        </a:effectStyle>
-        <a:effectStyle>
-          <a:effectLst>
-            <a:outerShdw blurRad="40000" rotWithShape="0" dir="5400000" dist="23000">
-              <a:srgbClr val="000000">
-                <a:alpha val="35000"/>
-              </a:srgbClr>
-            </a:outerShdw>
-          </a:effectLst>
-          <a:scene3d>
-            <a:camera prst="orthographicFront">
-              <a:rot lat="0" lon="0" rev="0"/>
-            </a:camera>
-            <a:lightRig dir="t" rig="threePt">
-              <a:rot lat="0" lon="0" rev="1200000"/>
-            </a:lightRig>
-          </a:scene3d>
-          <a:sp3d>
-            <a:bevelT h="25400" w="63500"/>
-          </a:sp3d>
-        </a:effectStyle>
-      </a:effectStyleLst>
-      <a:bgFillStyleLst>
-        <a:solidFill>
-          <a:schemeClr val="phClr"/>
-        </a:solidFill>
-        <a:gradFill rotWithShape="1">
-          <a:gsLst>
-            <a:gs pos="0">
-              <a:schemeClr val="phClr">
-                <a:tint val="40000"/>
-                <a:satMod val="350000"/>
-              </a:schemeClr>
-            </a:gs>
-            <a:gs pos="40000">
-              <a:schemeClr val="phClr">
-                <a:tint val="45000"/>
-                <a:shade val="99000"/>
-                <a:satMod val="350000"/>
-              </a:schemeClr>
-            </a:gs>
-            <a:gs pos="100000">
-              <a:schemeClr val="phClr">
-                <a:shade val="20000"/>
-                <a:satMod val="255000"/>
-              </a:schemeClr>
-            </a:gs>
-          </a:gsLst>
-          <a:path path="circle">
-            <a:fillToRect b="180000" l="50000" r="50000" t="-80000"/>
-          </a:path>
-        </a:gradFill>
-        <a:gradFill rotWithShape="1">
-          <a:gsLst>
-            <a:gs pos="0">
-              <a:schemeClr val="phClr">
-                <a:tint val="80000"/>
-                <a:satMod val="300000"/>
-              </a:schemeClr>
-            </a:gs>
-            <a:gs pos="100000">
-              <a:schemeClr val="phClr">
-                <a:shade val="30000"/>
-                <a:satMod val="200000"/>
-              </a:schemeClr>
-            </a:gs>
-          </a:gsLst>
-          <a:path path="circle">
-            <a:fillToRect b="50000" l="50000" r="50000" t="50000"/>
-          </a:path>
-        </a:gradFill>
-      </a:bgFillStyleLst>
-    </a:fmtScheme>
-  </a:themeElements>
-</a:theme>
 </file>